--- a/conf_rust.pptx
+++ b/conf_rust.pptx
@@ -5,36 +5,67 @@
     <p:sldMasterId id="2147483648" r:id="rId1"/>
   </p:sldMasterIdLst>
   <p:sldIdLst>
-    <p:sldId id="256" r:id="rId2"/>
-    <p:sldId id="278" r:id="rId3"/>
-    <p:sldId id="259" r:id="rId4"/>
-    <p:sldId id="295" r:id="rId5"/>
-    <p:sldId id="296" r:id="rId6"/>
-    <p:sldId id="297" r:id="rId7"/>
-    <p:sldId id="298" r:id="rId8"/>
-    <p:sldId id="299" r:id="rId9"/>
-    <p:sldId id="300" r:id="rId10"/>
-    <p:sldId id="301" r:id="rId11"/>
-    <p:sldId id="302" r:id="rId12"/>
-    <p:sldId id="303" r:id="rId13"/>
-    <p:sldId id="280" r:id="rId14"/>
-    <p:sldId id="288" r:id="rId15"/>
-    <p:sldId id="289" r:id="rId16"/>
-    <p:sldId id="290" r:id="rId17"/>
-    <p:sldId id="291" r:id="rId18"/>
-    <p:sldId id="292" r:id="rId19"/>
-    <p:sldId id="293" r:id="rId20"/>
-    <p:sldId id="294" r:id="rId21"/>
-    <p:sldId id="287" r:id="rId22"/>
-    <p:sldId id="279" r:id="rId23"/>
-    <p:sldId id="281" r:id="rId24"/>
-    <p:sldId id="282" r:id="rId25"/>
-    <p:sldId id="284" r:id="rId26"/>
-    <p:sldId id="285" r:id="rId27"/>
-    <p:sldId id="286" r:id="rId28"/>
-    <p:sldId id="283" r:id="rId29"/>
-    <p:sldId id="277" r:id="rId30"/>
-    <p:sldId id="276" r:id="rId31"/>
+    <p:sldId id="310" r:id="rId2"/>
+    <p:sldId id="256" r:id="rId3"/>
+    <p:sldId id="278" r:id="rId4"/>
+    <p:sldId id="259" r:id="rId5"/>
+    <p:sldId id="295" r:id="rId6"/>
+    <p:sldId id="296" r:id="rId7"/>
+    <p:sldId id="297" r:id="rId8"/>
+    <p:sldId id="298" r:id="rId9"/>
+    <p:sldId id="299" r:id="rId10"/>
+    <p:sldId id="318" r:id="rId11"/>
+    <p:sldId id="321" r:id="rId12"/>
+    <p:sldId id="300" r:id="rId13"/>
+    <p:sldId id="305" r:id="rId14"/>
+    <p:sldId id="314" r:id="rId15"/>
+    <p:sldId id="315" r:id="rId16"/>
+    <p:sldId id="304" r:id="rId17"/>
+    <p:sldId id="311" r:id="rId18"/>
+    <p:sldId id="312" r:id="rId19"/>
+    <p:sldId id="313" r:id="rId20"/>
+    <p:sldId id="302" r:id="rId21"/>
+    <p:sldId id="316" r:id="rId22"/>
+    <p:sldId id="317" r:id="rId23"/>
+    <p:sldId id="319" r:id="rId24"/>
+    <p:sldId id="320" r:id="rId25"/>
+    <p:sldId id="303" r:id="rId26"/>
+    <p:sldId id="306" r:id="rId27"/>
+    <p:sldId id="322" r:id="rId28"/>
+    <p:sldId id="323" r:id="rId29"/>
+    <p:sldId id="307" r:id="rId30"/>
+    <p:sldId id="324" r:id="rId31"/>
+    <p:sldId id="325" r:id="rId32"/>
+    <p:sldId id="326" r:id="rId33"/>
+    <p:sldId id="328" r:id="rId34"/>
+    <p:sldId id="329" r:id="rId35"/>
+    <p:sldId id="330" r:id="rId36"/>
+    <p:sldId id="308" r:id="rId37"/>
+    <p:sldId id="327" r:id="rId38"/>
+    <p:sldId id="331" r:id="rId39"/>
+    <p:sldId id="332" r:id="rId40"/>
+    <p:sldId id="333" r:id="rId41"/>
+    <p:sldId id="309" r:id="rId42"/>
+    <p:sldId id="334" r:id="rId43"/>
+    <p:sldId id="335" r:id="rId44"/>
+    <p:sldId id="280" r:id="rId45"/>
+    <p:sldId id="288" r:id="rId46"/>
+    <p:sldId id="289" r:id="rId47"/>
+    <p:sldId id="290" r:id="rId48"/>
+    <p:sldId id="291" r:id="rId49"/>
+    <p:sldId id="292" r:id="rId50"/>
+    <p:sldId id="293" r:id="rId51"/>
+    <p:sldId id="294" r:id="rId52"/>
+    <p:sldId id="287" r:id="rId53"/>
+    <p:sldId id="279" r:id="rId54"/>
+    <p:sldId id="281" r:id="rId55"/>
+    <p:sldId id="282" r:id="rId56"/>
+    <p:sldId id="284" r:id="rId57"/>
+    <p:sldId id="285" r:id="rId58"/>
+    <p:sldId id="286" r:id="rId59"/>
+    <p:sldId id="283" r:id="rId60"/>
+    <p:sldId id="277" r:id="rId61"/>
+    <p:sldId id="276" r:id="rId62"/>
   </p:sldIdLst>
   <p:sldSz cx="12192000" cy="6858000"/>
   <p:notesSz cx="6858000" cy="9144000"/>
@@ -138,6 +169,7 @@
       <p14:sectionLst xmlns:p14="http://schemas.microsoft.com/office/powerpoint/2010/main">
         <p14:section name="Раздел по умолчанию" id="{15AA8FE0-A8D9-4038-A5B8-56ADE5A6E667}">
           <p14:sldIdLst>
+            <p14:sldId id="310"/>
             <p14:sldId id="256"/>
             <p14:sldId id="278"/>
             <p14:sldId id="259"/>
@@ -146,10 +178,40 @@
             <p14:sldId id="297"/>
             <p14:sldId id="298"/>
             <p14:sldId id="299"/>
+            <p14:sldId id="318"/>
+            <p14:sldId id="321"/>
             <p14:sldId id="300"/>
-            <p14:sldId id="301"/>
+            <p14:sldId id="305"/>
+            <p14:sldId id="314"/>
+            <p14:sldId id="315"/>
+            <p14:sldId id="304"/>
+            <p14:sldId id="311"/>
+            <p14:sldId id="312"/>
+            <p14:sldId id="313"/>
             <p14:sldId id="302"/>
+            <p14:sldId id="316"/>
+            <p14:sldId id="317"/>
+            <p14:sldId id="319"/>
+            <p14:sldId id="320"/>
             <p14:sldId id="303"/>
+            <p14:sldId id="306"/>
+            <p14:sldId id="322"/>
+            <p14:sldId id="323"/>
+            <p14:sldId id="307"/>
+            <p14:sldId id="324"/>
+            <p14:sldId id="325"/>
+            <p14:sldId id="326"/>
+            <p14:sldId id="328"/>
+            <p14:sldId id="329"/>
+            <p14:sldId id="330"/>
+            <p14:sldId id="308"/>
+            <p14:sldId id="327"/>
+            <p14:sldId id="331"/>
+            <p14:sldId id="332"/>
+            <p14:sldId id="333"/>
+            <p14:sldId id="309"/>
+            <p14:sldId id="334"/>
+            <p14:sldId id="335"/>
             <p14:sldId id="280"/>
             <p14:sldId id="288"/>
             <p14:sldId id="289"/>
@@ -310,7 +372,7 @@
           <a:p>
             <a:fld id="{D84B3AAB-D1E7-4678-A862-D262B7922D6B}" type="datetimeFigureOut">
               <a:rPr lang="ru-RU" smtClean="0"/>
-              <a:t>10.10.2017</a:t>
+              <a:t>11.10.2017</a:t>
             </a:fld>
             <a:endParaRPr lang="ru-RU"/>
           </a:p>
@@ -480,7 +542,7 @@
           <a:p>
             <a:fld id="{D84B3AAB-D1E7-4678-A862-D262B7922D6B}" type="datetimeFigureOut">
               <a:rPr lang="ru-RU" smtClean="0"/>
-              <a:t>10.10.2017</a:t>
+              <a:t>11.10.2017</a:t>
             </a:fld>
             <a:endParaRPr lang="ru-RU"/>
           </a:p>
@@ -660,7 +722,7 @@
           <a:p>
             <a:fld id="{D84B3AAB-D1E7-4678-A862-D262B7922D6B}" type="datetimeFigureOut">
               <a:rPr lang="ru-RU" smtClean="0"/>
-              <a:t>10.10.2017</a:t>
+              <a:t>11.10.2017</a:t>
             </a:fld>
             <a:endParaRPr lang="ru-RU"/>
           </a:p>
@@ -830,7 +892,7 @@
           <a:p>
             <a:fld id="{D84B3AAB-D1E7-4678-A862-D262B7922D6B}" type="datetimeFigureOut">
               <a:rPr lang="ru-RU" smtClean="0"/>
-              <a:t>10.10.2017</a:t>
+              <a:t>11.10.2017</a:t>
             </a:fld>
             <a:endParaRPr lang="ru-RU"/>
           </a:p>
@@ -1076,7 +1138,7 @@
           <a:p>
             <a:fld id="{D84B3AAB-D1E7-4678-A862-D262B7922D6B}" type="datetimeFigureOut">
               <a:rPr lang="ru-RU" smtClean="0"/>
-              <a:t>10.10.2017</a:t>
+              <a:t>11.10.2017</a:t>
             </a:fld>
             <a:endParaRPr lang="ru-RU"/>
           </a:p>
@@ -1308,7 +1370,7 @@
           <a:p>
             <a:fld id="{D84B3AAB-D1E7-4678-A862-D262B7922D6B}" type="datetimeFigureOut">
               <a:rPr lang="ru-RU" smtClean="0"/>
-              <a:t>10.10.2017</a:t>
+              <a:t>11.10.2017</a:t>
             </a:fld>
             <a:endParaRPr lang="ru-RU"/>
           </a:p>
@@ -1675,7 +1737,7 @@
           <a:p>
             <a:fld id="{D84B3AAB-D1E7-4678-A862-D262B7922D6B}" type="datetimeFigureOut">
               <a:rPr lang="ru-RU" smtClean="0"/>
-              <a:t>10.10.2017</a:t>
+              <a:t>11.10.2017</a:t>
             </a:fld>
             <a:endParaRPr lang="ru-RU"/>
           </a:p>
@@ -1793,7 +1855,7 @@
           <a:p>
             <a:fld id="{D84B3AAB-D1E7-4678-A862-D262B7922D6B}" type="datetimeFigureOut">
               <a:rPr lang="ru-RU" smtClean="0"/>
-              <a:t>10.10.2017</a:t>
+              <a:t>11.10.2017</a:t>
             </a:fld>
             <a:endParaRPr lang="ru-RU"/>
           </a:p>
@@ -1888,7 +1950,7 @@
           <a:p>
             <a:fld id="{D84B3AAB-D1E7-4678-A862-D262B7922D6B}" type="datetimeFigureOut">
               <a:rPr lang="ru-RU" smtClean="0"/>
-              <a:t>10.10.2017</a:t>
+              <a:t>11.10.2017</a:t>
             </a:fld>
             <a:endParaRPr lang="ru-RU"/>
           </a:p>
@@ -2165,7 +2227,7 @@
           <a:p>
             <a:fld id="{D84B3AAB-D1E7-4678-A862-D262B7922D6B}" type="datetimeFigureOut">
               <a:rPr lang="ru-RU" smtClean="0"/>
-              <a:t>10.10.2017</a:t>
+              <a:t>11.10.2017</a:t>
             </a:fld>
             <a:endParaRPr lang="ru-RU"/>
           </a:p>
@@ -2418,7 +2480,7 @@
           <a:p>
             <a:fld id="{D84B3AAB-D1E7-4678-A862-D262B7922D6B}" type="datetimeFigureOut">
               <a:rPr lang="ru-RU" smtClean="0"/>
-              <a:t>10.10.2017</a:t>
+              <a:t>11.10.2017</a:t>
             </a:fld>
             <a:endParaRPr lang="ru-RU"/>
           </a:p>
@@ -2631,7 +2693,7 @@
           <a:p>
             <a:fld id="{D84B3AAB-D1E7-4678-A862-D262B7922D6B}" type="datetimeFigureOut">
               <a:rPr lang="ru-RU" smtClean="0"/>
-              <a:t>10.10.2017</a:t>
+              <a:t>11.10.2017</a:t>
             </a:fld>
             <a:endParaRPr lang="ru-RU"/>
           </a:p>
@@ -3043,7 +3105,7 @@
             <a:spLocks noGrp="1"/>
           </p:cNvSpPr>
           <p:nvPr>
-            <p:ph type="ctrTitle"/>
+            <p:ph type="title"/>
           </p:nvPr>
         </p:nvSpPr>
         <p:spPr/>
@@ -3051,44 +3113,43 @@
           <a:bodyPr/>
           <a:lstStyle/>
           <a:p>
-            <a:r>
-              <a:rPr lang="en-US" b="1" dirty="0" smtClean="0"/>
-              <a:t>Rust</a:t>
-            </a:r>
-            <a:endParaRPr lang="ru-RU" dirty="0"/>
+            <a:endParaRPr lang="ru-RU"/>
           </a:p>
         </p:txBody>
       </p:sp>
-      <p:sp>
-        <p:nvSpPr>
-          <p:cNvPr id="3" name="Подзаголовок 2"/>
-          <p:cNvSpPr>
-            <a:spLocks noGrp="1"/>
-          </p:cNvSpPr>
-          <p:nvPr>
-            <p:ph type="subTitle" idx="1"/>
-          </p:nvPr>
-        </p:nvSpPr>
+      <p:pic>
+        <p:nvPicPr>
+          <p:cNvPr id="4" name="Объект 3"/>
+          <p:cNvPicPr>
+            <a:picLocks noGrp="1" noChangeAspect="1"/>
+          </p:cNvPicPr>
+          <p:nvPr>
+            <p:ph idx="1"/>
+          </p:nvPr>
+        </p:nvPicPr>
+        <p:blipFill>
+          <a:blip r:embed="rId2">
+            <a:extLst>
+              <a:ext uri="{28A0092B-C50C-407E-A947-70E740481C1C}">
+                <a14:useLocalDpi xmlns:a14="http://schemas.microsoft.com/office/drawing/2010/main" val="0"/>
+              </a:ext>
+            </a:extLst>
+          </a:blip>
+          <a:stretch>
+            <a:fillRect/>
+          </a:stretch>
+        </p:blipFill>
         <p:spPr>
           <a:xfrm>
-            <a:off x="1524000" y="4361934"/>
-            <a:ext cx="9144000" cy="895865"/>
+            <a:off x="2095925" y="365125"/>
+            <a:ext cx="8000149" cy="5818291"/>
           </a:xfrm>
         </p:spPr>
-        <p:txBody>
-          <a:bodyPr>
-            <a:normAutofit/>
-          </a:bodyPr>
-          <a:lstStyle/>
-          <a:p>
-            <a:endParaRPr lang="ru-RU" sz="1600" dirty="0"/>
-          </a:p>
-        </p:txBody>
-      </p:sp>
+      </p:pic>
     </p:spTree>
     <p:extLst>
       <p:ext uri="{BB962C8B-B14F-4D97-AF65-F5344CB8AC3E}">
-        <p14:creationId xmlns:p14="http://schemas.microsoft.com/office/powerpoint/2010/main" val="2636179977"/>
+        <p14:creationId xmlns:p14="http://schemas.microsoft.com/office/powerpoint/2010/main" val="2292848177"/>
       </p:ext>
     </p:extLst>
   </p:cSld>
@@ -3124,12 +3185,12 @@
       </p:grpSpPr>
       <p:sp>
         <p:nvSpPr>
-          <p:cNvPr id="2" name="Title 1"/>
+          <p:cNvPr id="4" name="Заголовок 3"/>
           <p:cNvSpPr>
             <a:spLocks noGrp="1"/>
           </p:cNvSpPr>
           <p:nvPr>
-            <p:ph type="title"/>
+            <p:ph type="ctrTitle"/>
           </p:nvPr>
         </p:nvSpPr>
         <p:spPr/>
@@ -3137,18 +3198,22 @@
           <a:bodyPr/>
           <a:lstStyle/>
           <a:p>
-            <a:endParaRPr lang="en-US"/>
+            <a:r>
+              <a:rPr lang="en-US" dirty="0" smtClean="0"/>
+              <a:t>Rust</a:t>
+            </a:r>
+            <a:endParaRPr lang="ru-RU" dirty="0"/>
           </a:p>
         </p:txBody>
       </p:sp>
       <p:sp>
         <p:nvSpPr>
-          <p:cNvPr id="3" name="Content Placeholder 2"/>
+          <p:cNvPr id="5" name="Подзаголовок 4"/>
           <p:cNvSpPr>
             <a:spLocks noGrp="1"/>
           </p:cNvSpPr>
           <p:nvPr>
-            <p:ph idx="1"/>
+            <p:ph type="subTitle" idx="1"/>
           </p:nvPr>
         </p:nvSpPr>
         <p:spPr/>
@@ -3156,20 +3221,31 @@
           <a:bodyPr/>
           <a:lstStyle/>
           <a:p>
-            <a:endParaRPr lang="en-US"/>
+            <a:r>
+              <a:rPr lang="en-US" dirty="0"/>
+              <a:t>Rust is more interesting than I described here!</a:t>
+            </a:r>
+            <a:endParaRPr lang="ru-RU" dirty="0"/>
           </a:p>
         </p:txBody>
       </p:sp>
     </p:spTree>
     <p:extLst>
       <p:ext uri="{BB962C8B-B14F-4D97-AF65-F5344CB8AC3E}">
-        <p14:creationId xmlns:p14="http://schemas.microsoft.com/office/powerpoint/2010/main" val="1483807464"/>
+        <p14:creationId xmlns:p14="http://schemas.microsoft.com/office/powerpoint/2010/main" val="471390644"/>
       </p:ext>
     </p:extLst>
   </p:cSld>
   <p:clrMapOvr>
     <a:masterClrMapping/>
   </p:clrMapOvr>
+  <p:timing>
+    <p:tnLst>
+      <p:par>
+        <p:cTn id="1" dur="indefinite" restart="never" nodeType="tmRoot"/>
+      </p:par>
+    </p:tnLst>
+  </p:timing>
 </p:sld>
 </file>
 
@@ -3192,7 +3268,7 @@
       </p:grpSpPr>
       <p:sp>
         <p:nvSpPr>
-          <p:cNvPr id="2" name="Title 1"/>
+          <p:cNvPr id="2" name="Заголовок 1"/>
           <p:cNvSpPr>
             <a:spLocks noGrp="1"/>
           </p:cNvSpPr>
@@ -3205,39 +3281,56 @@
           <a:bodyPr/>
           <a:lstStyle/>
           <a:p>
-            <a:endParaRPr lang="en-US"/>
+            <a:endParaRPr lang="ru-RU"/>
           </a:p>
         </p:txBody>
       </p:sp>
-      <p:sp>
-        <p:nvSpPr>
-          <p:cNvPr id="3" name="Content Placeholder 2"/>
-          <p:cNvSpPr>
-            <a:spLocks noGrp="1"/>
-          </p:cNvSpPr>
+      <p:pic>
+        <p:nvPicPr>
+          <p:cNvPr id="4" name="Объект 3"/>
+          <p:cNvPicPr>
+            <a:picLocks noGrp="1" noChangeAspect="1"/>
+          </p:cNvPicPr>
           <p:nvPr>
             <p:ph idx="1"/>
           </p:nvPr>
-        </p:nvSpPr>
-        <p:spPr/>
-        <p:txBody>
-          <a:bodyPr/>
-          <a:lstStyle/>
-          <a:p>
-            <a:endParaRPr lang="en-US"/>
-          </a:p>
-        </p:txBody>
-      </p:sp>
+        </p:nvPicPr>
+        <p:blipFill>
+          <a:blip r:embed="rId2">
+            <a:extLst>
+              <a:ext uri="{28A0092B-C50C-407E-A947-70E740481C1C}">
+                <a14:useLocalDpi xmlns:a14="http://schemas.microsoft.com/office/drawing/2010/main" val="0"/>
+              </a:ext>
+            </a:extLst>
+          </a:blip>
+          <a:stretch>
+            <a:fillRect/>
+          </a:stretch>
+        </p:blipFill>
+        <p:spPr>
+          <a:xfrm>
+            <a:off x="3538025" y="3374478"/>
+            <a:ext cx="5115949" cy="1319442"/>
+          </a:xfrm>
+        </p:spPr>
+      </p:pic>
     </p:spTree>
     <p:extLst>
       <p:ext uri="{BB962C8B-B14F-4D97-AF65-F5344CB8AC3E}">
-        <p14:creationId xmlns:p14="http://schemas.microsoft.com/office/powerpoint/2010/main" val="1064276703"/>
+        <p14:creationId xmlns:p14="http://schemas.microsoft.com/office/powerpoint/2010/main" val="3724849148"/>
       </p:ext>
     </p:extLst>
   </p:cSld>
   <p:clrMapOvr>
     <a:masterClrMapping/>
   </p:clrMapOvr>
+  <p:timing>
+    <p:tnLst>
+      <p:par>
+        <p:cTn id="1" dur="indefinite" restart="never" nodeType="tmRoot"/>
+      </p:par>
+    </p:tnLst>
+  </p:timing>
 </p:sld>
 </file>
 
@@ -3289,23 +3382,277 @@
         </p:nvSpPr>
         <p:spPr/>
         <p:txBody>
-          <a:bodyPr/>
+          <a:bodyPr>
+            <a:normAutofit/>
+          </a:bodyPr>
           <a:lstStyle/>
           <a:p>
-            <a:endParaRPr lang="en-US"/>
+            <a:pPr marL="0" indent="0">
+              <a:buNone/>
+            </a:pPr>
+            <a:r>
+              <a:rPr lang="en-US" dirty="0"/>
+              <a:t>Rust is a systems programming language </a:t>
+            </a:r>
+            <a:r>
+              <a:rPr lang="en-US" dirty="0" smtClean="0"/>
+              <a:t>sponsored by </a:t>
+            </a:r>
+            <a:r>
+              <a:rPr lang="en-US" dirty="0"/>
+              <a:t>Mozilla Research. </a:t>
+            </a:r>
+            <a:r>
+              <a:rPr lang="en-US" dirty="0" smtClean="0"/>
+              <a:t>It </a:t>
+            </a:r>
+            <a:r>
+              <a:rPr lang="en-US" dirty="0"/>
+              <a:t>is designed to be a "safe, concurrent, practical language", supporting </a:t>
+            </a:r>
+            <a:r>
+              <a:rPr lang="en-US" dirty="0" smtClean="0"/>
+              <a:t>functional and imperative-procedural paradigms.</a:t>
+            </a:r>
+          </a:p>
+          <a:p>
+            <a:pPr marL="0" indent="0">
+              <a:buNone/>
+            </a:pPr>
+            <a:r>
+              <a:rPr lang="en-US" dirty="0" smtClean="0"/>
+              <a:t>Rust </a:t>
+            </a:r>
+            <a:r>
+              <a:rPr lang="en-US" dirty="0"/>
+              <a:t>is syntactically </a:t>
+            </a:r>
+            <a:r>
+              <a:rPr lang="en-US" dirty="0" smtClean="0"/>
+              <a:t>similar </a:t>
+            </a:r>
+            <a:r>
+              <a:rPr lang="en-US" dirty="0"/>
+              <a:t>to C++, but is designed for better memory safety while maintaining performance</a:t>
+            </a:r>
+            <a:r>
+              <a:rPr lang="en-US" dirty="0" smtClean="0"/>
+              <a:t>.</a:t>
+            </a:r>
+          </a:p>
+          <a:p>
+            <a:pPr marL="0" indent="0">
+              <a:buNone/>
+            </a:pPr>
+            <a:endParaRPr lang="en-US" dirty="0"/>
+          </a:p>
+          <a:p>
+            <a:pPr marL="0" indent="0">
+              <a:buNone/>
+            </a:pPr>
+            <a:endParaRPr lang="en-US" dirty="0"/>
+          </a:p>
+          <a:p>
+            <a:pPr marL="0" indent="0">
+              <a:buNone/>
+            </a:pPr>
+            <a:endParaRPr lang="en-US" sz="1400" dirty="0" smtClean="0"/>
+          </a:p>
+          <a:p>
+            <a:pPr marL="0" indent="0">
+              <a:buNone/>
+            </a:pPr>
+            <a:endParaRPr lang="en-US" sz="1400" dirty="0" smtClean="0"/>
+          </a:p>
+          <a:p>
+            <a:pPr marL="0" indent="0">
+              <a:buNone/>
+            </a:pPr>
+            <a:r>
+              <a:rPr lang="en-US" sz="1400" dirty="0" smtClean="0"/>
+              <a:t>https</a:t>
+            </a:r>
+            <a:r>
+              <a:rPr lang="en-US" sz="1400" dirty="0"/>
+              <a:t>://en.wikipedia.org/wiki/Rust_(programming_language)</a:t>
+            </a:r>
+          </a:p>
+        </p:txBody>
+      </p:sp>
+      <p:sp>
+        <p:nvSpPr>
+          <p:cNvPr id="4" name="TextBox 3"/>
+          <p:cNvSpPr txBox="1"/>
+          <p:nvPr/>
+        </p:nvSpPr>
+        <p:spPr>
+          <a:xfrm>
+            <a:off x="6694311" y="5119510"/>
+            <a:ext cx="607859" cy="369332"/>
+          </a:xfrm>
+          <a:prstGeom prst="rect">
+            <a:avLst/>
+          </a:prstGeom>
+          <a:noFill/>
+        </p:spPr>
+        <p:txBody>
+          <a:bodyPr wrap="none" rtlCol="0">
+            <a:spAutoFit/>
+          </a:bodyPr>
+          <a:lstStyle/>
+          <a:p>
+            <a:r>
+              <a:rPr lang="en-US" strike="sngStrike" dirty="0" smtClean="0"/>
+              <a:t>OOP</a:t>
+            </a:r>
+            <a:endParaRPr lang="en-US" strike="sngStrike" dirty="0"/>
+          </a:p>
+        </p:txBody>
+      </p:sp>
+      <p:sp>
+        <p:nvSpPr>
+          <p:cNvPr id="5" name="TextBox 4"/>
+          <p:cNvSpPr txBox="1"/>
+          <p:nvPr/>
+        </p:nvSpPr>
+        <p:spPr>
+          <a:xfrm>
+            <a:off x="8844845" y="4721955"/>
+            <a:ext cx="1323889" cy="369332"/>
+          </a:xfrm>
+          <a:prstGeom prst="rect">
+            <a:avLst/>
+          </a:prstGeom>
+          <a:noFill/>
+        </p:spPr>
+        <p:txBody>
+          <a:bodyPr wrap="none" rtlCol="0">
+            <a:spAutoFit/>
+          </a:bodyPr>
+          <a:lstStyle/>
+          <a:p>
+            <a:r>
+              <a:rPr lang="en-US" dirty="0" smtClean="0"/>
+              <a:t>Compilation</a:t>
+            </a:r>
+            <a:endParaRPr lang="en-US" dirty="0"/>
+          </a:p>
+        </p:txBody>
+      </p:sp>
+      <p:sp>
+        <p:nvSpPr>
+          <p:cNvPr id="6" name="TextBox 5"/>
+          <p:cNvSpPr txBox="1"/>
+          <p:nvPr/>
+        </p:nvSpPr>
+        <p:spPr>
+          <a:xfrm>
+            <a:off x="7382934" y="4455067"/>
+            <a:ext cx="453970" cy="369332"/>
+          </a:xfrm>
+          <a:prstGeom prst="rect">
+            <a:avLst/>
+          </a:prstGeom>
+          <a:noFill/>
+        </p:spPr>
+        <p:txBody>
+          <a:bodyPr wrap="none" rtlCol="0">
+            <a:spAutoFit/>
+          </a:bodyPr>
+          <a:lstStyle/>
+          <a:p>
+            <a:r>
+              <a:rPr lang="en-US" strike="sngStrike" dirty="0" smtClean="0"/>
+              <a:t>GC</a:t>
+            </a:r>
+            <a:endParaRPr lang="en-US" strike="sngStrike" dirty="0"/>
+          </a:p>
+        </p:txBody>
+      </p:sp>
+      <p:sp>
+        <p:nvSpPr>
+          <p:cNvPr id="7" name="TextBox 6"/>
+          <p:cNvSpPr txBox="1"/>
+          <p:nvPr/>
+        </p:nvSpPr>
+        <p:spPr>
+          <a:xfrm>
+            <a:off x="8182900" y="5449459"/>
+            <a:ext cx="2232278" cy="369332"/>
+          </a:xfrm>
+          <a:prstGeom prst="rect">
+            <a:avLst/>
+          </a:prstGeom>
+          <a:noFill/>
+        </p:spPr>
+        <p:txBody>
+          <a:bodyPr wrap="none" rtlCol="0">
+            <a:spAutoFit/>
+          </a:bodyPr>
+          <a:lstStyle/>
+          <a:p>
+            <a:r>
+              <a:rPr lang="en-US" dirty="0"/>
+              <a:t>zero-cost abstractions</a:t>
+            </a:r>
+          </a:p>
+        </p:txBody>
+      </p:sp>
+      <p:sp>
+        <p:nvSpPr>
+          <p:cNvPr id="8" name="TextBox 7"/>
+          <p:cNvSpPr txBox="1"/>
+          <p:nvPr/>
+        </p:nvSpPr>
+        <p:spPr>
+          <a:xfrm>
+            <a:off x="3770876" y="4639733"/>
+            <a:ext cx="2325124" cy="369332"/>
+          </a:xfrm>
+          <a:prstGeom prst="rect">
+            <a:avLst/>
+          </a:prstGeom>
+          <a:noFill/>
+        </p:spPr>
+        <p:txBody>
+          <a:bodyPr wrap="none" rtlCol="0">
+            <a:spAutoFit/>
+          </a:bodyPr>
+          <a:lstStyle/>
+          <a:p>
+            <a:r>
+              <a:rPr lang="en-US" dirty="0" smtClean="0"/>
+              <a:t>strong </a:t>
+            </a:r>
+            <a:r>
+              <a:rPr lang="en-US" dirty="0"/>
+              <a:t>static </a:t>
+            </a:r>
+            <a:r>
+              <a:rPr lang="en-US" dirty="0" err="1"/>
+              <a:t>typization</a:t>
+            </a:r>
+            <a:endParaRPr lang="en-US" dirty="0"/>
           </a:p>
         </p:txBody>
       </p:sp>
     </p:spTree>
     <p:extLst>
       <p:ext uri="{BB962C8B-B14F-4D97-AF65-F5344CB8AC3E}">
-        <p14:creationId xmlns:p14="http://schemas.microsoft.com/office/powerpoint/2010/main" val="862257497"/>
+        <p14:creationId xmlns:p14="http://schemas.microsoft.com/office/powerpoint/2010/main" val="87821010"/>
       </p:ext>
     </p:extLst>
   </p:cSld>
   <p:clrMapOvr>
     <a:masterClrMapping/>
   </p:clrMapOvr>
+  <p:timing>
+    <p:tnLst>
+      <p:par>
+        <p:cTn id="1" dur="indefinite" restart="never" nodeType="tmRoot"/>
+      </p:par>
+    </p:tnLst>
+  </p:timing>
 </p:sld>
 </file>
 
@@ -3333,7 +3680,7 @@
             <a:spLocks noGrp="1"/>
           </p:cNvSpPr>
           <p:nvPr>
-            <p:ph type="ctrTitle"/>
+            <p:ph type="title"/>
           </p:nvPr>
         </p:nvSpPr>
         <p:spPr/>
@@ -3342,47 +3689,46 @@
           <a:lstStyle/>
           <a:p>
             <a:r>
-              <a:rPr lang="en-US" dirty="0"/>
-              <a:t>rust </a:t>
-            </a:r>
-            <a:r>
-              <a:rPr lang="en-US" dirty="0" err="1" smtClean="0"/>
-              <a:t>infractructure</a:t>
+              <a:rPr lang="en-US" dirty="0" smtClean="0"/>
+              <a:t>Errors anywhere…</a:t>
             </a:r>
             <a:endParaRPr lang="ru-RU" dirty="0"/>
           </a:p>
         </p:txBody>
       </p:sp>
-      <p:sp>
-        <p:nvSpPr>
-          <p:cNvPr id="3" name="Подзаголовок 2"/>
-          <p:cNvSpPr>
-            <a:spLocks noGrp="1"/>
-          </p:cNvSpPr>
-          <p:nvPr>
-            <p:ph type="subTitle" idx="1"/>
-          </p:nvPr>
-        </p:nvSpPr>
+      <p:pic>
+        <p:nvPicPr>
+          <p:cNvPr id="10" name="Объект 9"/>
+          <p:cNvPicPr>
+            <a:picLocks noGrp="1" noChangeAspect="1"/>
+          </p:cNvPicPr>
+          <p:nvPr>
+            <p:ph idx="1"/>
+          </p:nvPr>
+        </p:nvPicPr>
+        <p:blipFill>
+          <a:blip r:embed="rId2">
+            <a:extLst>
+              <a:ext uri="{28A0092B-C50C-407E-A947-70E740481C1C}">
+                <a14:useLocalDpi xmlns:a14="http://schemas.microsoft.com/office/drawing/2010/main" val="0"/>
+              </a:ext>
+            </a:extLst>
+          </a:blip>
+          <a:stretch>
+            <a:fillRect/>
+          </a:stretch>
+        </p:blipFill>
         <p:spPr>
           <a:xfrm>
-            <a:off x="1524000" y="4361934"/>
-            <a:ext cx="9144000" cy="895865"/>
+            <a:off x="1336169" y="1825625"/>
+            <a:ext cx="9519662" cy="4351338"/>
           </a:xfrm>
         </p:spPr>
-        <p:txBody>
-          <a:bodyPr>
-            <a:normAutofit/>
-          </a:bodyPr>
-          <a:lstStyle/>
-          <a:p>
-            <a:endParaRPr lang="ru-RU" sz="1600" dirty="0"/>
-          </a:p>
-        </p:txBody>
-      </p:sp>
+      </p:pic>
     </p:spTree>
     <p:extLst>
       <p:ext uri="{BB962C8B-B14F-4D97-AF65-F5344CB8AC3E}">
-        <p14:creationId xmlns:p14="http://schemas.microsoft.com/office/powerpoint/2010/main" val="1805734086"/>
+        <p14:creationId xmlns:p14="http://schemas.microsoft.com/office/powerpoint/2010/main" val="582627812"/>
       </p:ext>
     </p:extLst>
   </p:cSld>
@@ -3418,7 +3764,7 @@
       </p:grpSpPr>
       <p:sp>
         <p:nvSpPr>
-          <p:cNvPr id="2" name="Title 1"/>
+          <p:cNvPr id="2" name="Заголовок 1"/>
           <p:cNvSpPr>
             <a:spLocks noGrp="1"/>
           </p:cNvSpPr>
@@ -3432,18 +3778,250 @@
           <a:lstStyle/>
           <a:p>
             <a:r>
-              <a:rPr lang="en-US" dirty="0" err="1"/>
-              <a:t>r</a:t>
-            </a:r>
-            <a:r>
-              <a:rPr lang="en-US" dirty="0" err="1" smtClean="0"/>
-              <a:t>ustup</a:t>
-            </a:r>
-            <a:r>
               <a:rPr lang="en-US" dirty="0" smtClean="0"/>
-              <a:t>	</a:t>
-            </a:r>
-            <a:endParaRPr lang="en-US" dirty="0"/>
+              <a:t>Errors anywhere…</a:t>
+            </a:r>
+            <a:endParaRPr lang="ru-RU" dirty="0"/>
+          </a:p>
+        </p:txBody>
+      </p:sp>
+      <p:pic>
+        <p:nvPicPr>
+          <p:cNvPr id="4" name="Объект 3"/>
+          <p:cNvPicPr>
+            <a:picLocks noGrp="1" noChangeAspect="1"/>
+          </p:cNvPicPr>
+          <p:nvPr>
+            <p:ph idx="1"/>
+          </p:nvPr>
+        </p:nvPicPr>
+        <p:blipFill>
+          <a:blip r:embed="rId2">
+            <a:extLst>
+              <a:ext uri="{28A0092B-C50C-407E-A947-70E740481C1C}">
+                <a14:useLocalDpi xmlns:a14="http://schemas.microsoft.com/office/drawing/2010/main" val="0"/>
+              </a:ext>
+            </a:extLst>
+          </a:blip>
+          <a:stretch>
+            <a:fillRect/>
+          </a:stretch>
+        </p:blipFill>
+        <p:spPr>
+          <a:xfrm>
+            <a:off x="382882" y="1479635"/>
+            <a:ext cx="7908501" cy="5150625"/>
+          </a:xfrm>
+        </p:spPr>
+      </p:pic>
+      <p:pic>
+        <p:nvPicPr>
+          <p:cNvPr id="5" name="Рисунок 4"/>
+          <p:cNvPicPr>
+            <a:picLocks noChangeAspect="1"/>
+          </p:cNvPicPr>
+          <p:nvPr/>
+        </p:nvPicPr>
+        <p:blipFill>
+          <a:blip r:embed="rId3">
+            <a:extLst>
+              <a:ext uri="{28A0092B-C50C-407E-A947-70E740481C1C}">
+                <a14:useLocalDpi xmlns:a14="http://schemas.microsoft.com/office/drawing/2010/main" val="0"/>
+              </a:ext>
+            </a:extLst>
+          </a:blip>
+          <a:stretch>
+            <a:fillRect/>
+          </a:stretch>
+        </p:blipFill>
+        <p:spPr>
+          <a:xfrm>
+            <a:off x="2374457" y="197220"/>
+            <a:ext cx="8802328" cy="5153744"/>
+          </a:xfrm>
+          <a:prstGeom prst="rect">
+            <a:avLst/>
+          </a:prstGeom>
+        </p:spPr>
+      </p:pic>
+      <p:pic>
+        <p:nvPicPr>
+          <p:cNvPr id="6" name="Рисунок 5"/>
+          <p:cNvPicPr>
+            <a:picLocks noChangeAspect="1"/>
+          </p:cNvPicPr>
+          <p:nvPr/>
+        </p:nvPicPr>
+        <p:blipFill>
+          <a:blip r:embed="rId4">
+            <a:extLst>
+              <a:ext uri="{28A0092B-C50C-407E-A947-70E740481C1C}">
+                <a14:useLocalDpi xmlns:a14="http://schemas.microsoft.com/office/drawing/2010/main" val="0"/>
+              </a:ext>
+            </a:extLst>
+          </a:blip>
+          <a:stretch>
+            <a:fillRect/>
+          </a:stretch>
+        </p:blipFill>
+        <p:spPr>
+          <a:xfrm>
+            <a:off x="4767043" y="1285688"/>
+            <a:ext cx="8688012" cy="6535062"/>
+          </a:xfrm>
+          <a:prstGeom prst="rect">
+            <a:avLst/>
+          </a:prstGeom>
+        </p:spPr>
+      </p:pic>
+    </p:spTree>
+    <p:extLst>
+      <p:ext uri="{BB962C8B-B14F-4D97-AF65-F5344CB8AC3E}">
+        <p14:creationId xmlns:p14="http://schemas.microsoft.com/office/powerpoint/2010/main" val="1529125665"/>
+      </p:ext>
+    </p:extLst>
+  </p:cSld>
+  <p:clrMapOvr>
+    <a:masterClrMapping/>
+  </p:clrMapOvr>
+  <p:timing>
+    <p:tnLst>
+      <p:par>
+        <p:cTn id="1" dur="indefinite" restart="never" nodeType="tmRoot"/>
+      </p:par>
+    </p:tnLst>
+  </p:timing>
+</p:sld>
+</file>
+
+<file path=ppt/slides/slide15.xml><?xml version="1.0" encoding="utf-8"?>
+<p:sld xmlns:a="http://schemas.openxmlformats.org/drawingml/2006/main" xmlns:r="http://schemas.openxmlformats.org/officeDocument/2006/relationships" xmlns:p="http://schemas.openxmlformats.org/presentationml/2006/main">
+  <p:cSld>
+    <p:spTree>
+      <p:nvGrpSpPr>
+        <p:cNvPr id="1" name=""/>
+        <p:cNvGrpSpPr/>
+        <p:nvPr/>
+      </p:nvGrpSpPr>
+      <p:grpSpPr>
+        <a:xfrm>
+          <a:off x="0" y="0"/>
+          <a:ext cx="0" cy="0"/>
+          <a:chOff x="0" y="0"/>
+          <a:chExt cx="0" cy="0"/>
+        </a:xfrm>
+      </p:grpSpPr>
+      <p:sp>
+        <p:nvSpPr>
+          <p:cNvPr id="2" name="Заголовок 1"/>
+          <p:cNvSpPr>
+            <a:spLocks noGrp="1"/>
+          </p:cNvSpPr>
+          <p:nvPr>
+            <p:ph type="title"/>
+          </p:nvPr>
+        </p:nvSpPr>
+        <p:spPr/>
+        <p:txBody>
+          <a:bodyPr/>
+          <a:lstStyle/>
+          <a:p>
+            <a:r>
+              <a:rPr lang="en-US" dirty="0" smtClean="0"/>
+              <a:t>Warnings!</a:t>
+            </a:r>
+            <a:endParaRPr lang="ru-RU" dirty="0"/>
+          </a:p>
+        </p:txBody>
+      </p:sp>
+      <p:pic>
+        <p:nvPicPr>
+          <p:cNvPr id="7" name="Объект 6"/>
+          <p:cNvPicPr>
+            <a:picLocks noGrp="1" noChangeAspect="1"/>
+          </p:cNvPicPr>
+          <p:nvPr>
+            <p:ph idx="1"/>
+          </p:nvPr>
+        </p:nvPicPr>
+        <p:blipFill>
+          <a:blip r:embed="rId2">
+            <a:extLst>
+              <a:ext uri="{28A0092B-C50C-407E-A947-70E740481C1C}">
+                <a14:useLocalDpi xmlns:a14="http://schemas.microsoft.com/office/drawing/2010/main" val="0"/>
+              </a:ext>
+            </a:extLst>
+          </a:blip>
+          <a:stretch>
+            <a:fillRect/>
+          </a:stretch>
+        </p:blipFill>
+        <p:spPr>
+          <a:xfrm>
+            <a:off x="1524224" y="1690688"/>
+            <a:ext cx="9143551" cy="6125933"/>
+          </a:xfrm>
+        </p:spPr>
+      </p:pic>
+    </p:spTree>
+    <p:extLst>
+      <p:ext uri="{BB962C8B-B14F-4D97-AF65-F5344CB8AC3E}">
+        <p14:creationId xmlns:p14="http://schemas.microsoft.com/office/powerpoint/2010/main" val="4077629676"/>
+      </p:ext>
+    </p:extLst>
+  </p:cSld>
+  <p:clrMapOvr>
+    <a:masterClrMapping/>
+  </p:clrMapOvr>
+  <p:timing>
+    <p:tnLst>
+      <p:par>
+        <p:cTn id="1" dur="indefinite" restart="never" nodeType="tmRoot"/>
+      </p:par>
+    </p:tnLst>
+  </p:timing>
+</p:sld>
+</file>
+
+<file path=ppt/slides/slide16.xml><?xml version="1.0" encoding="utf-8"?>
+<p:sld xmlns:a="http://schemas.openxmlformats.org/drawingml/2006/main" xmlns:r="http://schemas.openxmlformats.org/officeDocument/2006/relationships" xmlns:p="http://schemas.openxmlformats.org/presentationml/2006/main">
+  <p:cSld>
+    <p:spTree>
+      <p:nvGrpSpPr>
+        <p:cNvPr id="1" name=""/>
+        <p:cNvGrpSpPr/>
+        <p:nvPr/>
+      </p:nvGrpSpPr>
+      <p:grpSpPr>
+        <a:xfrm>
+          <a:off x="0" y="0"/>
+          <a:ext cx="0" cy="0"/>
+          <a:chOff x="0" y="0"/>
+          <a:chExt cx="0" cy="0"/>
+        </a:xfrm>
+      </p:grpSpPr>
+      <p:sp>
+        <p:nvSpPr>
+          <p:cNvPr id="2" name="Title 1"/>
+          <p:cNvSpPr>
+            <a:spLocks noGrp="1"/>
+          </p:cNvSpPr>
+          <p:nvPr>
+            <p:ph type="title"/>
+          </p:nvPr>
+        </p:nvSpPr>
+        <p:spPr/>
+        <p:txBody>
+          <a:bodyPr>
+            <a:normAutofit/>
+          </a:bodyPr>
+          <a:lstStyle/>
+          <a:p>
+            <a:r>
+              <a:rPr lang="en-US" dirty="0" smtClean="0"/>
+              <a:t>Functional paradigm</a:t>
+            </a:r>
+            <a:endParaRPr lang="en-US" sz="4800" dirty="0"/>
           </a:p>
         </p:txBody>
       </p:sp>
@@ -3460,6 +4038,5198 @@
         <p:spPr/>
         <p:txBody>
           <a:bodyPr>
+            <a:normAutofit/>
+          </a:bodyPr>
+          <a:lstStyle/>
+          <a:p>
+            <a:r>
+              <a:rPr lang="en-US" dirty="0" smtClean="0"/>
+              <a:t>Higher-order functions</a:t>
+            </a:r>
+          </a:p>
+          <a:p>
+            <a:pPr marL="0" indent="0">
+              <a:buNone/>
+            </a:pPr>
+            <a:r>
+              <a:rPr lang="en-US" sz="1800" dirty="0" smtClean="0">
+                <a:latin typeface="Consolas" panose="020B0609020204030204" pitchFamily="49" charset="0"/>
+              </a:rPr>
+              <a:t>	</a:t>
+            </a:r>
+            <a:r>
+              <a:rPr lang="en-US" sz="1800" dirty="0" err="1" smtClean="0">
+                <a:latin typeface="Consolas" panose="020B0609020204030204" pitchFamily="49" charset="0"/>
+              </a:rPr>
+              <a:t>fn</a:t>
+            </a:r>
+            <a:r>
+              <a:rPr lang="en-US" sz="1800" dirty="0" smtClean="0">
+                <a:latin typeface="Consolas" panose="020B0609020204030204" pitchFamily="49" charset="0"/>
+              </a:rPr>
+              <a:t> </a:t>
+            </a:r>
+            <a:r>
+              <a:rPr lang="en-US" sz="1800" dirty="0" err="1">
+                <a:latin typeface="Consolas" panose="020B0609020204030204" pitchFamily="49" charset="0"/>
+              </a:rPr>
+              <a:t>add_one</a:t>
+            </a:r>
+            <a:r>
+              <a:rPr lang="en-US" sz="1800" dirty="0">
+                <a:latin typeface="Consolas" panose="020B0609020204030204" pitchFamily="49" charset="0"/>
+              </a:rPr>
+              <a:t>(x:i32)-&gt;i32 { </a:t>
+            </a:r>
+            <a:r>
+              <a:rPr lang="en-US" sz="1800" dirty="0" smtClean="0">
+                <a:latin typeface="Consolas" panose="020B0609020204030204" pitchFamily="49" charset="0"/>
+              </a:rPr>
+              <a:t>x + 1 }</a:t>
+            </a:r>
+            <a:endParaRPr lang="en-US" sz="1800" dirty="0">
+              <a:latin typeface="Consolas" panose="020B0609020204030204" pitchFamily="49" charset="0"/>
+            </a:endParaRPr>
+          </a:p>
+          <a:p>
+            <a:pPr marL="0" indent="0">
+              <a:buNone/>
+            </a:pPr>
+            <a:r>
+              <a:rPr lang="en-US" sz="1800" dirty="0" smtClean="0">
+                <a:latin typeface="Consolas" panose="020B0609020204030204" pitchFamily="49" charset="0"/>
+              </a:rPr>
+              <a:t>	let </a:t>
+            </a:r>
+            <a:r>
+              <a:rPr lang="en-US" sz="1800" dirty="0">
+                <a:latin typeface="Consolas" panose="020B0609020204030204" pitchFamily="49" charset="0"/>
+              </a:rPr>
+              <a:t>result = </a:t>
+            </a:r>
+            <a:r>
+              <a:rPr lang="en-US" sz="1800" dirty="0" err="1">
+                <a:latin typeface="Consolas" panose="020B0609020204030204" pitchFamily="49" charset="0"/>
+              </a:rPr>
+              <a:t>higer_order_fn</a:t>
+            </a:r>
+            <a:r>
+              <a:rPr lang="en-US" sz="1800" dirty="0">
+                <a:latin typeface="Consolas" panose="020B0609020204030204" pitchFamily="49" charset="0"/>
+              </a:rPr>
+              <a:t>(20, </a:t>
+            </a:r>
+            <a:r>
+              <a:rPr lang="en-US" sz="1800" dirty="0" err="1">
+                <a:latin typeface="Consolas" panose="020B0609020204030204" pitchFamily="49" charset="0"/>
+              </a:rPr>
+              <a:t>add_one</a:t>
+            </a:r>
+            <a:r>
+              <a:rPr lang="en-US" sz="1800" dirty="0" smtClean="0">
+                <a:latin typeface="Consolas" panose="020B0609020204030204" pitchFamily="49" charset="0"/>
+              </a:rPr>
+              <a:t>);</a:t>
+            </a:r>
+            <a:endParaRPr lang="en-US" sz="1800" dirty="0">
+              <a:latin typeface="Consolas" panose="020B0609020204030204" pitchFamily="49" charset="0"/>
+            </a:endParaRPr>
+          </a:p>
+          <a:p>
+            <a:pPr marL="0" indent="0">
+              <a:buNone/>
+            </a:pPr>
+            <a:r>
+              <a:rPr lang="en-US" sz="1800" dirty="0" smtClean="0">
+                <a:latin typeface="Consolas" panose="020B0609020204030204" pitchFamily="49" charset="0"/>
+              </a:rPr>
+              <a:t>	let </a:t>
+            </a:r>
+            <a:r>
+              <a:rPr lang="en-US" sz="1800" dirty="0">
+                <a:latin typeface="Consolas" panose="020B0609020204030204" pitchFamily="49" charset="0"/>
+              </a:rPr>
+              <a:t>result = </a:t>
+            </a:r>
+            <a:r>
+              <a:rPr lang="en-US" sz="1800" dirty="0" err="1">
+                <a:latin typeface="Consolas" panose="020B0609020204030204" pitchFamily="49" charset="0"/>
+              </a:rPr>
+              <a:t>higer_order_fn</a:t>
+            </a:r>
+            <a:r>
+              <a:rPr lang="en-US" sz="1800" dirty="0">
+                <a:latin typeface="Consolas" panose="020B0609020204030204" pitchFamily="49" charset="0"/>
+              </a:rPr>
+              <a:t>(20, |x:i32| x </a:t>
+            </a:r>
+            <a:r>
+              <a:rPr lang="en-US" sz="1800" dirty="0" smtClean="0">
+                <a:latin typeface="Consolas" panose="020B0609020204030204" pitchFamily="49" charset="0"/>
+              </a:rPr>
+              <a:t>+ 1 </a:t>
+            </a:r>
+            <a:r>
+              <a:rPr lang="en-US" sz="1800" dirty="0">
+                <a:latin typeface="Consolas" panose="020B0609020204030204" pitchFamily="49" charset="0"/>
+              </a:rPr>
+              <a:t>);</a:t>
+            </a:r>
+            <a:endParaRPr lang="en-US" sz="1800" dirty="0" smtClean="0">
+              <a:latin typeface="Consolas" panose="020B0609020204030204" pitchFamily="49" charset="0"/>
+            </a:endParaRPr>
+          </a:p>
+          <a:p>
+            <a:r>
+              <a:rPr lang="en-US" dirty="0" smtClean="0"/>
+              <a:t>Closures</a:t>
+            </a:r>
+          </a:p>
+          <a:p>
+            <a:pPr marL="0" indent="0">
+              <a:buNone/>
+            </a:pPr>
+            <a:r>
+              <a:rPr lang="en-US" sz="1800" dirty="0" smtClean="0">
+                <a:latin typeface="Consolas" panose="020B0609020204030204" pitchFamily="49" charset="0"/>
+              </a:rPr>
+              <a:t>	</a:t>
+            </a:r>
+            <a:r>
+              <a:rPr lang="en-US" sz="1800" i="1" dirty="0" err="1" smtClean="0">
+                <a:latin typeface="Consolas" panose="020B0609020204030204" pitchFamily="49" charset="0"/>
+              </a:rPr>
+              <a:t>fn</a:t>
+            </a:r>
+            <a:r>
+              <a:rPr lang="en-US" sz="1800" i="1" dirty="0" smtClean="0">
+                <a:latin typeface="Consolas" panose="020B0609020204030204" pitchFamily="49" charset="0"/>
+              </a:rPr>
+              <a:t> </a:t>
+            </a:r>
+            <a:r>
+              <a:rPr lang="en-US" sz="1800" i="1" dirty="0">
+                <a:latin typeface="Consolas" panose="020B0609020204030204" pitchFamily="49" charset="0"/>
+              </a:rPr>
+              <a:t>add_one_v1 (x: i32) -&gt; i32 { x + 1 } </a:t>
+            </a:r>
+            <a:endParaRPr lang="en-US" sz="1800" i="1" dirty="0" smtClean="0">
+              <a:latin typeface="Consolas" panose="020B0609020204030204" pitchFamily="49" charset="0"/>
+            </a:endParaRPr>
+          </a:p>
+          <a:p>
+            <a:pPr marL="0" indent="0">
+              <a:buNone/>
+            </a:pPr>
+            <a:r>
+              <a:rPr lang="en-US" sz="1800" dirty="0">
+                <a:latin typeface="Consolas" panose="020B0609020204030204" pitchFamily="49" charset="0"/>
+              </a:rPr>
+              <a:t>	</a:t>
+            </a:r>
+            <a:r>
+              <a:rPr lang="en-US" sz="1800" dirty="0" smtClean="0">
+                <a:latin typeface="Consolas" panose="020B0609020204030204" pitchFamily="49" charset="0"/>
+              </a:rPr>
+              <a:t>let </a:t>
+            </a:r>
+            <a:r>
+              <a:rPr lang="en-US" sz="1800" dirty="0">
+                <a:latin typeface="Consolas" panose="020B0609020204030204" pitchFamily="49" charset="0"/>
+              </a:rPr>
+              <a:t>add_one_v2 = |x: i32| -&gt; i32 { x + 1 }; </a:t>
+            </a:r>
+            <a:endParaRPr lang="en-US" sz="1800" dirty="0" smtClean="0">
+              <a:latin typeface="Consolas" panose="020B0609020204030204" pitchFamily="49" charset="0"/>
+            </a:endParaRPr>
+          </a:p>
+          <a:p>
+            <a:pPr marL="0" indent="0">
+              <a:buNone/>
+            </a:pPr>
+            <a:r>
+              <a:rPr lang="en-US" sz="1800" dirty="0">
+                <a:latin typeface="Consolas" panose="020B0609020204030204" pitchFamily="49" charset="0"/>
+              </a:rPr>
+              <a:t>	</a:t>
+            </a:r>
+            <a:r>
+              <a:rPr lang="en-US" sz="1800" dirty="0" smtClean="0">
+                <a:latin typeface="Consolas" panose="020B0609020204030204" pitchFamily="49" charset="0"/>
+              </a:rPr>
+              <a:t>let </a:t>
+            </a:r>
+            <a:r>
+              <a:rPr lang="en-US" sz="1800" dirty="0">
+                <a:latin typeface="Consolas" panose="020B0609020204030204" pitchFamily="49" charset="0"/>
+              </a:rPr>
+              <a:t>add_one_v3 = |x| { x + 1 }; </a:t>
+            </a:r>
+            <a:endParaRPr lang="en-US" sz="1800" dirty="0" smtClean="0">
+              <a:latin typeface="Consolas" panose="020B0609020204030204" pitchFamily="49" charset="0"/>
+            </a:endParaRPr>
+          </a:p>
+          <a:p>
+            <a:pPr marL="0" indent="0">
+              <a:buNone/>
+            </a:pPr>
+            <a:r>
+              <a:rPr lang="en-US" sz="1800" dirty="0">
+                <a:latin typeface="Consolas" panose="020B0609020204030204" pitchFamily="49" charset="0"/>
+              </a:rPr>
+              <a:t>	</a:t>
+            </a:r>
+            <a:r>
+              <a:rPr lang="en-US" sz="1800" dirty="0" smtClean="0">
+                <a:latin typeface="Consolas" panose="020B0609020204030204" pitchFamily="49" charset="0"/>
+              </a:rPr>
+              <a:t>let </a:t>
+            </a:r>
+            <a:r>
+              <a:rPr lang="en-US" sz="1800" dirty="0">
+                <a:latin typeface="Consolas" panose="020B0609020204030204" pitchFamily="49" charset="0"/>
+              </a:rPr>
+              <a:t>add_one_v4 = |x| x + 1 ;</a:t>
+            </a:r>
+          </a:p>
+          <a:p>
+            <a:r>
+              <a:rPr lang="en-US" dirty="0" smtClean="0"/>
+              <a:t>Iterators</a:t>
+            </a:r>
+            <a:endParaRPr lang="en-US" dirty="0"/>
+          </a:p>
+        </p:txBody>
+      </p:sp>
+    </p:spTree>
+    <p:extLst>
+      <p:ext uri="{BB962C8B-B14F-4D97-AF65-F5344CB8AC3E}">
+        <p14:creationId xmlns:p14="http://schemas.microsoft.com/office/powerpoint/2010/main" val="4235390427"/>
+      </p:ext>
+    </p:extLst>
+  </p:cSld>
+  <p:clrMapOvr>
+    <a:masterClrMapping/>
+  </p:clrMapOvr>
+  <p:timing>
+    <p:tnLst>
+      <p:par>
+        <p:cTn id="1" dur="indefinite" restart="never" nodeType="tmRoot"/>
+      </p:par>
+    </p:tnLst>
+  </p:timing>
+</p:sld>
+</file>
+
+<file path=ppt/slides/slide17.xml><?xml version="1.0" encoding="utf-8"?>
+<p:sld xmlns:a="http://schemas.openxmlformats.org/drawingml/2006/main" xmlns:r="http://schemas.openxmlformats.org/officeDocument/2006/relationships" xmlns:p="http://schemas.openxmlformats.org/presentationml/2006/main">
+  <p:cSld>
+    <p:spTree>
+      <p:nvGrpSpPr>
+        <p:cNvPr id="1" name=""/>
+        <p:cNvGrpSpPr/>
+        <p:nvPr/>
+      </p:nvGrpSpPr>
+      <p:grpSpPr>
+        <a:xfrm>
+          <a:off x="0" y="0"/>
+          <a:ext cx="0" cy="0"/>
+          <a:chOff x="0" y="0"/>
+          <a:chExt cx="0" cy="0"/>
+        </a:xfrm>
+      </p:grpSpPr>
+      <p:sp>
+        <p:nvSpPr>
+          <p:cNvPr id="2" name="Заголовок 1"/>
+          <p:cNvSpPr>
+            <a:spLocks noGrp="1"/>
+          </p:cNvSpPr>
+          <p:nvPr>
+            <p:ph type="title"/>
+          </p:nvPr>
+        </p:nvSpPr>
+        <p:spPr/>
+        <p:txBody>
+          <a:bodyPr/>
+          <a:lstStyle/>
+          <a:p>
+            <a:r>
+              <a:rPr lang="en-US" dirty="0"/>
+              <a:t>Higher-order </a:t>
+            </a:r>
+            <a:r>
+              <a:rPr lang="en-US" dirty="0" smtClean="0"/>
+              <a:t>functions</a:t>
+            </a:r>
+            <a:endParaRPr lang="ru-RU" dirty="0"/>
+          </a:p>
+        </p:txBody>
+      </p:sp>
+      <p:pic>
+        <p:nvPicPr>
+          <p:cNvPr id="4" name="Объект 3"/>
+          <p:cNvPicPr>
+            <a:picLocks noGrp="1" noChangeAspect="1"/>
+          </p:cNvPicPr>
+          <p:nvPr>
+            <p:ph idx="1"/>
+          </p:nvPr>
+        </p:nvPicPr>
+        <p:blipFill>
+          <a:blip r:embed="rId2">
+            <a:extLst>
+              <a:ext uri="{28A0092B-C50C-407E-A947-70E740481C1C}">
+                <a14:useLocalDpi xmlns:a14="http://schemas.microsoft.com/office/drawing/2010/main" val="0"/>
+              </a:ext>
+            </a:extLst>
+          </a:blip>
+          <a:stretch>
+            <a:fillRect/>
+          </a:stretch>
+        </p:blipFill>
+        <p:spPr>
+          <a:xfrm>
+            <a:off x="2643454" y="2617834"/>
+            <a:ext cx="6905091" cy="3597745"/>
+          </a:xfrm>
+        </p:spPr>
+      </p:pic>
+    </p:spTree>
+    <p:extLst>
+      <p:ext uri="{BB962C8B-B14F-4D97-AF65-F5344CB8AC3E}">
+        <p14:creationId xmlns:p14="http://schemas.microsoft.com/office/powerpoint/2010/main" val="4040506804"/>
+      </p:ext>
+    </p:extLst>
+  </p:cSld>
+  <p:clrMapOvr>
+    <a:masterClrMapping/>
+  </p:clrMapOvr>
+  <p:timing>
+    <p:tnLst>
+      <p:par>
+        <p:cTn id="1" dur="indefinite" restart="never" nodeType="tmRoot"/>
+      </p:par>
+    </p:tnLst>
+  </p:timing>
+</p:sld>
+</file>
+
+<file path=ppt/slides/slide18.xml><?xml version="1.0" encoding="utf-8"?>
+<p:sld xmlns:a="http://schemas.openxmlformats.org/drawingml/2006/main" xmlns:r="http://schemas.openxmlformats.org/officeDocument/2006/relationships" xmlns:p="http://schemas.openxmlformats.org/presentationml/2006/main">
+  <p:cSld>
+    <p:spTree>
+      <p:nvGrpSpPr>
+        <p:cNvPr id="1" name=""/>
+        <p:cNvGrpSpPr/>
+        <p:nvPr/>
+      </p:nvGrpSpPr>
+      <p:grpSpPr>
+        <a:xfrm>
+          <a:off x="0" y="0"/>
+          <a:ext cx="0" cy="0"/>
+          <a:chOff x="0" y="0"/>
+          <a:chExt cx="0" cy="0"/>
+        </a:xfrm>
+      </p:grpSpPr>
+      <p:sp>
+        <p:nvSpPr>
+          <p:cNvPr id="2" name="Заголовок 1"/>
+          <p:cNvSpPr>
+            <a:spLocks noGrp="1"/>
+          </p:cNvSpPr>
+          <p:nvPr>
+            <p:ph type="title"/>
+          </p:nvPr>
+        </p:nvSpPr>
+        <p:spPr/>
+        <p:txBody>
+          <a:bodyPr/>
+          <a:lstStyle/>
+          <a:p>
+            <a:r>
+              <a:rPr lang="en-US" dirty="0" smtClean="0"/>
+              <a:t>Closures</a:t>
+            </a:r>
+            <a:endParaRPr lang="ru-RU" dirty="0"/>
+          </a:p>
+        </p:txBody>
+      </p:sp>
+      <p:pic>
+        <p:nvPicPr>
+          <p:cNvPr id="4" name="Объект 3"/>
+          <p:cNvPicPr>
+            <a:picLocks noGrp="1" noChangeAspect="1"/>
+          </p:cNvPicPr>
+          <p:nvPr>
+            <p:ph idx="1"/>
+          </p:nvPr>
+        </p:nvPicPr>
+        <p:blipFill>
+          <a:blip r:embed="rId2">
+            <a:extLst>
+              <a:ext uri="{28A0092B-C50C-407E-A947-70E740481C1C}">
+                <a14:useLocalDpi xmlns:a14="http://schemas.microsoft.com/office/drawing/2010/main" val="0"/>
+              </a:ext>
+            </a:extLst>
+          </a:blip>
+          <a:stretch>
+            <a:fillRect/>
+          </a:stretch>
+        </p:blipFill>
+        <p:spPr>
+          <a:xfrm>
+            <a:off x="-1660293" y="1690688"/>
+            <a:ext cx="13458936" cy="7901053"/>
+          </a:xfrm>
+        </p:spPr>
+      </p:pic>
+    </p:spTree>
+    <p:extLst>
+      <p:ext uri="{BB962C8B-B14F-4D97-AF65-F5344CB8AC3E}">
+        <p14:creationId xmlns:p14="http://schemas.microsoft.com/office/powerpoint/2010/main" val="1630720630"/>
+      </p:ext>
+    </p:extLst>
+  </p:cSld>
+  <p:clrMapOvr>
+    <a:masterClrMapping/>
+  </p:clrMapOvr>
+  <p:timing>
+    <p:tnLst>
+      <p:par>
+        <p:cTn id="1" dur="indefinite" restart="never" nodeType="tmRoot"/>
+      </p:par>
+    </p:tnLst>
+  </p:timing>
+</p:sld>
+</file>
+
+<file path=ppt/slides/slide19.xml><?xml version="1.0" encoding="utf-8"?>
+<p:sld xmlns:a="http://schemas.openxmlformats.org/drawingml/2006/main" xmlns:r="http://schemas.openxmlformats.org/officeDocument/2006/relationships" xmlns:p="http://schemas.openxmlformats.org/presentationml/2006/main">
+  <p:cSld>
+    <p:spTree>
+      <p:nvGrpSpPr>
+        <p:cNvPr id="1" name=""/>
+        <p:cNvGrpSpPr/>
+        <p:nvPr/>
+      </p:nvGrpSpPr>
+      <p:grpSpPr>
+        <a:xfrm>
+          <a:off x="0" y="0"/>
+          <a:ext cx="0" cy="0"/>
+          <a:chOff x="0" y="0"/>
+          <a:chExt cx="0" cy="0"/>
+        </a:xfrm>
+      </p:grpSpPr>
+      <p:sp>
+        <p:nvSpPr>
+          <p:cNvPr id="2" name="Заголовок 1"/>
+          <p:cNvSpPr>
+            <a:spLocks noGrp="1"/>
+          </p:cNvSpPr>
+          <p:nvPr>
+            <p:ph type="title"/>
+          </p:nvPr>
+        </p:nvSpPr>
+        <p:spPr/>
+        <p:txBody>
+          <a:bodyPr/>
+          <a:lstStyle/>
+          <a:p>
+            <a:r>
+              <a:rPr lang="en-US" dirty="0" smtClean="0"/>
+              <a:t>Closures</a:t>
+            </a:r>
+            <a:endParaRPr lang="ru-RU" dirty="0"/>
+          </a:p>
+        </p:txBody>
+      </p:sp>
+      <p:pic>
+        <p:nvPicPr>
+          <p:cNvPr id="4" name="Объект 3"/>
+          <p:cNvPicPr>
+            <a:picLocks noGrp="1" noChangeAspect="1"/>
+          </p:cNvPicPr>
+          <p:nvPr>
+            <p:ph idx="1"/>
+          </p:nvPr>
+        </p:nvPicPr>
+        <p:blipFill>
+          <a:blip r:embed="rId2">
+            <a:extLst>
+              <a:ext uri="{28A0092B-C50C-407E-A947-70E740481C1C}">
+                <a14:useLocalDpi xmlns:a14="http://schemas.microsoft.com/office/drawing/2010/main" val="0"/>
+              </a:ext>
+            </a:extLst>
+          </a:blip>
+          <a:stretch>
+            <a:fillRect/>
+          </a:stretch>
+        </p:blipFill>
+        <p:spPr>
+          <a:xfrm>
+            <a:off x="1568596" y="1388051"/>
+            <a:ext cx="9317707" cy="5469949"/>
+          </a:xfrm>
+        </p:spPr>
+      </p:pic>
+    </p:spTree>
+    <p:extLst>
+      <p:ext uri="{BB962C8B-B14F-4D97-AF65-F5344CB8AC3E}">
+        <p14:creationId xmlns:p14="http://schemas.microsoft.com/office/powerpoint/2010/main" val="633491419"/>
+      </p:ext>
+    </p:extLst>
+  </p:cSld>
+  <p:clrMapOvr>
+    <a:masterClrMapping/>
+  </p:clrMapOvr>
+  <p:timing>
+    <p:tnLst>
+      <p:par>
+        <p:cTn id="1" dur="indefinite" restart="never" nodeType="tmRoot"/>
+      </p:par>
+    </p:tnLst>
+  </p:timing>
+</p:sld>
+</file>
+
+<file path=ppt/slides/slide2.xml><?xml version="1.0" encoding="utf-8"?>
+<p:sld xmlns:a="http://schemas.openxmlformats.org/drawingml/2006/main" xmlns:r="http://schemas.openxmlformats.org/officeDocument/2006/relationships" xmlns:p="http://schemas.openxmlformats.org/presentationml/2006/main">
+  <p:cSld>
+    <p:spTree>
+      <p:nvGrpSpPr>
+        <p:cNvPr id="1" name=""/>
+        <p:cNvGrpSpPr/>
+        <p:nvPr/>
+      </p:nvGrpSpPr>
+      <p:grpSpPr>
+        <a:xfrm>
+          <a:off x="0" y="0"/>
+          <a:ext cx="0" cy="0"/>
+          <a:chOff x="0" y="0"/>
+          <a:chExt cx="0" cy="0"/>
+        </a:xfrm>
+      </p:grpSpPr>
+      <p:sp>
+        <p:nvSpPr>
+          <p:cNvPr id="2" name="Заголовок 1"/>
+          <p:cNvSpPr>
+            <a:spLocks noGrp="1"/>
+          </p:cNvSpPr>
+          <p:nvPr>
+            <p:ph type="ctrTitle"/>
+          </p:nvPr>
+        </p:nvSpPr>
+        <p:spPr/>
+        <p:txBody>
+          <a:bodyPr/>
+          <a:lstStyle/>
+          <a:p>
+            <a:r>
+              <a:rPr lang="en-US" b="1" dirty="0" smtClean="0"/>
+              <a:t>Rust</a:t>
+            </a:r>
+            <a:endParaRPr lang="ru-RU" dirty="0"/>
+          </a:p>
+        </p:txBody>
+      </p:sp>
+      <p:sp>
+        <p:nvSpPr>
+          <p:cNvPr id="3" name="Подзаголовок 2"/>
+          <p:cNvSpPr>
+            <a:spLocks noGrp="1"/>
+          </p:cNvSpPr>
+          <p:nvPr>
+            <p:ph type="subTitle" idx="1"/>
+          </p:nvPr>
+        </p:nvSpPr>
+        <p:spPr>
+          <a:xfrm>
+            <a:off x="1524000" y="4361934"/>
+            <a:ext cx="9144000" cy="895865"/>
+          </a:xfrm>
+        </p:spPr>
+        <p:txBody>
+          <a:bodyPr>
+            <a:normAutofit/>
+          </a:bodyPr>
+          <a:lstStyle/>
+          <a:p>
+            <a:endParaRPr lang="ru-RU" sz="1600" dirty="0"/>
+          </a:p>
+        </p:txBody>
+      </p:sp>
+    </p:spTree>
+    <p:extLst>
+      <p:ext uri="{BB962C8B-B14F-4D97-AF65-F5344CB8AC3E}">
+        <p14:creationId xmlns:p14="http://schemas.microsoft.com/office/powerpoint/2010/main" val="2636179977"/>
+      </p:ext>
+    </p:extLst>
+  </p:cSld>
+  <p:clrMapOvr>
+    <a:masterClrMapping/>
+  </p:clrMapOvr>
+  <p:timing>
+    <p:tnLst>
+      <p:par>
+        <p:cTn id="1" dur="indefinite" restart="never" nodeType="tmRoot"/>
+      </p:par>
+    </p:tnLst>
+  </p:timing>
+</p:sld>
+</file>
+
+<file path=ppt/slides/slide20.xml><?xml version="1.0" encoding="utf-8"?>
+<p:sld xmlns:a="http://schemas.openxmlformats.org/drawingml/2006/main" xmlns:r="http://schemas.openxmlformats.org/officeDocument/2006/relationships" xmlns:p="http://schemas.openxmlformats.org/presentationml/2006/main">
+  <p:cSld>
+    <p:spTree>
+      <p:nvGrpSpPr>
+        <p:cNvPr id="1" name=""/>
+        <p:cNvGrpSpPr/>
+        <p:nvPr/>
+      </p:nvGrpSpPr>
+      <p:grpSpPr>
+        <a:xfrm>
+          <a:off x="0" y="0"/>
+          <a:ext cx="0" cy="0"/>
+          <a:chOff x="0" y="0"/>
+          <a:chExt cx="0" cy="0"/>
+        </a:xfrm>
+      </p:grpSpPr>
+      <p:sp>
+        <p:nvSpPr>
+          <p:cNvPr id="2" name="Title 1"/>
+          <p:cNvSpPr>
+            <a:spLocks noGrp="1"/>
+          </p:cNvSpPr>
+          <p:nvPr>
+            <p:ph type="title"/>
+          </p:nvPr>
+        </p:nvSpPr>
+        <p:spPr/>
+        <p:txBody>
+          <a:bodyPr/>
+          <a:lstStyle/>
+          <a:p>
+            <a:r>
+              <a:rPr lang="en-US" dirty="0" smtClean="0"/>
+              <a:t>Type system</a:t>
+            </a:r>
+            <a:endParaRPr lang="en-US" dirty="0"/>
+          </a:p>
+        </p:txBody>
+      </p:sp>
+      <p:sp>
+        <p:nvSpPr>
+          <p:cNvPr id="3" name="Content Placeholder 2"/>
+          <p:cNvSpPr>
+            <a:spLocks noGrp="1"/>
+          </p:cNvSpPr>
+          <p:nvPr>
+            <p:ph idx="1"/>
+          </p:nvPr>
+        </p:nvSpPr>
+        <p:spPr/>
+        <p:txBody>
+          <a:bodyPr/>
+          <a:lstStyle/>
+          <a:p>
+            <a:pPr marL="0" indent="0">
+              <a:buNone/>
+            </a:pPr>
+            <a:r>
+              <a:rPr lang="ru-RU" dirty="0"/>
+              <a:t>Сильная</a:t>
+            </a:r>
+            <a:r>
+              <a:rPr lang="en-US" dirty="0"/>
+              <a:t> (</a:t>
+            </a:r>
+            <a:r>
+              <a:rPr lang="ru-RU" dirty="0"/>
+              <a:t>строгая</a:t>
+            </a:r>
+            <a:r>
+              <a:rPr lang="en-US" dirty="0"/>
+              <a:t>)</a:t>
+            </a:r>
+            <a:r>
+              <a:rPr lang="ru-RU" dirty="0" smtClean="0"/>
+              <a:t> </a:t>
+            </a:r>
+          </a:p>
+          <a:p>
+            <a:pPr marL="0" indent="0">
+              <a:buNone/>
+            </a:pPr>
+            <a:r>
+              <a:rPr lang="ru-RU" dirty="0" smtClean="0"/>
+              <a:t>статическая </a:t>
+            </a:r>
+          </a:p>
+          <a:p>
+            <a:pPr marL="0" indent="0">
+              <a:buNone/>
+            </a:pPr>
+            <a:r>
+              <a:rPr lang="ru-RU" dirty="0" smtClean="0"/>
+              <a:t>типизация</a:t>
+            </a:r>
+          </a:p>
+          <a:p>
+            <a:endParaRPr lang="en-US" dirty="0" smtClean="0"/>
+          </a:p>
+          <a:p>
+            <a:pPr marL="0" indent="0">
+              <a:buNone/>
+            </a:pPr>
+            <a:endParaRPr lang="en-US" dirty="0"/>
+          </a:p>
+        </p:txBody>
+      </p:sp>
+      <p:pic>
+        <p:nvPicPr>
+          <p:cNvPr id="4" name="Рисунок 3"/>
+          <p:cNvPicPr>
+            <a:picLocks noChangeAspect="1"/>
+          </p:cNvPicPr>
+          <p:nvPr/>
+        </p:nvPicPr>
+        <p:blipFill>
+          <a:blip r:embed="rId2">
+            <a:extLst>
+              <a:ext uri="{28A0092B-C50C-407E-A947-70E740481C1C}">
+                <a14:useLocalDpi xmlns:a14="http://schemas.microsoft.com/office/drawing/2010/main" val="0"/>
+              </a:ext>
+            </a:extLst>
+          </a:blip>
+          <a:stretch>
+            <a:fillRect/>
+          </a:stretch>
+        </p:blipFill>
+        <p:spPr>
+          <a:xfrm>
+            <a:off x="4114801" y="202552"/>
+            <a:ext cx="8077200" cy="6655448"/>
+          </a:xfrm>
+          <a:prstGeom prst="rect">
+            <a:avLst/>
+          </a:prstGeom>
+        </p:spPr>
+      </p:pic>
+    </p:spTree>
+    <p:extLst>
+      <p:ext uri="{BB962C8B-B14F-4D97-AF65-F5344CB8AC3E}">
+        <p14:creationId xmlns:p14="http://schemas.microsoft.com/office/powerpoint/2010/main" val="1064276703"/>
+      </p:ext>
+    </p:extLst>
+  </p:cSld>
+  <p:clrMapOvr>
+    <a:masterClrMapping/>
+  </p:clrMapOvr>
+  <p:timing>
+    <p:tnLst>
+      <p:par>
+        <p:cTn id="1" dur="indefinite" restart="never" nodeType="tmRoot"/>
+      </p:par>
+    </p:tnLst>
+  </p:timing>
+</p:sld>
+</file>
+
+<file path=ppt/slides/slide21.xml><?xml version="1.0" encoding="utf-8"?>
+<p:sld xmlns:a="http://schemas.openxmlformats.org/drawingml/2006/main" xmlns:r="http://schemas.openxmlformats.org/officeDocument/2006/relationships" xmlns:p="http://schemas.openxmlformats.org/presentationml/2006/main">
+  <p:cSld>
+    <p:spTree>
+      <p:nvGrpSpPr>
+        <p:cNvPr id="1" name=""/>
+        <p:cNvGrpSpPr/>
+        <p:nvPr/>
+      </p:nvGrpSpPr>
+      <p:grpSpPr>
+        <a:xfrm>
+          <a:off x="0" y="0"/>
+          <a:ext cx="0" cy="0"/>
+          <a:chOff x="0" y="0"/>
+          <a:chExt cx="0" cy="0"/>
+        </a:xfrm>
+      </p:grpSpPr>
+      <p:sp>
+        <p:nvSpPr>
+          <p:cNvPr id="2" name="Title 1"/>
+          <p:cNvSpPr>
+            <a:spLocks noGrp="1"/>
+          </p:cNvSpPr>
+          <p:nvPr>
+            <p:ph type="title"/>
+          </p:nvPr>
+        </p:nvSpPr>
+        <p:spPr/>
+        <p:txBody>
+          <a:bodyPr/>
+          <a:lstStyle/>
+          <a:p>
+            <a:r>
+              <a:rPr lang="en-US" dirty="0" smtClean="0"/>
+              <a:t>Type system</a:t>
+            </a:r>
+            <a:endParaRPr lang="en-US" dirty="0"/>
+          </a:p>
+        </p:txBody>
+      </p:sp>
+      <p:sp>
+        <p:nvSpPr>
+          <p:cNvPr id="3" name="Content Placeholder 2"/>
+          <p:cNvSpPr>
+            <a:spLocks noGrp="1"/>
+          </p:cNvSpPr>
+          <p:nvPr>
+            <p:ph idx="1"/>
+          </p:nvPr>
+        </p:nvSpPr>
+        <p:spPr/>
+        <p:txBody>
+          <a:bodyPr/>
+          <a:lstStyle/>
+          <a:p>
+            <a:pPr marL="0" indent="0">
+              <a:buNone/>
+            </a:pPr>
+            <a:r>
+              <a:rPr lang="ru-RU" dirty="0" smtClean="0"/>
+              <a:t>Сильная</a:t>
+            </a:r>
+            <a:r>
+              <a:rPr lang="en-US" dirty="0"/>
+              <a:t> </a:t>
+            </a:r>
+            <a:r>
+              <a:rPr lang="en-US" dirty="0" smtClean="0"/>
+              <a:t>(</a:t>
+            </a:r>
+            <a:r>
+              <a:rPr lang="ru-RU" dirty="0" smtClean="0"/>
+              <a:t>строгая</a:t>
+            </a:r>
+            <a:r>
+              <a:rPr lang="en-US" dirty="0" smtClean="0"/>
+              <a:t>)</a:t>
+            </a:r>
+            <a:r>
+              <a:rPr lang="ru-RU" dirty="0" smtClean="0"/>
+              <a:t> статическая</a:t>
+            </a:r>
+            <a:r>
+              <a:rPr lang="en-US" dirty="0"/>
+              <a:t> </a:t>
+            </a:r>
+            <a:r>
+              <a:rPr lang="ru-RU" dirty="0" smtClean="0"/>
+              <a:t>типизация</a:t>
+            </a:r>
+          </a:p>
+          <a:p>
+            <a:endParaRPr lang="en-US" dirty="0" smtClean="0"/>
+          </a:p>
+          <a:p>
+            <a:pPr marL="0" indent="0">
+              <a:buNone/>
+            </a:pPr>
+            <a:endParaRPr lang="en-US" dirty="0"/>
+          </a:p>
+        </p:txBody>
+      </p:sp>
+      <p:pic>
+        <p:nvPicPr>
+          <p:cNvPr id="5" name="Рисунок 4"/>
+          <p:cNvPicPr>
+            <a:picLocks noChangeAspect="1"/>
+          </p:cNvPicPr>
+          <p:nvPr/>
+        </p:nvPicPr>
+        <p:blipFill>
+          <a:blip r:embed="rId2">
+            <a:extLst>
+              <a:ext uri="{28A0092B-C50C-407E-A947-70E740481C1C}">
+                <a14:useLocalDpi xmlns:a14="http://schemas.microsoft.com/office/drawing/2010/main" val="0"/>
+              </a:ext>
+            </a:extLst>
+          </a:blip>
+          <a:stretch>
+            <a:fillRect/>
+          </a:stretch>
+        </p:blipFill>
+        <p:spPr>
+          <a:xfrm>
+            <a:off x="1316575" y="2369549"/>
+            <a:ext cx="9558850" cy="4437609"/>
+          </a:xfrm>
+          <a:prstGeom prst="rect">
+            <a:avLst/>
+          </a:prstGeom>
+        </p:spPr>
+      </p:pic>
+    </p:spTree>
+    <p:extLst>
+      <p:ext uri="{BB962C8B-B14F-4D97-AF65-F5344CB8AC3E}">
+        <p14:creationId xmlns:p14="http://schemas.microsoft.com/office/powerpoint/2010/main" val="2498138308"/>
+      </p:ext>
+    </p:extLst>
+  </p:cSld>
+  <p:clrMapOvr>
+    <a:masterClrMapping/>
+  </p:clrMapOvr>
+  <p:timing>
+    <p:tnLst>
+      <p:par>
+        <p:cTn id="1" dur="indefinite" restart="never" nodeType="tmRoot"/>
+      </p:par>
+    </p:tnLst>
+  </p:timing>
+</p:sld>
+</file>
+
+<file path=ppt/slides/slide22.xml><?xml version="1.0" encoding="utf-8"?>
+<p:sld xmlns:a="http://schemas.openxmlformats.org/drawingml/2006/main" xmlns:r="http://schemas.openxmlformats.org/officeDocument/2006/relationships" xmlns:p="http://schemas.openxmlformats.org/presentationml/2006/main">
+  <p:cSld>
+    <p:spTree>
+      <p:nvGrpSpPr>
+        <p:cNvPr id="1" name=""/>
+        <p:cNvGrpSpPr/>
+        <p:nvPr/>
+      </p:nvGrpSpPr>
+      <p:grpSpPr>
+        <a:xfrm>
+          <a:off x="0" y="0"/>
+          <a:ext cx="0" cy="0"/>
+          <a:chOff x="0" y="0"/>
+          <a:chExt cx="0" cy="0"/>
+        </a:xfrm>
+      </p:grpSpPr>
+      <p:sp>
+        <p:nvSpPr>
+          <p:cNvPr id="2" name="Заголовок 1"/>
+          <p:cNvSpPr>
+            <a:spLocks noGrp="1"/>
+          </p:cNvSpPr>
+          <p:nvPr>
+            <p:ph type="title"/>
+          </p:nvPr>
+        </p:nvSpPr>
+        <p:spPr/>
+        <p:txBody>
+          <a:bodyPr/>
+          <a:lstStyle/>
+          <a:p>
+            <a:r>
+              <a:rPr lang="en-US" dirty="0" smtClean="0"/>
+              <a:t>Rust data types</a:t>
+            </a:r>
+            <a:endParaRPr lang="ru-RU" dirty="0"/>
+          </a:p>
+        </p:txBody>
+      </p:sp>
+      <p:sp>
+        <p:nvSpPr>
+          <p:cNvPr id="3" name="Объект 2"/>
+          <p:cNvSpPr>
+            <a:spLocks noGrp="1"/>
+          </p:cNvSpPr>
+          <p:nvPr>
+            <p:ph sz="half" idx="1"/>
+          </p:nvPr>
+        </p:nvSpPr>
+        <p:spPr/>
+        <p:txBody>
+          <a:bodyPr>
+            <a:normAutofit/>
+          </a:bodyPr>
+          <a:lstStyle/>
+          <a:p>
+            <a:pPr marL="0" indent="0">
+              <a:buNone/>
+            </a:pPr>
+            <a:r>
+              <a:rPr lang="en-US" sz="2000" dirty="0" smtClean="0">
+                <a:latin typeface="Consolas" panose="020B0609020204030204" pitchFamily="49" charset="0"/>
+              </a:rPr>
+              <a:t>true / false</a:t>
+            </a:r>
+          </a:p>
+          <a:p>
+            <a:pPr marL="0" indent="0">
+              <a:buNone/>
+            </a:pPr>
+            <a:r>
+              <a:rPr lang="en-US" sz="2000" dirty="0">
+                <a:latin typeface="Consolas" panose="020B0609020204030204" pitchFamily="49" charset="0"/>
+              </a:rPr>
+              <a:t>i</a:t>
+            </a:r>
+            <a:r>
+              <a:rPr lang="pl-PL" sz="2000" dirty="0" smtClean="0">
+                <a:latin typeface="Consolas" panose="020B0609020204030204" pitchFamily="49" charset="0"/>
+              </a:rPr>
+              <a:t>8</a:t>
+            </a:r>
+            <a:r>
+              <a:rPr lang="en-US" sz="2000" dirty="0" smtClean="0">
+                <a:latin typeface="Consolas" panose="020B0609020204030204" pitchFamily="49" charset="0"/>
+              </a:rPr>
+              <a:t>, </a:t>
+            </a:r>
+            <a:r>
+              <a:rPr lang="pl-PL" sz="2000" dirty="0" smtClean="0">
+                <a:latin typeface="Consolas" panose="020B0609020204030204" pitchFamily="49" charset="0"/>
+              </a:rPr>
+              <a:t>i16</a:t>
+            </a:r>
+            <a:r>
+              <a:rPr lang="en-US" sz="2000" dirty="0" smtClean="0">
+                <a:latin typeface="Consolas" panose="020B0609020204030204" pitchFamily="49" charset="0"/>
+              </a:rPr>
+              <a:t>, </a:t>
+            </a:r>
+            <a:r>
+              <a:rPr lang="pl-PL" sz="2000" dirty="0" smtClean="0">
+                <a:latin typeface="Consolas" panose="020B0609020204030204" pitchFamily="49" charset="0"/>
+              </a:rPr>
+              <a:t>i32</a:t>
+            </a:r>
+            <a:r>
+              <a:rPr lang="en-US" sz="2000" dirty="0" smtClean="0">
+                <a:latin typeface="Consolas" panose="020B0609020204030204" pitchFamily="49" charset="0"/>
+              </a:rPr>
+              <a:t>, </a:t>
+            </a:r>
+            <a:r>
+              <a:rPr lang="pl-PL" sz="2000" dirty="0" smtClean="0">
+                <a:latin typeface="Consolas" panose="020B0609020204030204" pitchFamily="49" charset="0"/>
+              </a:rPr>
+              <a:t>i64</a:t>
+            </a:r>
+            <a:r>
+              <a:rPr lang="en-US" sz="2000" dirty="0" smtClean="0">
+                <a:latin typeface="Consolas" panose="020B0609020204030204" pitchFamily="49" charset="0"/>
+              </a:rPr>
+              <a:t>, </a:t>
+            </a:r>
+            <a:r>
+              <a:rPr lang="pl-PL" sz="2000" dirty="0" smtClean="0">
+                <a:latin typeface="Consolas" panose="020B0609020204030204" pitchFamily="49" charset="0"/>
+              </a:rPr>
+              <a:t>u8</a:t>
+            </a:r>
+            <a:r>
+              <a:rPr lang="en-US" sz="2000" dirty="0" smtClean="0">
+                <a:latin typeface="Consolas" panose="020B0609020204030204" pitchFamily="49" charset="0"/>
+              </a:rPr>
+              <a:t>, </a:t>
+            </a:r>
+            <a:r>
+              <a:rPr lang="pl-PL" sz="2000" dirty="0" smtClean="0">
+                <a:latin typeface="Consolas" panose="020B0609020204030204" pitchFamily="49" charset="0"/>
+              </a:rPr>
+              <a:t>u16</a:t>
+            </a:r>
+            <a:r>
+              <a:rPr lang="en-US" sz="2000" dirty="0" smtClean="0">
+                <a:latin typeface="Consolas" panose="020B0609020204030204" pitchFamily="49" charset="0"/>
+              </a:rPr>
+              <a:t>, </a:t>
+            </a:r>
+            <a:r>
+              <a:rPr lang="pl-PL" sz="2000" dirty="0" smtClean="0">
+                <a:latin typeface="Consolas" panose="020B0609020204030204" pitchFamily="49" charset="0"/>
+              </a:rPr>
+              <a:t>u32</a:t>
+            </a:r>
+            <a:r>
+              <a:rPr lang="en-US" sz="2000" dirty="0" smtClean="0">
+                <a:latin typeface="Consolas" panose="020B0609020204030204" pitchFamily="49" charset="0"/>
+              </a:rPr>
+              <a:t>, </a:t>
+            </a:r>
+            <a:r>
+              <a:rPr lang="pl-PL" sz="2000" dirty="0" smtClean="0">
+                <a:latin typeface="Consolas" panose="020B0609020204030204" pitchFamily="49" charset="0"/>
+              </a:rPr>
+              <a:t>u64</a:t>
+            </a:r>
+            <a:r>
+              <a:rPr lang="en-US" sz="2000" dirty="0" smtClean="0">
+                <a:latin typeface="Consolas" panose="020B0609020204030204" pitchFamily="49" charset="0"/>
+              </a:rPr>
+              <a:t>, </a:t>
+            </a:r>
+            <a:r>
+              <a:rPr lang="pl-PL" sz="2000" dirty="0" smtClean="0">
+                <a:latin typeface="Consolas" panose="020B0609020204030204" pitchFamily="49" charset="0"/>
+              </a:rPr>
+              <a:t>isize</a:t>
+            </a:r>
+            <a:r>
+              <a:rPr lang="en-US" sz="2000" dirty="0" smtClean="0">
+                <a:latin typeface="Consolas" panose="020B0609020204030204" pitchFamily="49" charset="0"/>
+              </a:rPr>
+              <a:t>, </a:t>
+            </a:r>
+            <a:r>
+              <a:rPr lang="pl-PL" sz="2000" dirty="0" smtClean="0">
+                <a:latin typeface="Consolas" panose="020B0609020204030204" pitchFamily="49" charset="0"/>
+              </a:rPr>
+              <a:t>usize</a:t>
+            </a:r>
+            <a:r>
+              <a:rPr lang="en-US" sz="2000" dirty="0" smtClean="0">
+                <a:latin typeface="Consolas" panose="020B0609020204030204" pitchFamily="49" charset="0"/>
+              </a:rPr>
+              <a:t>, </a:t>
+            </a:r>
+            <a:r>
+              <a:rPr lang="pl-PL" sz="2000" dirty="0" smtClean="0">
+                <a:latin typeface="Consolas" panose="020B0609020204030204" pitchFamily="49" charset="0"/>
+              </a:rPr>
+              <a:t>f32</a:t>
+            </a:r>
+            <a:r>
+              <a:rPr lang="en-US" sz="2000" dirty="0" smtClean="0">
+                <a:latin typeface="Consolas" panose="020B0609020204030204" pitchFamily="49" charset="0"/>
+              </a:rPr>
+              <a:t>, </a:t>
+            </a:r>
+            <a:r>
+              <a:rPr lang="pl-PL" sz="2000" dirty="0" smtClean="0">
+                <a:latin typeface="Consolas" panose="020B0609020204030204" pitchFamily="49" charset="0"/>
+              </a:rPr>
+              <a:t>f64</a:t>
+            </a:r>
+            <a:endParaRPr lang="en-US" sz="2000" dirty="0" smtClean="0">
+              <a:latin typeface="Consolas" panose="020B0609020204030204" pitchFamily="49" charset="0"/>
+            </a:endParaRPr>
+          </a:p>
+          <a:p>
+            <a:pPr marL="0" indent="0">
+              <a:buNone/>
+            </a:pPr>
+            <a:r>
+              <a:rPr lang="en-US" sz="2000" dirty="0" smtClean="0">
+                <a:latin typeface="Consolas" panose="020B0609020204030204" pitchFamily="49" charset="0"/>
+              </a:rPr>
+              <a:t>‘c’ &amp; “string”</a:t>
+            </a:r>
+          </a:p>
+          <a:p>
+            <a:pPr marL="0" indent="0">
+              <a:buNone/>
+            </a:pPr>
+            <a:endParaRPr lang="en-US" sz="2000" dirty="0" smtClean="0">
+              <a:latin typeface="Consolas" panose="020B0609020204030204" pitchFamily="49" charset="0"/>
+            </a:endParaRPr>
+          </a:p>
+          <a:p>
+            <a:pPr marL="0" indent="0">
+              <a:buNone/>
+            </a:pPr>
+            <a:r>
+              <a:rPr lang="en-US" sz="2000" dirty="0">
+                <a:latin typeface="Consolas" panose="020B0609020204030204" pitchFamily="49" charset="0"/>
+              </a:rPr>
+              <a:t>let a = [1, 2, 3</a:t>
+            </a:r>
+            <a:r>
+              <a:rPr lang="en-US" sz="2000" dirty="0" smtClean="0">
+                <a:latin typeface="Consolas" panose="020B0609020204030204" pitchFamily="49" charset="0"/>
+              </a:rPr>
+              <a:t>];	// </a:t>
+            </a:r>
+            <a:r>
+              <a:rPr lang="en-US" sz="2000" dirty="0">
+                <a:latin typeface="Consolas" panose="020B0609020204030204" pitchFamily="49" charset="0"/>
+              </a:rPr>
+              <a:t>a: [i32; 3]</a:t>
+            </a:r>
+          </a:p>
+          <a:p>
+            <a:pPr marL="0" indent="0">
+              <a:buNone/>
+            </a:pPr>
+            <a:endParaRPr lang="en-US" sz="2000" dirty="0">
+              <a:latin typeface="Consolas" panose="020B0609020204030204" pitchFamily="49" charset="0"/>
+            </a:endParaRPr>
+          </a:p>
+          <a:p>
+            <a:pPr marL="0" indent="0">
+              <a:buNone/>
+            </a:pPr>
+            <a:r>
+              <a:rPr lang="en-US" sz="2000" dirty="0">
+                <a:latin typeface="Consolas" panose="020B0609020204030204" pitchFamily="49" charset="0"/>
+              </a:rPr>
+              <a:t>let a = [0, 1, 2, 3, 4]; </a:t>
+            </a:r>
+          </a:p>
+          <a:p>
+            <a:pPr marL="0" indent="0">
+              <a:buNone/>
+            </a:pPr>
+            <a:r>
+              <a:rPr lang="en-US" sz="2000" dirty="0">
+                <a:latin typeface="Consolas" panose="020B0609020204030204" pitchFamily="49" charset="0"/>
+              </a:rPr>
+              <a:t>let complete = &amp;a[..]; </a:t>
+            </a:r>
+            <a:endParaRPr lang="en-US" sz="2000" dirty="0" smtClean="0">
+              <a:latin typeface="Consolas" panose="020B0609020204030204" pitchFamily="49" charset="0"/>
+            </a:endParaRPr>
+          </a:p>
+          <a:p>
+            <a:pPr marL="0" indent="0">
+              <a:buNone/>
+            </a:pPr>
+            <a:r>
+              <a:rPr lang="en-US" sz="2000" dirty="0" smtClean="0">
+                <a:latin typeface="Consolas" panose="020B0609020204030204" pitchFamily="49" charset="0"/>
+              </a:rPr>
+              <a:t>let </a:t>
+            </a:r>
+            <a:r>
+              <a:rPr lang="en-US" sz="2000" dirty="0">
+                <a:latin typeface="Consolas" panose="020B0609020204030204" pitchFamily="49" charset="0"/>
+              </a:rPr>
+              <a:t>middle = &amp;a[1..4</a:t>
+            </a:r>
+            <a:r>
+              <a:rPr lang="en-US" sz="2000" dirty="0" smtClean="0">
+                <a:latin typeface="Consolas" panose="020B0609020204030204" pitchFamily="49" charset="0"/>
+              </a:rPr>
+              <a:t>];</a:t>
+            </a:r>
+          </a:p>
+          <a:p>
+            <a:pPr marL="0" indent="0">
+              <a:buNone/>
+            </a:pPr>
+            <a:endParaRPr lang="ru-RU" sz="2000" dirty="0">
+              <a:latin typeface="Consolas" panose="020B0609020204030204" pitchFamily="49" charset="0"/>
+            </a:endParaRPr>
+          </a:p>
+        </p:txBody>
+      </p:sp>
+      <p:sp>
+        <p:nvSpPr>
+          <p:cNvPr id="5" name="Объект 4"/>
+          <p:cNvSpPr>
+            <a:spLocks noGrp="1"/>
+          </p:cNvSpPr>
+          <p:nvPr>
+            <p:ph sz="half" idx="2"/>
+          </p:nvPr>
+        </p:nvSpPr>
+        <p:spPr/>
+        <p:txBody>
+          <a:bodyPr>
+            <a:normAutofit/>
+          </a:bodyPr>
+          <a:lstStyle/>
+          <a:p>
+            <a:pPr marL="0" indent="0">
+              <a:buNone/>
+            </a:pPr>
+            <a:r>
+              <a:rPr lang="en-US" sz="2000" dirty="0">
+                <a:latin typeface="Consolas" panose="020B0609020204030204" pitchFamily="49" charset="0"/>
+              </a:rPr>
+              <a:t>let tuple = (1, 2, 3); </a:t>
+            </a:r>
+            <a:endParaRPr lang="en-US" sz="2000" dirty="0" smtClean="0">
+              <a:latin typeface="Consolas" panose="020B0609020204030204" pitchFamily="49" charset="0"/>
+            </a:endParaRPr>
+          </a:p>
+          <a:p>
+            <a:pPr marL="0" indent="0">
+              <a:buNone/>
+            </a:pPr>
+            <a:r>
+              <a:rPr lang="en-US" sz="2000" dirty="0" smtClean="0">
+                <a:latin typeface="Consolas" panose="020B0609020204030204" pitchFamily="49" charset="0"/>
+              </a:rPr>
+              <a:t>let </a:t>
+            </a:r>
+            <a:r>
+              <a:rPr lang="en-US" sz="2000" dirty="0">
+                <a:latin typeface="Consolas" panose="020B0609020204030204" pitchFamily="49" charset="0"/>
+              </a:rPr>
+              <a:t>x = tuple.0; </a:t>
+            </a:r>
+            <a:endParaRPr lang="en-US" sz="2000" dirty="0" smtClean="0">
+              <a:latin typeface="Consolas" panose="020B0609020204030204" pitchFamily="49" charset="0"/>
+            </a:endParaRPr>
+          </a:p>
+          <a:p>
+            <a:pPr marL="0" indent="0">
+              <a:buNone/>
+            </a:pPr>
+            <a:r>
+              <a:rPr lang="en-US" sz="2000" dirty="0" smtClean="0">
+                <a:latin typeface="Consolas" panose="020B0609020204030204" pitchFamily="49" charset="0"/>
+              </a:rPr>
+              <a:t>let </a:t>
+            </a:r>
+            <a:r>
+              <a:rPr lang="en-US" sz="2000" dirty="0">
+                <a:latin typeface="Consolas" panose="020B0609020204030204" pitchFamily="49" charset="0"/>
+              </a:rPr>
+              <a:t>y = tuple.1; </a:t>
+            </a:r>
+            <a:endParaRPr lang="en-US" sz="2000" dirty="0" smtClean="0">
+              <a:latin typeface="Consolas" panose="020B0609020204030204" pitchFamily="49" charset="0"/>
+            </a:endParaRPr>
+          </a:p>
+          <a:p>
+            <a:pPr marL="0" indent="0">
+              <a:buNone/>
+            </a:pPr>
+            <a:r>
+              <a:rPr lang="en-US" sz="2000" dirty="0" smtClean="0">
+                <a:latin typeface="Consolas" panose="020B0609020204030204" pitchFamily="49" charset="0"/>
+              </a:rPr>
+              <a:t>let </a:t>
+            </a:r>
+            <a:r>
+              <a:rPr lang="en-US" sz="2000" dirty="0">
+                <a:latin typeface="Consolas" panose="020B0609020204030204" pitchFamily="49" charset="0"/>
+              </a:rPr>
+              <a:t>z = tuple.2; </a:t>
+            </a:r>
+            <a:endParaRPr lang="en-US" sz="2000" dirty="0" smtClean="0">
+              <a:latin typeface="Consolas" panose="020B0609020204030204" pitchFamily="49" charset="0"/>
+            </a:endParaRPr>
+          </a:p>
+          <a:p>
+            <a:pPr marL="0" indent="0">
+              <a:buNone/>
+            </a:pPr>
+            <a:r>
+              <a:rPr lang="en-US" sz="2000" dirty="0" err="1" smtClean="0">
+                <a:latin typeface="Consolas" panose="020B0609020204030204" pitchFamily="49" charset="0"/>
+              </a:rPr>
+              <a:t>println</a:t>
+            </a:r>
+            <a:r>
+              <a:rPr lang="en-US" sz="2000" dirty="0">
+                <a:latin typeface="Consolas" panose="020B0609020204030204" pitchFamily="49" charset="0"/>
+              </a:rPr>
+              <a:t>!("x is {}", x</a:t>
+            </a:r>
+            <a:r>
+              <a:rPr lang="en-US" sz="2000" dirty="0" smtClean="0">
+                <a:latin typeface="Consolas" panose="020B0609020204030204" pitchFamily="49" charset="0"/>
+              </a:rPr>
+              <a:t>);</a:t>
+            </a:r>
+            <a:endParaRPr lang="en-US" sz="2000" dirty="0">
+              <a:latin typeface="Consolas" panose="020B0609020204030204" pitchFamily="49" charset="0"/>
+            </a:endParaRPr>
+          </a:p>
+          <a:p>
+            <a:pPr marL="0" indent="0">
+              <a:buNone/>
+            </a:pPr>
+            <a:endParaRPr lang="en-US" sz="2000" dirty="0">
+              <a:latin typeface="Consolas" panose="020B0609020204030204" pitchFamily="49" charset="0"/>
+            </a:endParaRPr>
+          </a:p>
+          <a:p>
+            <a:pPr marL="0" indent="0">
+              <a:buNone/>
+            </a:pPr>
+            <a:r>
+              <a:rPr lang="nn-NO" sz="2000" dirty="0">
+                <a:latin typeface="Consolas" panose="020B0609020204030204" pitchFamily="49" charset="0"/>
+              </a:rPr>
+              <a:t>fn foo(x: i32) -&gt; i32 { x </a:t>
+            </a:r>
+            <a:r>
+              <a:rPr lang="nn-NO" sz="2000" dirty="0" smtClean="0">
+                <a:latin typeface="Consolas" panose="020B0609020204030204" pitchFamily="49" charset="0"/>
+              </a:rPr>
+              <a:t>}</a:t>
+            </a:r>
+          </a:p>
+          <a:p>
+            <a:pPr marL="0" indent="0">
+              <a:buNone/>
+            </a:pPr>
+            <a:r>
+              <a:rPr lang="nn-NO" sz="2000" dirty="0" smtClean="0">
+                <a:latin typeface="Consolas" panose="020B0609020204030204" pitchFamily="49" charset="0"/>
+              </a:rPr>
+              <a:t>let </a:t>
+            </a:r>
+            <a:r>
+              <a:rPr lang="nn-NO" sz="2000" dirty="0">
+                <a:latin typeface="Consolas" panose="020B0609020204030204" pitchFamily="49" charset="0"/>
+              </a:rPr>
+              <a:t>x: fn(i32) -&gt; i32 = foo</a:t>
+            </a:r>
+            <a:r>
+              <a:rPr lang="nn-NO" sz="2000" dirty="0" smtClean="0">
+                <a:latin typeface="Consolas" panose="020B0609020204030204" pitchFamily="49" charset="0"/>
+              </a:rPr>
+              <a:t>;</a:t>
+            </a:r>
+          </a:p>
+          <a:p>
+            <a:pPr marL="0" indent="0">
+              <a:buNone/>
+            </a:pPr>
+            <a:endParaRPr lang="ru-RU" sz="2000" dirty="0">
+              <a:latin typeface="Consolas" panose="020B0609020204030204" pitchFamily="49" charset="0"/>
+            </a:endParaRPr>
+          </a:p>
+        </p:txBody>
+      </p:sp>
+    </p:spTree>
+    <p:extLst>
+      <p:ext uri="{BB962C8B-B14F-4D97-AF65-F5344CB8AC3E}">
+        <p14:creationId xmlns:p14="http://schemas.microsoft.com/office/powerpoint/2010/main" val="558207227"/>
+      </p:ext>
+    </p:extLst>
+  </p:cSld>
+  <p:clrMapOvr>
+    <a:masterClrMapping/>
+  </p:clrMapOvr>
+  <p:timing>
+    <p:tnLst>
+      <p:par>
+        <p:cTn id="1" dur="indefinite" restart="never" nodeType="tmRoot"/>
+      </p:par>
+    </p:tnLst>
+  </p:timing>
+</p:sld>
+</file>
+
+<file path=ppt/slides/slide23.xml><?xml version="1.0" encoding="utf-8"?>
+<p:sld xmlns:a="http://schemas.openxmlformats.org/drawingml/2006/main" xmlns:r="http://schemas.openxmlformats.org/officeDocument/2006/relationships" xmlns:p="http://schemas.openxmlformats.org/presentationml/2006/main">
+  <p:cSld>
+    <p:spTree>
+      <p:nvGrpSpPr>
+        <p:cNvPr id="1" name=""/>
+        <p:cNvGrpSpPr/>
+        <p:nvPr/>
+      </p:nvGrpSpPr>
+      <p:grpSpPr>
+        <a:xfrm>
+          <a:off x="0" y="0"/>
+          <a:ext cx="0" cy="0"/>
+          <a:chOff x="0" y="0"/>
+          <a:chExt cx="0" cy="0"/>
+        </a:xfrm>
+      </p:grpSpPr>
+      <p:sp>
+        <p:nvSpPr>
+          <p:cNvPr id="2" name="Заголовок 1"/>
+          <p:cNvSpPr>
+            <a:spLocks noGrp="1"/>
+          </p:cNvSpPr>
+          <p:nvPr>
+            <p:ph type="title"/>
+          </p:nvPr>
+        </p:nvSpPr>
+        <p:spPr/>
+        <p:txBody>
+          <a:bodyPr/>
+          <a:lstStyle/>
+          <a:p>
+            <a:r>
+              <a:rPr lang="en-US" dirty="0" smtClean="0"/>
+              <a:t>Rust data types</a:t>
+            </a:r>
+            <a:endParaRPr lang="ru-RU" dirty="0"/>
+          </a:p>
+        </p:txBody>
+      </p:sp>
+      <p:pic>
+        <p:nvPicPr>
+          <p:cNvPr id="6" name="Объект 5"/>
+          <p:cNvPicPr>
+            <a:picLocks noGrp="1" noChangeAspect="1"/>
+          </p:cNvPicPr>
+          <p:nvPr>
+            <p:ph idx="1"/>
+          </p:nvPr>
+        </p:nvPicPr>
+        <p:blipFill>
+          <a:blip r:embed="rId2">
+            <a:extLst>
+              <a:ext uri="{28A0092B-C50C-407E-A947-70E740481C1C}">
+                <a14:useLocalDpi xmlns:a14="http://schemas.microsoft.com/office/drawing/2010/main" val="0"/>
+              </a:ext>
+            </a:extLst>
+          </a:blip>
+          <a:stretch>
+            <a:fillRect/>
+          </a:stretch>
+        </p:blipFill>
+        <p:spPr>
+          <a:xfrm>
+            <a:off x="2096741" y="2598504"/>
+            <a:ext cx="7998517" cy="2727257"/>
+          </a:xfrm>
+        </p:spPr>
+      </p:pic>
+    </p:spTree>
+    <p:extLst>
+      <p:ext uri="{BB962C8B-B14F-4D97-AF65-F5344CB8AC3E}">
+        <p14:creationId xmlns:p14="http://schemas.microsoft.com/office/powerpoint/2010/main" val="1596952472"/>
+      </p:ext>
+    </p:extLst>
+  </p:cSld>
+  <p:clrMapOvr>
+    <a:masterClrMapping/>
+  </p:clrMapOvr>
+  <p:timing>
+    <p:tnLst>
+      <p:par>
+        <p:cTn id="1" dur="indefinite" restart="never" nodeType="tmRoot"/>
+      </p:par>
+    </p:tnLst>
+  </p:timing>
+</p:sld>
+</file>
+
+<file path=ppt/slides/slide24.xml><?xml version="1.0" encoding="utf-8"?>
+<p:sld xmlns:a="http://schemas.openxmlformats.org/drawingml/2006/main" xmlns:r="http://schemas.openxmlformats.org/officeDocument/2006/relationships" xmlns:p="http://schemas.openxmlformats.org/presentationml/2006/main">
+  <p:cSld>
+    <p:spTree>
+      <p:nvGrpSpPr>
+        <p:cNvPr id="1" name=""/>
+        <p:cNvGrpSpPr/>
+        <p:nvPr/>
+      </p:nvGrpSpPr>
+      <p:grpSpPr>
+        <a:xfrm>
+          <a:off x="0" y="0"/>
+          <a:ext cx="0" cy="0"/>
+          <a:chOff x="0" y="0"/>
+          <a:chExt cx="0" cy="0"/>
+        </a:xfrm>
+      </p:grpSpPr>
+      <p:sp>
+        <p:nvSpPr>
+          <p:cNvPr id="2" name="Заголовок 1"/>
+          <p:cNvSpPr>
+            <a:spLocks noGrp="1"/>
+          </p:cNvSpPr>
+          <p:nvPr>
+            <p:ph type="title"/>
+          </p:nvPr>
+        </p:nvSpPr>
+        <p:spPr/>
+        <p:txBody>
+          <a:bodyPr/>
+          <a:lstStyle/>
+          <a:p>
+            <a:r>
+              <a:rPr lang="en-US" dirty="0" smtClean="0"/>
+              <a:t>Rust data types</a:t>
+            </a:r>
+            <a:endParaRPr lang="ru-RU" dirty="0"/>
+          </a:p>
+        </p:txBody>
+      </p:sp>
+      <p:pic>
+        <p:nvPicPr>
+          <p:cNvPr id="4" name="Объект 3"/>
+          <p:cNvPicPr>
+            <a:picLocks noGrp="1" noChangeAspect="1"/>
+          </p:cNvPicPr>
+          <p:nvPr>
+            <p:ph idx="1"/>
+          </p:nvPr>
+        </p:nvPicPr>
+        <p:blipFill>
+          <a:blip r:embed="rId2">
+            <a:extLst>
+              <a:ext uri="{28A0092B-C50C-407E-A947-70E740481C1C}">
+                <a14:useLocalDpi xmlns:a14="http://schemas.microsoft.com/office/drawing/2010/main" val="0"/>
+              </a:ext>
+            </a:extLst>
+          </a:blip>
+          <a:stretch>
+            <a:fillRect/>
+          </a:stretch>
+        </p:blipFill>
+        <p:spPr>
+          <a:xfrm>
+            <a:off x="2756005" y="2037971"/>
+            <a:ext cx="6679989" cy="4486395"/>
+          </a:xfrm>
+        </p:spPr>
+      </p:pic>
+    </p:spTree>
+    <p:extLst>
+      <p:ext uri="{BB962C8B-B14F-4D97-AF65-F5344CB8AC3E}">
+        <p14:creationId xmlns:p14="http://schemas.microsoft.com/office/powerpoint/2010/main" val="1756915204"/>
+      </p:ext>
+    </p:extLst>
+  </p:cSld>
+  <p:clrMapOvr>
+    <a:masterClrMapping/>
+  </p:clrMapOvr>
+  <p:timing>
+    <p:tnLst>
+      <p:par>
+        <p:cTn id="1" dur="indefinite" restart="never" nodeType="tmRoot"/>
+      </p:par>
+    </p:tnLst>
+  </p:timing>
+</p:sld>
+</file>
+
+<file path=ppt/slides/slide25.xml><?xml version="1.0" encoding="utf-8"?>
+<p:sld xmlns:a="http://schemas.openxmlformats.org/drawingml/2006/main" xmlns:r="http://schemas.openxmlformats.org/officeDocument/2006/relationships" xmlns:p="http://schemas.openxmlformats.org/presentationml/2006/main">
+  <p:cSld>
+    <p:spTree>
+      <p:nvGrpSpPr>
+        <p:cNvPr id="1" name=""/>
+        <p:cNvGrpSpPr/>
+        <p:nvPr/>
+      </p:nvGrpSpPr>
+      <p:grpSpPr>
+        <a:xfrm>
+          <a:off x="0" y="0"/>
+          <a:ext cx="0" cy="0"/>
+          <a:chOff x="0" y="0"/>
+          <a:chExt cx="0" cy="0"/>
+        </a:xfrm>
+      </p:grpSpPr>
+      <p:sp>
+        <p:nvSpPr>
+          <p:cNvPr id="2" name="Title 1"/>
+          <p:cNvSpPr>
+            <a:spLocks noGrp="1"/>
+          </p:cNvSpPr>
+          <p:nvPr>
+            <p:ph type="title"/>
+          </p:nvPr>
+        </p:nvSpPr>
+        <p:spPr/>
+        <p:txBody>
+          <a:bodyPr/>
+          <a:lstStyle/>
+          <a:p>
+            <a:r>
+              <a:rPr lang="en-US" b="1" dirty="0"/>
+              <a:t>Variables and </a:t>
+            </a:r>
+            <a:r>
+              <a:rPr lang="en-US" b="1" dirty="0" smtClean="0"/>
+              <a:t>Mutability</a:t>
+            </a:r>
+            <a:r>
+              <a:rPr lang="en-US" b="1" dirty="0" smtClean="0"/>
+              <a:t>, </a:t>
+            </a:r>
+            <a:r>
+              <a:rPr lang="ru-RU" b="1" dirty="0" smtClean="0"/>
+              <a:t>связывание имен</a:t>
+            </a:r>
+            <a:endParaRPr lang="en-US" dirty="0"/>
+          </a:p>
+        </p:txBody>
+      </p:sp>
+      <p:sp>
+        <p:nvSpPr>
+          <p:cNvPr id="3" name="Content Placeholder 2"/>
+          <p:cNvSpPr>
+            <a:spLocks noGrp="1"/>
+          </p:cNvSpPr>
+          <p:nvPr>
+            <p:ph sz="half" idx="1"/>
+          </p:nvPr>
+        </p:nvSpPr>
+        <p:spPr/>
+        <p:txBody>
+          <a:bodyPr>
+            <a:normAutofit lnSpcReduction="10000"/>
+          </a:bodyPr>
+          <a:lstStyle/>
+          <a:p>
+            <a:pPr marL="0" indent="0">
+              <a:buNone/>
+            </a:pPr>
+            <a:r>
+              <a:rPr lang="en-US" sz="2000" dirty="0">
+                <a:latin typeface="Consolas" panose="020B0609020204030204" pitchFamily="49" charset="0"/>
+              </a:rPr>
+              <a:t>let x: i32 = 5;</a:t>
+            </a:r>
+          </a:p>
+          <a:p>
+            <a:pPr marL="0" indent="0">
+              <a:buNone/>
+            </a:pPr>
+            <a:r>
+              <a:rPr lang="en-US" sz="2000" dirty="0">
+                <a:latin typeface="Consolas" panose="020B0609020204030204" pitchFamily="49" charset="0"/>
+              </a:rPr>
+              <a:t>let </a:t>
+            </a:r>
+            <a:r>
+              <a:rPr lang="en-US" sz="2000" dirty="0" smtClean="0">
+                <a:latin typeface="Consolas" panose="020B0609020204030204" pitchFamily="49" charset="0"/>
+              </a:rPr>
+              <a:t>x = 5f64;</a:t>
+            </a:r>
+          </a:p>
+          <a:p>
+            <a:pPr marL="0" indent="0">
+              <a:buNone/>
+            </a:pPr>
+            <a:endParaRPr lang="en-US" sz="2000" dirty="0">
+              <a:latin typeface="Consolas" panose="020B0609020204030204" pitchFamily="49" charset="0"/>
+            </a:endParaRPr>
+          </a:p>
+          <a:p>
+            <a:pPr marL="0" indent="0">
+              <a:buNone/>
+            </a:pPr>
+            <a:r>
+              <a:rPr lang="nn-NO" sz="2000" dirty="0" smtClean="0">
+                <a:latin typeface="Consolas" panose="020B0609020204030204" pitchFamily="49" charset="0"/>
+              </a:rPr>
+              <a:t>let </a:t>
+            </a:r>
+            <a:r>
+              <a:rPr lang="nn-NO" sz="2000" dirty="0">
+                <a:latin typeface="Consolas" panose="020B0609020204030204" pitchFamily="49" charset="0"/>
+              </a:rPr>
+              <a:t>mut x = 5</a:t>
+            </a:r>
+            <a:r>
+              <a:rPr lang="nn-NO" sz="2000" dirty="0" smtClean="0">
+                <a:latin typeface="Consolas" panose="020B0609020204030204" pitchFamily="49" charset="0"/>
+              </a:rPr>
+              <a:t>;  // </a:t>
+            </a:r>
+            <a:r>
+              <a:rPr lang="nn-NO" sz="2000" dirty="0">
+                <a:latin typeface="Consolas" panose="020B0609020204030204" pitchFamily="49" charset="0"/>
+              </a:rPr>
+              <a:t>mut x: i32 </a:t>
+            </a:r>
+          </a:p>
+          <a:p>
+            <a:pPr marL="0" indent="0">
+              <a:buNone/>
+            </a:pPr>
+            <a:r>
+              <a:rPr lang="nn-NO" sz="2000" dirty="0">
+                <a:latin typeface="Consolas" panose="020B0609020204030204" pitchFamily="49" charset="0"/>
+              </a:rPr>
+              <a:t>x = 10</a:t>
+            </a:r>
+            <a:r>
+              <a:rPr lang="nn-NO" sz="2000" dirty="0" smtClean="0">
+                <a:latin typeface="Consolas" panose="020B0609020204030204" pitchFamily="49" charset="0"/>
+              </a:rPr>
+              <a:t>;</a:t>
+            </a:r>
+          </a:p>
+          <a:p>
+            <a:pPr marL="0" indent="0">
+              <a:buNone/>
+            </a:pPr>
+            <a:endParaRPr lang="nn-NO" sz="2000" dirty="0">
+              <a:latin typeface="Consolas" panose="020B0609020204030204" pitchFamily="49" charset="0"/>
+            </a:endParaRPr>
+          </a:p>
+          <a:p>
+            <a:pPr marL="0" indent="0">
+              <a:buNone/>
+            </a:pPr>
+            <a:r>
+              <a:rPr lang="nn-NO" sz="2000" dirty="0" smtClean="0">
+                <a:latin typeface="Consolas" panose="020B0609020204030204" pitchFamily="49" charset="0"/>
+              </a:rPr>
+              <a:t>let a = 1;</a:t>
+            </a:r>
+          </a:p>
+          <a:p>
+            <a:pPr marL="0" indent="0">
+              <a:buNone/>
+            </a:pPr>
+            <a:r>
+              <a:rPr lang="nn-NO" sz="2000" dirty="0" smtClean="0">
+                <a:latin typeface="Consolas" panose="020B0609020204030204" pitchFamily="49" charset="0"/>
+              </a:rPr>
+              <a:t>let mut a = a;</a:t>
+            </a:r>
+          </a:p>
+          <a:p>
+            <a:pPr marL="0" indent="0">
+              <a:buNone/>
+            </a:pPr>
+            <a:r>
+              <a:rPr lang="nn-NO" sz="2000" dirty="0" smtClean="0">
+                <a:latin typeface="Consolas" panose="020B0609020204030204" pitchFamily="49" charset="0"/>
+              </a:rPr>
+              <a:t>a = 2;</a:t>
+            </a:r>
+          </a:p>
+          <a:p>
+            <a:pPr marL="0" indent="0">
+              <a:buNone/>
+            </a:pPr>
+            <a:r>
+              <a:rPr lang="nn-NO" sz="2000" dirty="0">
+                <a:latin typeface="Consolas" panose="020B0609020204030204" pitchFamily="49" charset="0"/>
+              </a:rPr>
+              <a:t>l</a:t>
+            </a:r>
+            <a:r>
+              <a:rPr lang="nn-NO" sz="2000" dirty="0" smtClean="0">
+                <a:latin typeface="Consolas" panose="020B0609020204030204" pitchFamily="49" charset="0"/>
+              </a:rPr>
+              <a:t>et a = a;</a:t>
+            </a:r>
+          </a:p>
+          <a:p>
+            <a:pPr marL="0" indent="0">
+              <a:buNone/>
+            </a:pPr>
+            <a:r>
+              <a:rPr lang="nn-NO" sz="2000" dirty="0" smtClean="0">
+                <a:latin typeface="Consolas" panose="020B0609020204030204" pitchFamily="49" charset="0"/>
+              </a:rPr>
+              <a:t>let a = </a:t>
+            </a:r>
+            <a:r>
+              <a:rPr lang="en-US" sz="2000" dirty="0">
+                <a:latin typeface="Consolas" panose="020B0609020204030204" pitchFamily="49" charset="0"/>
+              </a:rPr>
+              <a:t>"</a:t>
+            </a:r>
+            <a:r>
+              <a:rPr lang="nn-NO" sz="2000" dirty="0" smtClean="0">
+                <a:latin typeface="Consolas" panose="020B0609020204030204" pitchFamily="49" charset="0"/>
+              </a:rPr>
+              <a:t>test string</a:t>
+            </a:r>
+            <a:r>
+              <a:rPr lang="en-US" sz="2000" dirty="0">
+                <a:latin typeface="Consolas" panose="020B0609020204030204" pitchFamily="49" charset="0"/>
+              </a:rPr>
+              <a:t>"</a:t>
+            </a:r>
+            <a:r>
+              <a:rPr lang="nn-NO" sz="2000" dirty="0" smtClean="0">
+                <a:latin typeface="Consolas" panose="020B0609020204030204" pitchFamily="49" charset="0"/>
+              </a:rPr>
+              <a:t>;</a:t>
+            </a:r>
+            <a:endParaRPr lang="nn-NO" sz="2000" dirty="0">
+              <a:latin typeface="Consolas" panose="020B0609020204030204" pitchFamily="49" charset="0"/>
+            </a:endParaRPr>
+          </a:p>
+          <a:p>
+            <a:pPr marL="0" indent="0">
+              <a:buNone/>
+            </a:pPr>
+            <a:endParaRPr lang="en-US" sz="2000" dirty="0" smtClean="0">
+              <a:latin typeface="Consolas" panose="020B0609020204030204" pitchFamily="49" charset="0"/>
+            </a:endParaRPr>
+          </a:p>
+          <a:p>
+            <a:pPr marL="0" indent="0">
+              <a:buNone/>
+            </a:pPr>
+            <a:endParaRPr lang="en-US" sz="2000" dirty="0">
+              <a:latin typeface="Consolas" panose="020B0609020204030204" pitchFamily="49" charset="0"/>
+            </a:endParaRPr>
+          </a:p>
+        </p:txBody>
+      </p:sp>
+      <p:sp>
+        <p:nvSpPr>
+          <p:cNvPr id="4" name="Объект 3"/>
+          <p:cNvSpPr>
+            <a:spLocks noGrp="1"/>
+          </p:cNvSpPr>
+          <p:nvPr>
+            <p:ph sz="half" idx="2"/>
+          </p:nvPr>
+        </p:nvSpPr>
+        <p:spPr>
+          <a:xfrm>
+            <a:off x="5671751" y="1825625"/>
+            <a:ext cx="5682049" cy="4351338"/>
+          </a:xfrm>
+        </p:spPr>
+        <p:txBody>
+          <a:bodyPr>
+            <a:normAutofit lnSpcReduction="10000"/>
+          </a:bodyPr>
+          <a:lstStyle/>
+          <a:p>
+            <a:pPr marL="0" indent="0">
+              <a:buNone/>
+            </a:pPr>
+            <a:r>
+              <a:rPr lang="en-US" sz="2000" dirty="0" smtClean="0">
+                <a:latin typeface="Consolas" panose="020B0609020204030204" pitchFamily="49" charset="0"/>
+              </a:rPr>
+              <a:t>let </a:t>
+            </a:r>
+            <a:r>
+              <a:rPr lang="en-US" sz="2000" dirty="0">
+                <a:latin typeface="Consolas" panose="020B0609020204030204" pitchFamily="49" charset="0"/>
+              </a:rPr>
+              <a:t>x: i32 = 8</a:t>
+            </a:r>
+            <a:r>
+              <a:rPr lang="en-US" sz="2000" dirty="0" smtClean="0">
+                <a:latin typeface="Consolas" panose="020B0609020204030204" pitchFamily="49" charset="0"/>
+              </a:rPr>
+              <a:t>;</a:t>
+            </a:r>
+          </a:p>
+          <a:p>
+            <a:pPr marL="0" indent="0">
+              <a:buNone/>
+            </a:pPr>
+            <a:r>
+              <a:rPr lang="en-US" sz="2000" dirty="0" smtClean="0">
+                <a:latin typeface="Consolas" panose="020B0609020204030204" pitchFamily="49" charset="0"/>
+              </a:rPr>
+              <a:t>{ </a:t>
+            </a:r>
+          </a:p>
+          <a:p>
+            <a:pPr marL="0" indent="0">
+              <a:buNone/>
+            </a:pPr>
+            <a:r>
+              <a:rPr lang="en-US" sz="2000" dirty="0" smtClean="0">
+                <a:latin typeface="Consolas" panose="020B0609020204030204" pitchFamily="49" charset="0"/>
+              </a:rPr>
+              <a:t>  </a:t>
+            </a:r>
+            <a:r>
+              <a:rPr lang="en-US" sz="2000" dirty="0" err="1" smtClean="0">
+                <a:latin typeface="Consolas" panose="020B0609020204030204" pitchFamily="49" charset="0"/>
+              </a:rPr>
+              <a:t>println</a:t>
+            </a:r>
+            <a:r>
+              <a:rPr lang="en-US" sz="2000" dirty="0">
+                <a:latin typeface="Consolas" panose="020B0609020204030204" pitchFamily="49" charset="0"/>
+              </a:rPr>
+              <a:t>!("{}", x); // </a:t>
+            </a:r>
+            <a:r>
+              <a:rPr lang="ru-RU" sz="2000" dirty="0">
+                <a:latin typeface="Consolas" panose="020B0609020204030204" pitchFamily="49" charset="0"/>
+              </a:rPr>
+              <a:t>Выводит "8" </a:t>
+            </a:r>
+            <a:endParaRPr lang="en-US" sz="2000" dirty="0" smtClean="0">
+              <a:latin typeface="Consolas" panose="020B0609020204030204" pitchFamily="49" charset="0"/>
+            </a:endParaRPr>
+          </a:p>
+          <a:p>
+            <a:pPr marL="0" indent="0">
+              <a:buNone/>
+            </a:pPr>
+            <a:r>
+              <a:rPr lang="en-US" sz="2000" dirty="0" smtClean="0">
+                <a:latin typeface="Consolas" panose="020B0609020204030204" pitchFamily="49" charset="0"/>
+              </a:rPr>
+              <a:t>  let </a:t>
+            </a:r>
+            <a:r>
+              <a:rPr lang="en-US" sz="2000" dirty="0">
+                <a:latin typeface="Consolas" panose="020B0609020204030204" pitchFamily="49" charset="0"/>
+              </a:rPr>
+              <a:t>x = 12; </a:t>
+            </a:r>
+            <a:endParaRPr lang="en-US" sz="2000" dirty="0" smtClean="0">
+              <a:latin typeface="Consolas" panose="020B0609020204030204" pitchFamily="49" charset="0"/>
+            </a:endParaRPr>
+          </a:p>
+          <a:p>
+            <a:pPr marL="0" indent="0">
+              <a:buNone/>
+            </a:pPr>
+            <a:r>
+              <a:rPr lang="en-US" sz="2000" dirty="0">
+                <a:latin typeface="Consolas" panose="020B0609020204030204" pitchFamily="49" charset="0"/>
+              </a:rPr>
+              <a:t> </a:t>
+            </a:r>
+            <a:r>
+              <a:rPr lang="en-US" sz="2000" dirty="0" smtClean="0">
+                <a:latin typeface="Consolas" panose="020B0609020204030204" pitchFamily="49" charset="0"/>
+              </a:rPr>
+              <a:t> </a:t>
+            </a:r>
+            <a:r>
+              <a:rPr lang="en-US" sz="2000" dirty="0" err="1" smtClean="0">
+                <a:latin typeface="Consolas" panose="020B0609020204030204" pitchFamily="49" charset="0"/>
+              </a:rPr>
+              <a:t>println</a:t>
+            </a:r>
+            <a:r>
+              <a:rPr lang="en-US" sz="2000" dirty="0">
+                <a:latin typeface="Consolas" panose="020B0609020204030204" pitchFamily="49" charset="0"/>
+              </a:rPr>
+              <a:t>!("{}", x); // </a:t>
+            </a:r>
+            <a:r>
+              <a:rPr lang="ru-RU" sz="2000" dirty="0">
+                <a:latin typeface="Consolas" panose="020B0609020204030204" pitchFamily="49" charset="0"/>
+              </a:rPr>
+              <a:t>Выводит "12" </a:t>
+            </a:r>
+            <a:endParaRPr lang="en-US" sz="2000" dirty="0" smtClean="0">
+              <a:latin typeface="Consolas" panose="020B0609020204030204" pitchFamily="49" charset="0"/>
+            </a:endParaRPr>
+          </a:p>
+          <a:p>
+            <a:pPr marL="0" indent="0">
+              <a:buNone/>
+            </a:pPr>
+            <a:r>
+              <a:rPr lang="ru-RU" sz="2000" dirty="0" smtClean="0">
+                <a:latin typeface="Consolas" panose="020B0609020204030204" pitchFamily="49" charset="0"/>
+              </a:rPr>
+              <a:t>} </a:t>
+            </a:r>
+            <a:endParaRPr lang="en-US" sz="2000" dirty="0" smtClean="0">
+              <a:latin typeface="Consolas" panose="020B0609020204030204" pitchFamily="49" charset="0"/>
+            </a:endParaRPr>
+          </a:p>
+          <a:p>
+            <a:pPr marL="0" indent="0">
+              <a:buNone/>
+            </a:pPr>
+            <a:r>
+              <a:rPr lang="en-US" sz="2000" dirty="0" err="1" smtClean="0">
+                <a:latin typeface="Consolas" panose="020B0609020204030204" pitchFamily="49" charset="0"/>
+              </a:rPr>
+              <a:t>println</a:t>
+            </a:r>
+            <a:r>
+              <a:rPr lang="en-US" sz="2000" dirty="0">
+                <a:latin typeface="Consolas" panose="020B0609020204030204" pitchFamily="49" charset="0"/>
+              </a:rPr>
+              <a:t>!("{}", x); // </a:t>
+            </a:r>
+            <a:r>
+              <a:rPr lang="ru-RU" sz="2000" dirty="0">
+                <a:latin typeface="Consolas" panose="020B0609020204030204" pitchFamily="49" charset="0"/>
+              </a:rPr>
+              <a:t>Выводит "</a:t>
+            </a:r>
+            <a:r>
+              <a:rPr lang="ru-RU" sz="2000" dirty="0" smtClean="0">
+                <a:latin typeface="Consolas" panose="020B0609020204030204" pitchFamily="49" charset="0"/>
+              </a:rPr>
+              <a:t>8“</a:t>
+            </a:r>
+            <a:endParaRPr lang="en-US" sz="2000" dirty="0" smtClean="0">
+              <a:latin typeface="Consolas" panose="020B0609020204030204" pitchFamily="49" charset="0"/>
+            </a:endParaRPr>
+          </a:p>
+          <a:p>
+            <a:pPr marL="0" indent="0">
+              <a:buNone/>
+            </a:pPr>
+            <a:r>
+              <a:rPr lang="en-US" sz="2000" dirty="0" smtClean="0">
+                <a:latin typeface="Consolas" panose="020B0609020204030204" pitchFamily="49" charset="0"/>
+              </a:rPr>
+              <a:t>let </a:t>
+            </a:r>
+            <a:r>
+              <a:rPr lang="en-US" sz="2000" dirty="0">
+                <a:latin typeface="Consolas" panose="020B0609020204030204" pitchFamily="49" charset="0"/>
+              </a:rPr>
+              <a:t>x = 42; </a:t>
+            </a:r>
+            <a:endParaRPr lang="en-US" sz="2000" dirty="0" smtClean="0">
+              <a:latin typeface="Consolas" panose="020B0609020204030204" pitchFamily="49" charset="0"/>
+            </a:endParaRPr>
+          </a:p>
+          <a:p>
+            <a:pPr marL="0" indent="0">
+              <a:buNone/>
+            </a:pPr>
+            <a:r>
+              <a:rPr lang="en-US" sz="2000" dirty="0" err="1" smtClean="0">
+                <a:latin typeface="Consolas" panose="020B0609020204030204" pitchFamily="49" charset="0"/>
+              </a:rPr>
+              <a:t>println</a:t>
+            </a:r>
+            <a:r>
+              <a:rPr lang="en-US" sz="2000" dirty="0">
+                <a:latin typeface="Consolas" panose="020B0609020204030204" pitchFamily="49" charset="0"/>
+              </a:rPr>
+              <a:t>!("{}", x); // </a:t>
+            </a:r>
+            <a:r>
+              <a:rPr lang="ru-RU" sz="2000" dirty="0">
+                <a:latin typeface="Consolas" panose="020B0609020204030204" pitchFamily="49" charset="0"/>
+              </a:rPr>
+              <a:t>Выводит "42"</a:t>
+            </a:r>
+            <a:endParaRPr lang="en-US" sz="2000" dirty="0">
+              <a:latin typeface="Consolas" panose="020B0609020204030204" pitchFamily="49" charset="0"/>
+            </a:endParaRPr>
+          </a:p>
+        </p:txBody>
+      </p:sp>
+    </p:spTree>
+    <p:extLst>
+      <p:ext uri="{BB962C8B-B14F-4D97-AF65-F5344CB8AC3E}">
+        <p14:creationId xmlns:p14="http://schemas.microsoft.com/office/powerpoint/2010/main" val="862257497"/>
+      </p:ext>
+    </p:extLst>
+  </p:cSld>
+  <p:clrMapOvr>
+    <a:masterClrMapping/>
+  </p:clrMapOvr>
+  <p:timing>
+    <p:tnLst>
+      <p:par>
+        <p:cTn id="1" dur="indefinite" restart="never" nodeType="tmRoot"/>
+      </p:par>
+    </p:tnLst>
+  </p:timing>
+</p:sld>
+</file>
+
+<file path=ppt/slides/slide26.xml><?xml version="1.0" encoding="utf-8"?>
+<p:sld xmlns:a="http://schemas.openxmlformats.org/drawingml/2006/main" xmlns:r="http://schemas.openxmlformats.org/officeDocument/2006/relationships" xmlns:p="http://schemas.openxmlformats.org/presentationml/2006/main">
+  <p:cSld>
+    <p:spTree>
+      <p:nvGrpSpPr>
+        <p:cNvPr id="1" name=""/>
+        <p:cNvGrpSpPr/>
+        <p:nvPr/>
+      </p:nvGrpSpPr>
+      <p:grpSpPr>
+        <a:xfrm>
+          <a:off x="0" y="0"/>
+          <a:ext cx="0" cy="0"/>
+          <a:chOff x="0" y="0"/>
+          <a:chExt cx="0" cy="0"/>
+        </a:xfrm>
+      </p:grpSpPr>
+      <p:sp>
+        <p:nvSpPr>
+          <p:cNvPr id="2" name="Title 1"/>
+          <p:cNvSpPr>
+            <a:spLocks noGrp="1"/>
+          </p:cNvSpPr>
+          <p:nvPr>
+            <p:ph type="title"/>
+          </p:nvPr>
+        </p:nvSpPr>
+        <p:spPr/>
+        <p:txBody>
+          <a:bodyPr/>
+          <a:lstStyle/>
+          <a:p>
+            <a:r>
+              <a:rPr lang="ru-RU" dirty="0" smtClean="0"/>
+              <a:t>Система </a:t>
+            </a:r>
+            <a:r>
+              <a:rPr lang="ru-RU" dirty="0"/>
+              <a:t>владения </a:t>
+            </a:r>
+            <a:r>
+              <a:rPr lang="ru-RU" dirty="0" smtClean="0"/>
+              <a:t>ресурсами</a:t>
+            </a:r>
+            <a:endParaRPr lang="en-US" dirty="0"/>
+          </a:p>
+        </p:txBody>
+      </p:sp>
+      <p:sp>
+        <p:nvSpPr>
+          <p:cNvPr id="3" name="Content Placeholder 2"/>
+          <p:cNvSpPr>
+            <a:spLocks noGrp="1"/>
+          </p:cNvSpPr>
+          <p:nvPr>
+            <p:ph idx="1"/>
+          </p:nvPr>
+        </p:nvSpPr>
+        <p:spPr/>
+        <p:txBody>
+          <a:bodyPr>
+            <a:normAutofit/>
+          </a:bodyPr>
+          <a:lstStyle/>
+          <a:p>
+            <a:pPr marL="514350" indent="-514350">
+              <a:buFont typeface="+mj-lt"/>
+              <a:buAutoNum type="arabicPeriod"/>
+            </a:pPr>
+            <a:r>
+              <a:rPr lang="ru-RU" dirty="0" smtClean="0"/>
+              <a:t>владение</a:t>
+            </a:r>
+            <a:endParaRPr lang="ru-RU" dirty="0"/>
+          </a:p>
+          <a:p>
+            <a:pPr marL="514350" indent="-514350">
+              <a:buFont typeface="+mj-lt"/>
+              <a:buAutoNum type="arabicPeriod"/>
+            </a:pPr>
+            <a:r>
+              <a:rPr lang="ru-RU" dirty="0"/>
+              <a:t>заимствование, </a:t>
+            </a:r>
+            <a:r>
+              <a:rPr lang="ru-RU" dirty="0" smtClean="0"/>
+              <a:t>ссылки</a:t>
+            </a:r>
+            <a:endParaRPr lang="ru-RU" dirty="0"/>
+          </a:p>
+          <a:p>
+            <a:pPr marL="514350" indent="-514350">
+              <a:buFont typeface="+mj-lt"/>
+              <a:buAutoNum type="arabicPeriod"/>
+            </a:pPr>
+            <a:r>
+              <a:rPr lang="ru-RU" dirty="0"/>
+              <a:t>время </a:t>
+            </a:r>
+            <a:r>
+              <a:rPr lang="ru-RU" dirty="0" smtClean="0"/>
+              <a:t>жизни</a:t>
+            </a:r>
+            <a:endParaRPr lang="ru-RU" dirty="0"/>
+          </a:p>
+          <a:p>
+            <a:endParaRPr lang="ru-RU" dirty="0" smtClean="0"/>
+          </a:p>
+          <a:p>
+            <a:r>
+              <a:rPr lang="ru-RU" dirty="0" smtClean="0"/>
+              <a:t>главная цель </a:t>
+            </a:r>
+            <a:r>
+              <a:rPr lang="en-US" dirty="0" smtClean="0"/>
+              <a:t>Rust</a:t>
+            </a:r>
+            <a:r>
+              <a:rPr lang="ru-RU" dirty="0"/>
+              <a:t> — безопасности </a:t>
+            </a:r>
+            <a:r>
+              <a:rPr lang="ru-RU" dirty="0" smtClean="0"/>
+              <a:t>памяти</a:t>
+            </a:r>
+            <a:r>
+              <a:rPr lang="en-US" dirty="0" smtClean="0"/>
+              <a:t>, </a:t>
+            </a:r>
+            <a:r>
+              <a:rPr lang="ru-RU" dirty="0" smtClean="0"/>
+              <a:t>почему? как?</a:t>
+            </a:r>
+            <a:endParaRPr lang="ru-RU" dirty="0"/>
+          </a:p>
+          <a:p>
+            <a:r>
+              <a:rPr lang="en-US" dirty="0"/>
+              <a:t>zero-cost </a:t>
+            </a:r>
+            <a:r>
+              <a:rPr lang="en-US" dirty="0" smtClean="0"/>
+              <a:t>abstractions</a:t>
+            </a:r>
+            <a:endParaRPr lang="ru-RU" dirty="0" smtClean="0"/>
+          </a:p>
+          <a:p>
+            <a:pPr marL="457200" lvl="1" indent="0">
+              <a:buNone/>
+            </a:pPr>
+            <a:r>
+              <a:rPr lang="ru-RU" dirty="0" smtClean="0"/>
+              <a:t>Весь анализ выполняется </a:t>
+            </a:r>
+            <a:r>
+              <a:rPr lang="ru-RU" dirty="0"/>
+              <a:t>во время </a:t>
+            </a:r>
+            <a:r>
+              <a:rPr lang="ru-RU" dirty="0" smtClean="0"/>
+              <a:t>компиляции</a:t>
+            </a:r>
+            <a:endParaRPr lang="en-US" dirty="0"/>
+          </a:p>
+          <a:p>
+            <a:pPr marL="0" indent="0">
+              <a:buNone/>
+            </a:pPr>
+            <a:r>
+              <a:rPr lang="en-US" dirty="0" smtClean="0"/>
+              <a:t>* GC</a:t>
+            </a:r>
+            <a:endParaRPr lang="ru-RU" dirty="0"/>
+          </a:p>
+        </p:txBody>
+      </p:sp>
+      <p:sp>
+        <p:nvSpPr>
+          <p:cNvPr id="4" name="TextBox 3"/>
+          <p:cNvSpPr txBox="1"/>
+          <p:nvPr/>
+        </p:nvSpPr>
+        <p:spPr>
+          <a:xfrm>
+            <a:off x="364067" y="6009649"/>
+            <a:ext cx="6206067" cy="861774"/>
+          </a:xfrm>
+          <a:prstGeom prst="rect">
+            <a:avLst/>
+          </a:prstGeom>
+          <a:noFill/>
+        </p:spPr>
+        <p:txBody>
+          <a:bodyPr wrap="square" rtlCol="0">
+            <a:spAutoFit/>
+          </a:bodyPr>
+          <a:lstStyle/>
+          <a:p>
+            <a:r>
+              <a:rPr lang="en-US" sz="1600" dirty="0" smtClean="0">
+                <a:hlinkClick r:id="rId2"/>
+              </a:rPr>
+              <a:t>https</a:t>
+            </a:r>
+            <a:r>
+              <a:rPr lang="en-US" sz="1600" dirty="0">
+                <a:hlinkClick r:id="rId2"/>
+              </a:rPr>
+              <a:t>://</a:t>
+            </a:r>
+            <a:r>
+              <a:rPr lang="en-US" sz="1600" dirty="0" smtClean="0">
+                <a:hlinkClick r:id="rId2"/>
+              </a:rPr>
+              <a:t>habrahabr.ru/post/322140/</a:t>
+            </a:r>
+            <a:r>
+              <a:rPr lang="en-US" sz="1600" dirty="0"/>
+              <a:t> </a:t>
+            </a:r>
+            <a:endParaRPr lang="en-US" sz="1600" dirty="0" smtClean="0"/>
+          </a:p>
+          <a:p>
+            <a:r>
+              <a:rPr lang="ru-RU" sz="1600" b="1" dirty="0"/>
+              <a:t>Графическое описание владения и заимствования в Rust </a:t>
+            </a:r>
+            <a:endParaRPr lang="en-US" sz="1600" dirty="0"/>
+          </a:p>
+          <a:p>
+            <a:endParaRPr lang="en-US" sz="1600" dirty="0"/>
+          </a:p>
+        </p:txBody>
+      </p:sp>
+      <p:sp>
+        <p:nvSpPr>
+          <p:cNvPr id="5" name="TextBox 4"/>
+          <p:cNvSpPr txBox="1"/>
+          <p:nvPr/>
+        </p:nvSpPr>
+        <p:spPr>
+          <a:xfrm>
+            <a:off x="6671733" y="6009649"/>
+            <a:ext cx="5293372" cy="584775"/>
+          </a:xfrm>
+          <a:prstGeom prst="rect">
+            <a:avLst/>
+          </a:prstGeom>
+          <a:noFill/>
+        </p:spPr>
+        <p:txBody>
+          <a:bodyPr wrap="none" rtlCol="0">
+            <a:spAutoFit/>
+          </a:bodyPr>
+          <a:lstStyle/>
+          <a:p>
+            <a:r>
+              <a:rPr lang="en-US" sz="1600" dirty="0">
+                <a:hlinkClick r:id="rId3"/>
+              </a:rPr>
+              <a:t>https://habrahabr.ru/post/278779/</a:t>
+            </a:r>
+            <a:endParaRPr lang="en-US" sz="1600" dirty="0"/>
+          </a:p>
+          <a:p>
+            <a:r>
+              <a:rPr lang="ru-RU" sz="1600" b="1" dirty="0"/>
+              <a:t>Почему владение/заимствование в Rust такое сложное? </a:t>
+            </a:r>
+            <a:endParaRPr lang="en-US" sz="1600" dirty="0"/>
+          </a:p>
+        </p:txBody>
+      </p:sp>
+    </p:spTree>
+    <p:extLst>
+      <p:ext uri="{BB962C8B-B14F-4D97-AF65-F5344CB8AC3E}">
+        <p14:creationId xmlns:p14="http://schemas.microsoft.com/office/powerpoint/2010/main" val="2599831245"/>
+      </p:ext>
+    </p:extLst>
+  </p:cSld>
+  <p:clrMapOvr>
+    <a:masterClrMapping/>
+  </p:clrMapOvr>
+  <p:timing>
+    <p:tnLst>
+      <p:par>
+        <p:cTn id="1" dur="indefinite" restart="never" nodeType="tmRoot"/>
+      </p:par>
+    </p:tnLst>
+  </p:timing>
+</p:sld>
+</file>
+
+<file path=ppt/slides/slide27.xml><?xml version="1.0" encoding="utf-8"?>
+<p:sld xmlns:a="http://schemas.openxmlformats.org/drawingml/2006/main" xmlns:r="http://schemas.openxmlformats.org/officeDocument/2006/relationships" xmlns:p="http://schemas.openxmlformats.org/presentationml/2006/main">
+  <p:cSld>
+    <p:spTree>
+      <p:nvGrpSpPr>
+        <p:cNvPr id="1" name=""/>
+        <p:cNvGrpSpPr/>
+        <p:nvPr/>
+      </p:nvGrpSpPr>
+      <p:grpSpPr>
+        <a:xfrm>
+          <a:off x="0" y="0"/>
+          <a:ext cx="0" cy="0"/>
+          <a:chOff x="0" y="0"/>
+          <a:chExt cx="0" cy="0"/>
+        </a:xfrm>
+      </p:grpSpPr>
+      <p:sp>
+        <p:nvSpPr>
+          <p:cNvPr id="2" name="Title 1"/>
+          <p:cNvSpPr>
+            <a:spLocks noGrp="1"/>
+          </p:cNvSpPr>
+          <p:nvPr>
+            <p:ph type="title"/>
+          </p:nvPr>
+        </p:nvSpPr>
+        <p:spPr/>
+        <p:txBody>
+          <a:bodyPr/>
+          <a:lstStyle/>
+          <a:p>
+            <a:r>
+              <a:rPr lang="ru-RU" dirty="0" smtClean="0"/>
+              <a:t>Владение</a:t>
+            </a:r>
+            <a:endParaRPr lang="en-US" dirty="0"/>
+          </a:p>
+        </p:txBody>
+      </p:sp>
+      <p:sp>
+        <p:nvSpPr>
+          <p:cNvPr id="3" name="Content Placeholder 2"/>
+          <p:cNvSpPr>
+            <a:spLocks noGrp="1"/>
+          </p:cNvSpPr>
+          <p:nvPr>
+            <p:ph idx="1"/>
+          </p:nvPr>
+        </p:nvSpPr>
+        <p:spPr/>
+        <p:txBody>
+          <a:bodyPr>
+            <a:normAutofit/>
+          </a:bodyPr>
+          <a:lstStyle/>
+          <a:p>
+            <a:r>
+              <a:rPr lang="ru-RU" dirty="0" smtClean="0"/>
+              <a:t>Связывание – владение</a:t>
+            </a:r>
+          </a:p>
+          <a:p>
+            <a:pPr marL="457200" lvl="1" indent="0">
+              <a:buNone/>
+            </a:pPr>
+            <a:r>
+              <a:rPr lang="ru-RU" dirty="0" smtClean="0"/>
+              <a:t>Только один владелец</a:t>
+            </a:r>
+          </a:p>
+          <a:p>
+            <a:pPr marL="457200" lvl="1" indent="0">
+              <a:buNone/>
+            </a:pPr>
+            <a:r>
+              <a:rPr lang="ru-RU" dirty="0" smtClean="0"/>
+              <a:t>Освобождение ресурсов</a:t>
+            </a:r>
+          </a:p>
+          <a:p>
+            <a:pPr marL="457200" lvl="1" indent="0">
+              <a:buNone/>
+            </a:pPr>
+            <a:endParaRPr lang="ru-RU" dirty="0" smtClean="0"/>
+          </a:p>
+          <a:p>
+            <a:r>
+              <a:rPr lang="ru-RU" dirty="0" smtClean="0"/>
+              <a:t>Перемешение</a:t>
+            </a:r>
+            <a:endParaRPr lang="en-US" dirty="0" smtClean="0"/>
+          </a:p>
+          <a:p>
+            <a:pPr marL="0" indent="0">
+              <a:buNone/>
+            </a:pPr>
+            <a:r>
+              <a:rPr lang="en-US" sz="1800" dirty="0" smtClean="0"/>
+              <a:t>         </a:t>
+            </a:r>
+            <a:r>
+              <a:rPr lang="ru-RU" sz="1800" dirty="0" smtClean="0"/>
+              <a:t>Rust </a:t>
+            </a:r>
+            <a:r>
+              <a:rPr lang="ru-RU" sz="1800" dirty="0"/>
+              <a:t>гарантирует, что существует </a:t>
+            </a:r>
+            <a:r>
+              <a:rPr lang="ru-RU" sz="1800" i="1" u="sng" dirty="0"/>
+              <a:t>ровно одно</a:t>
+            </a:r>
+            <a:r>
+              <a:rPr lang="ru-RU" sz="1800" u="sng" dirty="0"/>
+              <a:t> </a:t>
+            </a:r>
+            <a:endParaRPr lang="en-US" sz="1800" u="sng" dirty="0" smtClean="0"/>
+          </a:p>
+          <a:p>
+            <a:pPr marL="457200" lvl="1" indent="0">
+              <a:buNone/>
+            </a:pPr>
+            <a:r>
+              <a:rPr lang="ru-RU" sz="1800" dirty="0" smtClean="0"/>
+              <a:t>связывание </a:t>
+            </a:r>
+            <a:r>
+              <a:rPr lang="ru-RU" sz="1800" dirty="0"/>
+              <a:t>какого-либо </a:t>
+            </a:r>
+            <a:r>
+              <a:rPr lang="ru-RU" sz="1800" dirty="0" smtClean="0"/>
+              <a:t>ресурса</a:t>
+            </a:r>
+            <a:endParaRPr lang="en-US" sz="1800" dirty="0" smtClean="0"/>
+          </a:p>
+          <a:p>
+            <a:pPr marL="457200" lvl="1" indent="0">
+              <a:buNone/>
+            </a:pPr>
+            <a:endParaRPr lang="en-US" sz="3600" dirty="0"/>
+          </a:p>
+          <a:p>
+            <a:r>
+              <a:rPr lang="en-US" dirty="0"/>
+              <a:t>Trait Copy</a:t>
+            </a:r>
+            <a:endParaRPr lang="ru-RU" dirty="0"/>
+          </a:p>
+          <a:p>
+            <a:pPr marL="457200" lvl="1" indent="0">
+              <a:buNone/>
+            </a:pPr>
+            <a:endParaRPr lang="en-US" sz="3200" dirty="0"/>
+          </a:p>
+        </p:txBody>
+      </p:sp>
+      <p:pic>
+        <p:nvPicPr>
+          <p:cNvPr id="4" name="Picture 3"/>
+          <p:cNvPicPr>
+            <a:picLocks noChangeAspect="1"/>
+          </p:cNvPicPr>
+          <p:nvPr/>
+        </p:nvPicPr>
+        <p:blipFill>
+          <a:blip r:embed="rId2">
+            <a:extLst>
+              <a:ext uri="{28A0092B-C50C-407E-A947-70E740481C1C}">
+                <a14:useLocalDpi xmlns:a14="http://schemas.microsoft.com/office/drawing/2010/main" val="0"/>
+              </a:ext>
+            </a:extLst>
+          </a:blip>
+          <a:stretch>
+            <a:fillRect/>
+          </a:stretch>
+        </p:blipFill>
+        <p:spPr>
+          <a:xfrm>
+            <a:off x="6666275" y="1564680"/>
+            <a:ext cx="3369548" cy="1334342"/>
+          </a:xfrm>
+          <a:prstGeom prst="rect">
+            <a:avLst/>
+          </a:prstGeom>
+        </p:spPr>
+      </p:pic>
+      <p:pic>
+        <p:nvPicPr>
+          <p:cNvPr id="5" name="Picture 4"/>
+          <p:cNvPicPr>
+            <a:picLocks noChangeAspect="1"/>
+          </p:cNvPicPr>
+          <p:nvPr/>
+        </p:nvPicPr>
+        <p:blipFill>
+          <a:blip r:embed="rId3">
+            <a:extLst>
+              <a:ext uri="{28A0092B-C50C-407E-A947-70E740481C1C}">
+                <a14:useLocalDpi xmlns:a14="http://schemas.microsoft.com/office/drawing/2010/main" val="0"/>
+              </a:ext>
+            </a:extLst>
+          </a:blip>
+          <a:stretch>
+            <a:fillRect/>
+          </a:stretch>
+        </p:blipFill>
+        <p:spPr>
+          <a:xfrm>
+            <a:off x="6666275" y="3159967"/>
+            <a:ext cx="2892059" cy="1258468"/>
+          </a:xfrm>
+          <a:prstGeom prst="rect">
+            <a:avLst/>
+          </a:prstGeom>
+        </p:spPr>
+      </p:pic>
+      <p:pic>
+        <p:nvPicPr>
+          <p:cNvPr id="6" name="Picture 5"/>
+          <p:cNvPicPr>
+            <a:picLocks noChangeAspect="1"/>
+          </p:cNvPicPr>
+          <p:nvPr/>
+        </p:nvPicPr>
+        <p:blipFill>
+          <a:blip r:embed="rId4">
+            <a:extLst>
+              <a:ext uri="{28A0092B-C50C-407E-A947-70E740481C1C}">
+                <a14:useLocalDpi xmlns:a14="http://schemas.microsoft.com/office/drawing/2010/main" val="0"/>
+              </a:ext>
+            </a:extLst>
+          </a:blip>
+          <a:stretch>
+            <a:fillRect/>
+          </a:stretch>
+        </p:blipFill>
+        <p:spPr>
+          <a:xfrm>
+            <a:off x="6666275" y="4713642"/>
+            <a:ext cx="2476846" cy="1724266"/>
+          </a:xfrm>
+          <a:prstGeom prst="rect">
+            <a:avLst/>
+          </a:prstGeom>
+        </p:spPr>
+      </p:pic>
+    </p:spTree>
+    <p:extLst>
+      <p:ext uri="{BB962C8B-B14F-4D97-AF65-F5344CB8AC3E}">
+        <p14:creationId xmlns:p14="http://schemas.microsoft.com/office/powerpoint/2010/main" val="2993764097"/>
+      </p:ext>
+    </p:extLst>
+  </p:cSld>
+  <p:clrMapOvr>
+    <a:masterClrMapping/>
+  </p:clrMapOvr>
+  <p:timing>
+    <p:tnLst>
+      <p:par>
+        <p:cTn id="1" dur="indefinite" restart="never" nodeType="tmRoot"/>
+      </p:par>
+    </p:tnLst>
+  </p:timing>
+</p:sld>
+</file>
+
+<file path=ppt/slides/slide28.xml><?xml version="1.0" encoding="utf-8"?>
+<p:sld xmlns:a="http://schemas.openxmlformats.org/drawingml/2006/main" xmlns:r="http://schemas.openxmlformats.org/officeDocument/2006/relationships" xmlns:p="http://schemas.openxmlformats.org/presentationml/2006/main">
+  <p:cSld>
+    <p:spTree>
+      <p:nvGrpSpPr>
+        <p:cNvPr id="1" name=""/>
+        <p:cNvGrpSpPr/>
+        <p:nvPr/>
+      </p:nvGrpSpPr>
+      <p:grpSpPr>
+        <a:xfrm>
+          <a:off x="0" y="0"/>
+          <a:ext cx="0" cy="0"/>
+          <a:chOff x="0" y="0"/>
+          <a:chExt cx="0" cy="0"/>
+        </a:xfrm>
+      </p:grpSpPr>
+      <p:sp>
+        <p:nvSpPr>
+          <p:cNvPr id="2" name="Title 1"/>
+          <p:cNvSpPr>
+            <a:spLocks noGrp="1"/>
+          </p:cNvSpPr>
+          <p:nvPr>
+            <p:ph type="title"/>
+          </p:nvPr>
+        </p:nvSpPr>
+        <p:spPr/>
+        <p:txBody>
+          <a:bodyPr/>
+          <a:lstStyle/>
+          <a:p>
+            <a:r>
+              <a:rPr lang="ru-RU" dirty="0" smtClean="0"/>
+              <a:t>Владение</a:t>
+            </a:r>
+            <a:endParaRPr lang="en-US" dirty="0"/>
+          </a:p>
+        </p:txBody>
+      </p:sp>
+      <p:pic>
+        <p:nvPicPr>
+          <p:cNvPr id="6" name="Content Placeholder 5"/>
+          <p:cNvPicPr>
+            <a:picLocks noGrp="1" noChangeAspect="1"/>
+          </p:cNvPicPr>
+          <p:nvPr>
+            <p:ph idx="1"/>
+          </p:nvPr>
+        </p:nvPicPr>
+        <p:blipFill>
+          <a:blip r:embed="rId2">
+            <a:extLst>
+              <a:ext uri="{28A0092B-C50C-407E-A947-70E740481C1C}">
+                <a14:useLocalDpi xmlns:a14="http://schemas.microsoft.com/office/drawing/2010/main" val="0"/>
+              </a:ext>
+            </a:extLst>
+          </a:blip>
+          <a:stretch>
+            <a:fillRect/>
+          </a:stretch>
+        </p:blipFill>
+        <p:spPr>
+          <a:xfrm>
+            <a:off x="3518170" y="1570237"/>
+            <a:ext cx="5153683" cy="2813975"/>
+          </a:xfrm>
+        </p:spPr>
+      </p:pic>
+      <p:pic>
+        <p:nvPicPr>
+          <p:cNvPr id="7" name="Picture 6"/>
+          <p:cNvPicPr>
+            <a:picLocks noChangeAspect="1"/>
+          </p:cNvPicPr>
+          <p:nvPr/>
+        </p:nvPicPr>
+        <p:blipFill>
+          <a:blip r:embed="rId3">
+            <a:extLst>
+              <a:ext uri="{28A0092B-C50C-407E-A947-70E740481C1C}">
+                <a14:useLocalDpi xmlns:a14="http://schemas.microsoft.com/office/drawing/2010/main" val="0"/>
+              </a:ext>
+            </a:extLst>
+          </a:blip>
+          <a:stretch>
+            <a:fillRect/>
+          </a:stretch>
+        </p:blipFill>
+        <p:spPr>
+          <a:xfrm>
+            <a:off x="3813667" y="4864746"/>
+            <a:ext cx="4562687" cy="1449155"/>
+          </a:xfrm>
+          <a:prstGeom prst="rect">
+            <a:avLst/>
+          </a:prstGeom>
+        </p:spPr>
+      </p:pic>
+    </p:spTree>
+    <p:extLst>
+      <p:ext uri="{BB962C8B-B14F-4D97-AF65-F5344CB8AC3E}">
+        <p14:creationId xmlns:p14="http://schemas.microsoft.com/office/powerpoint/2010/main" val="2993270196"/>
+      </p:ext>
+    </p:extLst>
+  </p:cSld>
+  <p:clrMapOvr>
+    <a:masterClrMapping/>
+  </p:clrMapOvr>
+  <p:timing>
+    <p:tnLst>
+      <p:par>
+        <p:cTn id="1" dur="indefinite" restart="never" nodeType="tmRoot"/>
+      </p:par>
+    </p:tnLst>
+  </p:timing>
+</p:sld>
+</file>
+
+<file path=ppt/slides/slide29.xml><?xml version="1.0" encoding="utf-8"?>
+<p:sld xmlns:a="http://schemas.openxmlformats.org/drawingml/2006/main" xmlns:r="http://schemas.openxmlformats.org/officeDocument/2006/relationships" xmlns:p="http://schemas.openxmlformats.org/presentationml/2006/main">
+  <p:cSld>
+    <p:spTree>
+      <p:nvGrpSpPr>
+        <p:cNvPr id="1" name=""/>
+        <p:cNvGrpSpPr/>
+        <p:nvPr/>
+      </p:nvGrpSpPr>
+      <p:grpSpPr>
+        <a:xfrm>
+          <a:off x="0" y="0"/>
+          <a:ext cx="0" cy="0"/>
+          <a:chOff x="0" y="0"/>
+          <a:chExt cx="0" cy="0"/>
+        </a:xfrm>
+      </p:grpSpPr>
+      <p:sp>
+        <p:nvSpPr>
+          <p:cNvPr id="2" name="Title 1"/>
+          <p:cNvSpPr>
+            <a:spLocks noGrp="1"/>
+          </p:cNvSpPr>
+          <p:nvPr>
+            <p:ph type="title"/>
+          </p:nvPr>
+        </p:nvSpPr>
+        <p:spPr/>
+        <p:txBody>
+          <a:bodyPr/>
+          <a:lstStyle/>
+          <a:p>
+            <a:r>
+              <a:rPr lang="ru-RU" dirty="0" smtClean="0"/>
+              <a:t>Ссылки и заимствование</a:t>
+            </a:r>
+            <a:endParaRPr lang="en-US" dirty="0"/>
+          </a:p>
+        </p:txBody>
+      </p:sp>
+      <p:pic>
+        <p:nvPicPr>
+          <p:cNvPr id="4" name="Content Placeholder 3"/>
+          <p:cNvPicPr>
+            <a:picLocks noGrp="1" noChangeAspect="1"/>
+          </p:cNvPicPr>
+          <p:nvPr>
+            <p:ph idx="1"/>
+          </p:nvPr>
+        </p:nvPicPr>
+        <p:blipFill>
+          <a:blip r:embed="rId2">
+            <a:extLst>
+              <a:ext uri="{28A0092B-C50C-407E-A947-70E740481C1C}">
+                <a14:useLocalDpi xmlns:a14="http://schemas.microsoft.com/office/drawing/2010/main" val="0"/>
+              </a:ext>
+            </a:extLst>
+          </a:blip>
+          <a:stretch>
+            <a:fillRect/>
+          </a:stretch>
+        </p:blipFill>
+        <p:spPr>
+          <a:xfrm>
+            <a:off x="1055613" y="1888244"/>
+            <a:ext cx="10080773" cy="4969756"/>
+          </a:xfrm>
+        </p:spPr>
+      </p:pic>
+    </p:spTree>
+    <p:extLst>
+      <p:ext uri="{BB962C8B-B14F-4D97-AF65-F5344CB8AC3E}">
+        <p14:creationId xmlns:p14="http://schemas.microsoft.com/office/powerpoint/2010/main" val="3057943205"/>
+      </p:ext>
+    </p:extLst>
+  </p:cSld>
+  <p:clrMapOvr>
+    <a:masterClrMapping/>
+  </p:clrMapOvr>
+  <p:timing>
+    <p:tnLst>
+      <p:par>
+        <p:cTn id="1" dur="indefinite" restart="never" nodeType="tmRoot"/>
+      </p:par>
+    </p:tnLst>
+  </p:timing>
+</p:sld>
+</file>
+
+<file path=ppt/slides/slide3.xml><?xml version="1.0" encoding="utf-8"?>
+<p:sld xmlns:a="http://schemas.openxmlformats.org/drawingml/2006/main" xmlns:r="http://schemas.openxmlformats.org/officeDocument/2006/relationships" xmlns:p="http://schemas.openxmlformats.org/presentationml/2006/main">
+  <p:cSld>
+    <p:spTree>
+      <p:nvGrpSpPr>
+        <p:cNvPr id="1" name=""/>
+        <p:cNvGrpSpPr/>
+        <p:nvPr/>
+      </p:nvGrpSpPr>
+      <p:grpSpPr>
+        <a:xfrm>
+          <a:off x="0" y="0"/>
+          <a:ext cx="0" cy="0"/>
+          <a:chOff x="0" y="0"/>
+          <a:chExt cx="0" cy="0"/>
+        </a:xfrm>
+      </p:grpSpPr>
+      <p:sp>
+        <p:nvSpPr>
+          <p:cNvPr id="4" name="Заголовок 3"/>
+          <p:cNvSpPr>
+            <a:spLocks noGrp="1"/>
+          </p:cNvSpPr>
+          <p:nvPr>
+            <p:ph type="ctrTitle"/>
+          </p:nvPr>
+        </p:nvSpPr>
+        <p:spPr/>
+        <p:txBody>
+          <a:bodyPr/>
+          <a:lstStyle/>
+          <a:p>
+            <a:r>
+              <a:rPr lang="en-US" dirty="0"/>
+              <a:t> #</a:t>
+            </a:r>
+            <a:r>
+              <a:rPr lang="en-US" dirty="0" err="1"/>
+              <a:t>notforenterprisedevelopers</a:t>
+            </a:r>
+            <a:endParaRPr lang="ru-RU" dirty="0"/>
+          </a:p>
+        </p:txBody>
+      </p:sp>
+      <p:sp>
+        <p:nvSpPr>
+          <p:cNvPr id="5" name="Подзаголовок 4"/>
+          <p:cNvSpPr>
+            <a:spLocks noGrp="1"/>
+          </p:cNvSpPr>
+          <p:nvPr>
+            <p:ph type="subTitle" idx="1"/>
+          </p:nvPr>
+        </p:nvSpPr>
+        <p:spPr/>
+        <p:txBody>
+          <a:bodyPr/>
+          <a:lstStyle/>
+          <a:p>
+            <a:endParaRPr lang="ru-RU"/>
+          </a:p>
+        </p:txBody>
+      </p:sp>
+    </p:spTree>
+    <p:extLst>
+      <p:ext uri="{BB962C8B-B14F-4D97-AF65-F5344CB8AC3E}">
+        <p14:creationId xmlns:p14="http://schemas.microsoft.com/office/powerpoint/2010/main" val="1586050571"/>
+      </p:ext>
+    </p:extLst>
+  </p:cSld>
+  <p:clrMapOvr>
+    <a:masterClrMapping/>
+  </p:clrMapOvr>
+  <p:timing>
+    <p:tnLst>
+      <p:par>
+        <p:cTn id="1" dur="indefinite" restart="never" nodeType="tmRoot"/>
+      </p:par>
+    </p:tnLst>
+  </p:timing>
+</p:sld>
+</file>
+
+<file path=ppt/slides/slide30.xml><?xml version="1.0" encoding="utf-8"?>
+<p:sld xmlns:a="http://schemas.openxmlformats.org/drawingml/2006/main" xmlns:r="http://schemas.openxmlformats.org/officeDocument/2006/relationships" xmlns:p="http://schemas.openxmlformats.org/presentationml/2006/main">
+  <p:cSld>
+    <p:spTree>
+      <p:nvGrpSpPr>
+        <p:cNvPr id="1" name=""/>
+        <p:cNvGrpSpPr/>
+        <p:nvPr/>
+      </p:nvGrpSpPr>
+      <p:grpSpPr>
+        <a:xfrm>
+          <a:off x="0" y="0"/>
+          <a:ext cx="0" cy="0"/>
+          <a:chOff x="0" y="0"/>
+          <a:chExt cx="0" cy="0"/>
+        </a:xfrm>
+      </p:grpSpPr>
+      <p:sp>
+        <p:nvSpPr>
+          <p:cNvPr id="2" name="Title 1"/>
+          <p:cNvSpPr>
+            <a:spLocks noGrp="1"/>
+          </p:cNvSpPr>
+          <p:nvPr>
+            <p:ph type="title"/>
+          </p:nvPr>
+        </p:nvSpPr>
+        <p:spPr/>
+        <p:txBody>
+          <a:bodyPr/>
+          <a:lstStyle/>
+          <a:p>
+            <a:r>
+              <a:rPr lang="ru-RU" dirty="0" smtClean="0"/>
+              <a:t>Ссылки и заимствование</a:t>
+            </a:r>
+            <a:endParaRPr lang="en-US" dirty="0"/>
+          </a:p>
+        </p:txBody>
+      </p:sp>
+      <p:pic>
+        <p:nvPicPr>
+          <p:cNvPr id="5" name="Content Placeholder 4"/>
+          <p:cNvPicPr>
+            <a:picLocks noGrp="1" noChangeAspect="1"/>
+          </p:cNvPicPr>
+          <p:nvPr>
+            <p:ph idx="1"/>
+          </p:nvPr>
+        </p:nvPicPr>
+        <p:blipFill>
+          <a:blip r:embed="rId2">
+            <a:extLst>
+              <a:ext uri="{28A0092B-C50C-407E-A947-70E740481C1C}">
+                <a14:useLocalDpi xmlns:a14="http://schemas.microsoft.com/office/drawing/2010/main" val="0"/>
+              </a:ext>
+            </a:extLst>
+          </a:blip>
+          <a:stretch>
+            <a:fillRect/>
+          </a:stretch>
+        </p:blipFill>
+        <p:spPr>
+          <a:xfrm>
+            <a:off x="3799675" y="1853306"/>
+            <a:ext cx="4592650" cy="4592650"/>
+          </a:xfrm>
+        </p:spPr>
+      </p:pic>
+    </p:spTree>
+    <p:extLst>
+      <p:ext uri="{BB962C8B-B14F-4D97-AF65-F5344CB8AC3E}">
+        <p14:creationId xmlns:p14="http://schemas.microsoft.com/office/powerpoint/2010/main" val="983808450"/>
+      </p:ext>
+    </p:extLst>
+  </p:cSld>
+  <p:clrMapOvr>
+    <a:masterClrMapping/>
+  </p:clrMapOvr>
+  <p:timing>
+    <p:tnLst>
+      <p:par>
+        <p:cTn id="1" dur="indefinite" restart="never" nodeType="tmRoot"/>
+      </p:par>
+    </p:tnLst>
+  </p:timing>
+</p:sld>
+</file>
+
+<file path=ppt/slides/slide31.xml><?xml version="1.0" encoding="utf-8"?>
+<p:sld xmlns:a="http://schemas.openxmlformats.org/drawingml/2006/main" xmlns:r="http://schemas.openxmlformats.org/officeDocument/2006/relationships" xmlns:p="http://schemas.openxmlformats.org/presentationml/2006/main">
+  <p:cSld>
+    <p:spTree>
+      <p:nvGrpSpPr>
+        <p:cNvPr id="1" name=""/>
+        <p:cNvGrpSpPr/>
+        <p:nvPr/>
+      </p:nvGrpSpPr>
+      <p:grpSpPr>
+        <a:xfrm>
+          <a:off x="0" y="0"/>
+          <a:ext cx="0" cy="0"/>
+          <a:chOff x="0" y="0"/>
+          <a:chExt cx="0" cy="0"/>
+        </a:xfrm>
+      </p:grpSpPr>
+      <p:sp>
+        <p:nvSpPr>
+          <p:cNvPr id="2" name="Title 1"/>
+          <p:cNvSpPr>
+            <a:spLocks noGrp="1"/>
+          </p:cNvSpPr>
+          <p:nvPr>
+            <p:ph type="title"/>
+          </p:nvPr>
+        </p:nvSpPr>
+        <p:spPr/>
+        <p:txBody>
+          <a:bodyPr/>
+          <a:lstStyle/>
+          <a:p>
+            <a:r>
+              <a:rPr lang="ru-RU" dirty="0" smtClean="0"/>
+              <a:t>Ссылки и заимствование</a:t>
+            </a:r>
+            <a:endParaRPr lang="en-US" dirty="0"/>
+          </a:p>
+        </p:txBody>
+      </p:sp>
+      <p:pic>
+        <p:nvPicPr>
+          <p:cNvPr id="4" name="Content Placeholder 3"/>
+          <p:cNvPicPr>
+            <a:picLocks noGrp="1" noChangeAspect="1"/>
+          </p:cNvPicPr>
+          <p:nvPr>
+            <p:ph idx="1"/>
+          </p:nvPr>
+        </p:nvPicPr>
+        <p:blipFill>
+          <a:blip r:embed="rId2">
+            <a:extLst>
+              <a:ext uri="{28A0092B-C50C-407E-A947-70E740481C1C}">
+                <a14:useLocalDpi xmlns:a14="http://schemas.microsoft.com/office/drawing/2010/main" val="0"/>
+              </a:ext>
+            </a:extLst>
+          </a:blip>
+          <a:stretch>
+            <a:fillRect/>
+          </a:stretch>
+        </p:blipFill>
+        <p:spPr>
+          <a:xfrm>
+            <a:off x="3389813" y="1900214"/>
+            <a:ext cx="5412373" cy="4669920"/>
+          </a:xfrm>
+        </p:spPr>
+      </p:pic>
+    </p:spTree>
+    <p:extLst>
+      <p:ext uri="{BB962C8B-B14F-4D97-AF65-F5344CB8AC3E}">
+        <p14:creationId xmlns:p14="http://schemas.microsoft.com/office/powerpoint/2010/main" val="668006553"/>
+      </p:ext>
+    </p:extLst>
+  </p:cSld>
+  <p:clrMapOvr>
+    <a:masterClrMapping/>
+  </p:clrMapOvr>
+  <p:timing>
+    <p:tnLst>
+      <p:par>
+        <p:cTn id="1" dur="indefinite" restart="never" nodeType="tmRoot"/>
+      </p:par>
+    </p:tnLst>
+  </p:timing>
+</p:sld>
+</file>
+
+<file path=ppt/slides/slide32.xml><?xml version="1.0" encoding="utf-8"?>
+<p:sld xmlns:a="http://schemas.openxmlformats.org/drawingml/2006/main" xmlns:r="http://schemas.openxmlformats.org/officeDocument/2006/relationships" xmlns:p="http://schemas.openxmlformats.org/presentationml/2006/main">
+  <p:cSld>
+    <p:spTree>
+      <p:nvGrpSpPr>
+        <p:cNvPr id="1" name=""/>
+        <p:cNvGrpSpPr/>
+        <p:nvPr/>
+      </p:nvGrpSpPr>
+      <p:grpSpPr>
+        <a:xfrm>
+          <a:off x="0" y="0"/>
+          <a:ext cx="0" cy="0"/>
+          <a:chOff x="0" y="0"/>
+          <a:chExt cx="0" cy="0"/>
+        </a:xfrm>
+      </p:grpSpPr>
+      <p:sp>
+        <p:nvSpPr>
+          <p:cNvPr id="2" name="Title 1"/>
+          <p:cNvSpPr>
+            <a:spLocks noGrp="1"/>
+          </p:cNvSpPr>
+          <p:nvPr>
+            <p:ph type="title"/>
+          </p:nvPr>
+        </p:nvSpPr>
+        <p:spPr/>
+        <p:txBody>
+          <a:bodyPr/>
+          <a:lstStyle/>
+          <a:p>
+            <a:r>
+              <a:rPr lang="ru-RU" dirty="0" smtClean="0"/>
+              <a:t>Ссылки и заимствование</a:t>
+            </a:r>
+            <a:endParaRPr lang="en-US" dirty="0"/>
+          </a:p>
+        </p:txBody>
+      </p:sp>
+      <p:sp>
+        <p:nvSpPr>
+          <p:cNvPr id="3" name="Content Placeholder 2"/>
+          <p:cNvSpPr>
+            <a:spLocks noGrp="1"/>
+          </p:cNvSpPr>
+          <p:nvPr>
+            <p:ph idx="1"/>
+          </p:nvPr>
+        </p:nvSpPr>
+        <p:spPr/>
+        <p:txBody>
+          <a:bodyPr>
+            <a:normAutofit/>
+          </a:bodyPr>
+          <a:lstStyle/>
+          <a:p>
+            <a:pPr marL="0" indent="0">
+              <a:buNone/>
+            </a:pPr>
+            <a:r>
+              <a:rPr lang="en-US" sz="2000" dirty="0" smtClean="0">
+                <a:latin typeface="Consolas" panose="020B0609020204030204" pitchFamily="49" charset="0"/>
+              </a:rPr>
+              <a:t>let x: </a:t>
+            </a:r>
+            <a:r>
+              <a:rPr lang="en-US" sz="2000" dirty="0" err="1" smtClean="0">
+                <a:latin typeface="Consolas" panose="020B0609020204030204" pitchFamily="49" charset="0"/>
+              </a:rPr>
+              <a:t>Vec</a:t>
+            </a:r>
+            <a:r>
+              <a:rPr lang="en-US" sz="2000" dirty="0" smtClean="0">
+                <a:latin typeface="Consolas" panose="020B0609020204030204" pitchFamily="49" charset="0"/>
+              </a:rPr>
+              <a:t>&lt;i32&gt; = </a:t>
+            </a:r>
+            <a:r>
+              <a:rPr lang="en-US" sz="2000" dirty="0" err="1" smtClean="0">
+                <a:latin typeface="Consolas" panose="020B0609020204030204" pitchFamily="49" charset="0"/>
+              </a:rPr>
+              <a:t>vec</a:t>
+            </a:r>
+            <a:r>
+              <a:rPr lang="en-US" sz="2000" dirty="0" smtClean="0">
+                <a:latin typeface="Consolas" panose="020B0609020204030204" pitchFamily="49" charset="0"/>
+              </a:rPr>
+              <a:t>![1,2,3];</a:t>
+            </a:r>
+          </a:p>
+          <a:p>
+            <a:pPr marL="0" indent="0">
+              <a:buNone/>
+            </a:pPr>
+            <a:endParaRPr lang="en-US" sz="2000" dirty="0">
+              <a:latin typeface="Consolas" panose="020B0609020204030204" pitchFamily="49" charset="0"/>
+            </a:endParaRPr>
+          </a:p>
+          <a:p>
+            <a:pPr marL="0" indent="0">
+              <a:buNone/>
+            </a:pPr>
+            <a:r>
+              <a:rPr lang="en-US" sz="2000" dirty="0" smtClean="0">
+                <a:latin typeface="Consolas" panose="020B0609020204030204" pitchFamily="49" charset="0"/>
+              </a:rPr>
+              <a:t>let y: &amp;</a:t>
+            </a:r>
+            <a:r>
+              <a:rPr lang="en-US" sz="2000" dirty="0" err="1" smtClean="0">
+                <a:latin typeface="Consolas" panose="020B0609020204030204" pitchFamily="49" charset="0"/>
+              </a:rPr>
+              <a:t>Vec</a:t>
+            </a:r>
+            <a:r>
+              <a:rPr lang="en-US" sz="2000" dirty="0" smtClean="0">
+                <a:latin typeface="Consolas" panose="020B0609020204030204" pitchFamily="49" charset="0"/>
+              </a:rPr>
+              <a:t>&lt;i32&gt; = &amp;x;</a:t>
+            </a:r>
+            <a:endParaRPr lang="ru-RU" sz="2000" dirty="0" smtClean="0">
+              <a:latin typeface="Consolas" panose="020B0609020204030204" pitchFamily="49" charset="0"/>
+            </a:endParaRPr>
+          </a:p>
+          <a:p>
+            <a:pPr marL="0" indent="0">
+              <a:buNone/>
+            </a:pPr>
+            <a:endParaRPr lang="ru-RU" sz="2000" dirty="0">
+              <a:latin typeface="Consolas" panose="020B0609020204030204" pitchFamily="49" charset="0"/>
+            </a:endParaRPr>
+          </a:p>
+          <a:p>
+            <a:pPr marL="0" indent="0">
+              <a:buNone/>
+            </a:pPr>
+            <a:r>
+              <a:rPr lang="en-US" sz="2000" dirty="0" err="1" smtClean="0">
+                <a:latin typeface="Consolas" panose="020B0609020204030204" pitchFamily="49" charset="0"/>
+              </a:rPr>
+              <a:t>println</a:t>
+            </a:r>
+            <a:r>
+              <a:rPr lang="en-US" sz="2000" dirty="0" smtClean="0">
+                <a:latin typeface="Consolas" panose="020B0609020204030204" pitchFamily="49" charset="0"/>
+              </a:rPr>
+              <a:t>!(“y[1] = {}”, y[1]);</a:t>
+            </a:r>
+          </a:p>
+          <a:p>
+            <a:pPr marL="0" indent="0">
+              <a:buNone/>
+            </a:pPr>
+            <a:endParaRPr lang="en-US" sz="2000" dirty="0">
+              <a:latin typeface="Consolas" panose="020B0609020204030204" pitchFamily="49" charset="0"/>
+            </a:endParaRPr>
+          </a:p>
+          <a:p>
+            <a:r>
+              <a:rPr lang="en-US" sz="2000" dirty="0" smtClean="0">
+                <a:latin typeface="Consolas" panose="020B0609020204030204" pitchFamily="49" charset="0"/>
+              </a:rPr>
+              <a:t>&amp; - </a:t>
+            </a:r>
+            <a:r>
+              <a:rPr lang="ru-RU" sz="2000" dirty="0" smtClean="0">
+                <a:latin typeface="Consolas" panose="020B0609020204030204" pitchFamily="49" charset="0"/>
+              </a:rPr>
+              <a:t>всегда заимствование</a:t>
+            </a:r>
+            <a:endParaRPr lang="en-US" sz="2000" dirty="0" smtClean="0">
+              <a:latin typeface="Consolas" panose="020B0609020204030204" pitchFamily="49" charset="0"/>
+            </a:endParaRPr>
+          </a:p>
+          <a:p>
+            <a:r>
+              <a:rPr lang="ru-RU" sz="2000" dirty="0" smtClean="0">
+                <a:latin typeface="Consolas" panose="020B0609020204030204" pitchFamily="49" charset="0"/>
+              </a:rPr>
+              <a:t>Это неизменяемое заимствование</a:t>
+            </a:r>
+            <a:endParaRPr lang="en-US" sz="2000" dirty="0">
+              <a:latin typeface="Consolas" panose="020B0609020204030204" pitchFamily="49" charset="0"/>
+            </a:endParaRPr>
+          </a:p>
+        </p:txBody>
+      </p:sp>
+    </p:spTree>
+    <p:extLst>
+      <p:ext uri="{BB962C8B-B14F-4D97-AF65-F5344CB8AC3E}">
+        <p14:creationId xmlns:p14="http://schemas.microsoft.com/office/powerpoint/2010/main" val="3011052052"/>
+      </p:ext>
+    </p:extLst>
+  </p:cSld>
+  <p:clrMapOvr>
+    <a:masterClrMapping/>
+  </p:clrMapOvr>
+  <p:timing>
+    <p:tnLst>
+      <p:par>
+        <p:cTn id="1" dur="indefinite" restart="never" nodeType="tmRoot"/>
+      </p:par>
+    </p:tnLst>
+  </p:timing>
+</p:sld>
+</file>
+
+<file path=ppt/slides/slide33.xml><?xml version="1.0" encoding="utf-8"?>
+<p:sld xmlns:a="http://schemas.openxmlformats.org/drawingml/2006/main" xmlns:r="http://schemas.openxmlformats.org/officeDocument/2006/relationships" xmlns:p="http://schemas.openxmlformats.org/presentationml/2006/main">
+  <p:cSld>
+    <p:spTree>
+      <p:nvGrpSpPr>
+        <p:cNvPr id="1" name=""/>
+        <p:cNvGrpSpPr/>
+        <p:nvPr/>
+      </p:nvGrpSpPr>
+      <p:grpSpPr>
+        <a:xfrm>
+          <a:off x="0" y="0"/>
+          <a:ext cx="0" cy="0"/>
+          <a:chOff x="0" y="0"/>
+          <a:chExt cx="0" cy="0"/>
+        </a:xfrm>
+      </p:grpSpPr>
+      <p:sp>
+        <p:nvSpPr>
+          <p:cNvPr id="2" name="Title 1"/>
+          <p:cNvSpPr>
+            <a:spLocks noGrp="1"/>
+          </p:cNvSpPr>
+          <p:nvPr>
+            <p:ph type="title"/>
+          </p:nvPr>
+        </p:nvSpPr>
+        <p:spPr/>
+        <p:txBody>
+          <a:bodyPr/>
+          <a:lstStyle/>
+          <a:p>
+            <a:r>
+              <a:rPr lang="ru-RU" dirty="0" smtClean="0"/>
+              <a:t>Ссылки и заимствование</a:t>
+            </a:r>
+            <a:endParaRPr lang="en-US" dirty="0"/>
+          </a:p>
+        </p:txBody>
+      </p:sp>
+      <p:sp>
+        <p:nvSpPr>
+          <p:cNvPr id="3" name="Content Placeholder 2"/>
+          <p:cNvSpPr>
+            <a:spLocks noGrp="1"/>
+          </p:cNvSpPr>
+          <p:nvPr>
+            <p:ph idx="1"/>
+          </p:nvPr>
+        </p:nvSpPr>
+        <p:spPr/>
+        <p:txBody>
+          <a:bodyPr>
+            <a:normAutofit/>
+          </a:bodyPr>
+          <a:lstStyle/>
+          <a:p>
+            <a:pPr marL="0" indent="0">
+              <a:buNone/>
+            </a:pPr>
+            <a:r>
+              <a:rPr lang="en-US" sz="2000" dirty="0">
+                <a:latin typeface="Consolas" panose="020B0609020204030204" pitchFamily="49" charset="0"/>
+              </a:rPr>
+              <a:t>let </a:t>
+            </a:r>
+            <a:r>
+              <a:rPr lang="en-US" sz="2000" dirty="0" err="1">
+                <a:solidFill>
+                  <a:srgbClr val="FF0000"/>
+                </a:solidFill>
+                <a:latin typeface="Consolas" panose="020B0609020204030204" pitchFamily="49" charset="0"/>
+              </a:rPr>
+              <a:t>mut</a:t>
+            </a:r>
+            <a:r>
+              <a:rPr lang="en-US" sz="2000" dirty="0">
+                <a:latin typeface="Consolas" panose="020B0609020204030204" pitchFamily="49" charset="0"/>
+              </a:rPr>
+              <a:t> x: </a:t>
+            </a:r>
+            <a:r>
+              <a:rPr lang="en-US" sz="2000" dirty="0" err="1">
+                <a:latin typeface="Consolas" panose="020B0609020204030204" pitchFamily="49" charset="0"/>
+              </a:rPr>
+              <a:t>Vec</a:t>
+            </a:r>
+            <a:r>
+              <a:rPr lang="en-US" sz="2000" dirty="0">
+                <a:latin typeface="Consolas" panose="020B0609020204030204" pitchFamily="49" charset="0"/>
+              </a:rPr>
+              <a:t>&lt;i32&gt; = </a:t>
+            </a:r>
+            <a:r>
+              <a:rPr lang="en-US" sz="2000" dirty="0" err="1">
+                <a:latin typeface="Consolas" panose="020B0609020204030204" pitchFamily="49" charset="0"/>
+              </a:rPr>
+              <a:t>vec</a:t>
+            </a:r>
+            <a:r>
+              <a:rPr lang="en-US" sz="2000" dirty="0">
+                <a:latin typeface="Consolas" panose="020B0609020204030204" pitchFamily="49" charset="0"/>
+              </a:rPr>
+              <a:t>![1,2,3];</a:t>
+            </a:r>
+          </a:p>
+          <a:p>
+            <a:pPr marL="0" indent="0">
+              <a:buNone/>
+            </a:pPr>
+            <a:endParaRPr lang="en-US" sz="2000" dirty="0">
+              <a:latin typeface="Consolas" panose="020B0609020204030204" pitchFamily="49" charset="0"/>
+            </a:endParaRPr>
+          </a:p>
+          <a:p>
+            <a:pPr marL="0" indent="0">
+              <a:buNone/>
+            </a:pPr>
+            <a:r>
+              <a:rPr lang="en-US" sz="2000" dirty="0" smtClean="0">
+                <a:latin typeface="Consolas" panose="020B0609020204030204" pitchFamily="49" charset="0"/>
+              </a:rPr>
+              <a:t>let </a:t>
+            </a:r>
+            <a:r>
+              <a:rPr lang="en-US" sz="2000" dirty="0">
+                <a:latin typeface="Consolas" panose="020B0609020204030204" pitchFamily="49" charset="0"/>
+              </a:rPr>
+              <a:t>y: &amp;</a:t>
+            </a:r>
+            <a:r>
+              <a:rPr lang="en-US" sz="2000" dirty="0" err="1">
+                <a:solidFill>
+                  <a:srgbClr val="FF0000"/>
+                </a:solidFill>
+                <a:latin typeface="Consolas" panose="020B0609020204030204" pitchFamily="49" charset="0"/>
+              </a:rPr>
+              <a:t>mut</a:t>
+            </a:r>
+            <a:r>
+              <a:rPr lang="en-US" sz="2000" dirty="0">
+                <a:latin typeface="Consolas" panose="020B0609020204030204" pitchFamily="49" charset="0"/>
+              </a:rPr>
+              <a:t> </a:t>
+            </a:r>
+            <a:r>
+              <a:rPr lang="en-US" sz="2000" dirty="0" err="1">
+                <a:latin typeface="Consolas" panose="020B0609020204030204" pitchFamily="49" charset="0"/>
+              </a:rPr>
+              <a:t>Vec</a:t>
+            </a:r>
+            <a:r>
+              <a:rPr lang="en-US" sz="2000" dirty="0">
+                <a:latin typeface="Consolas" panose="020B0609020204030204" pitchFamily="49" charset="0"/>
+              </a:rPr>
+              <a:t>&lt;i32&gt; = &amp;</a:t>
+            </a:r>
+            <a:r>
+              <a:rPr lang="en-US" sz="2000" dirty="0" err="1">
+                <a:solidFill>
+                  <a:srgbClr val="FF0000"/>
+                </a:solidFill>
+                <a:latin typeface="Consolas" panose="020B0609020204030204" pitchFamily="49" charset="0"/>
+              </a:rPr>
+              <a:t>mut</a:t>
+            </a:r>
+            <a:r>
+              <a:rPr lang="en-US" sz="2000" dirty="0">
+                <a:latin typeface="Consolas" panose="020B0609020204030204" pitchFamily="49" charset="0"/>
+              </a:rPr>
+              <a:t> x;</a:t>
+            </a:r>
+          </a:p>
+          <a:p>
+            <a:pPr marL="0" indent="0">
+              <a:buNone/>
+            </a:pPr>
+            <a:endParaRPr lang="en-US" sz="2000" dirty="0">
+              <a:latin typeface="Consolas" panose="020B0609020204030204" pitchFamily="49" charset="0"/>
+            </a:endParaRPr>
+          </a:p>
+          <a:p>
+            <a:pPr marL="0" indent="0">
+              <a:buNone/>
+            </a:pPr>
+            <a:r>
+              <a:rPr lang="en-US" sz="2000" dirty="0" smtClean="0">
+                <a:solidFill>
+                  <a:schemeClr val="accent6"/>
+                </a:solidFill>
+                <a:latin typeface="Consolas" panose="020B0609020204030204" pitchFamily="49" charset="0"/>
+              </a:rPr>
+              <a:t>y[1</a:t>
+            </a:r>
+            <a:r>
+              <a:rPr lang="en-US" sz="2000" dirty="0">
+                <a:solidFill>
+                  <a:schemeClr val="accent6"/>
+                </a:solidFill>
+                <a:latin typeface="Consolas" panose="020B0609020204030204" pitchFamily="49" charset="0"/>
+              </a:rPr>
+              <a:t>] = 7;</a:t>
+            </a:r>
+          </a:p>
+          <a:p>
+            <a:pPr marL="0" indent="0">
+              <a:buNone/>
+            </a:pPr>
+            <a:endParaRPr lang="en-US" sz="2000" dirty="0">
+              <a:latin typeface="Consolas" panose="020B0609020204030204" pitchFamily="49" charset="0"/>
+            </a:endParaRPr>
+          </a:p>
+          <a:p>
+            <a:pPr marL="0" indent="0">
+              <a:buNone/>
+            </a:pPr>
+            <a:r>
+              <a:rPr lang="en-US" sz="2000" dirty="0" err="1" smtClean="0">
+                <a:latin typeface="Consolas" panose="020B0609020204030204" pitchFamily="49" charset="0"/>
+              </a:rPr>
+              <a:t>println</a:t>
+            </a:r>
+            <a:r>
+              <a:rPr lang="en-US" sz="2000" dirty="0">
+                <a:latin typeface="Consolas" panose="020B0609020204030204" pitchFamily="49" charset="0"/>
+              </a:rPr>
+              <a:t>!("y[1] = {}", y[1</a:t>
+            </a:r>
+            <a:r>
+              <a:rPr lang="en-US" sz="2000" dirty="0" smtClean="0">
+                <a:latin typeface="Consolas" panose="020B0609020204030204" pitchFamily="49" charset="0"/>
+              </a:rPr>
+              <a:t>]);</a:t>
+            </a:r>
+            <a:endParaRPr lang="en-US" sz="2000" dirty="0">
+              <a:latin typeface="Consolas" panose="020B0609020204030204" pitchFamily="49" charset="0"/>
+            </a:endParaRPr>
+          </a:p>
+          <a:p>
+            <a:pPr marL="0" indent="0">
+              <a:buNone/>
+            </a:pPr>
+            <a:endParaRPr lang="en-US" sz="2000" dirty="0" smtClean="0">
+              <a:latin typeface="Consolas" panose="020B0609020204030204" pitchFamily="49" charset="0"/>
+            </a:endParaRPr>
+          </a:p>
+        </p:txBody>
+      </p:sp>
+    </p:spTree>
+    <p:extLst>
+      <p:ext uri="{BB962C8B-B14F-4D97-AF65-F5344CB8AC3E}">
+        <p14:creationId xmlns:p14="http://schemas.microsoft.com/office/powerpoint/2010/main" val="3516376534"/>
+      </p:ext>
+    </p:extLst>
+  </p:cSld>
+  <p:clrMapOvr>
+    <a:masterClrMapping/>
+  </p:clrMapOvr>
+  <p:timing>
+    <p:tnLst>
+      <p:par>
+        <p:cTn id="1" dur="indefinite" restart="never" nodeType="tmRoot"/>
+      </p:par>
+    </p:tnLst>
+  </p:timing>
+</p:sld>
+</file>
+
+<file path=ppt/slides/slide34.xml><?xml version="1.0" encoding="utf-8"?>
+<p:sld xmlns:a="http://schemas.openxmlformats.org/drawingml/2006/main" xmlns:r="http://schemas.openxmlformats.org/officeDocument/2006/relationships" xmlns:p="http://schemas.openxmlformats.org/presentationml/2006/main">
+  <p:cSld>
+    <p:spTree>
+      <p:nvGrpSpPr>
+        <p:cNvPr id="1" name=""/>
+        <p:cNvGrpSpPr/>
+        <p:nvPr/>
+      </p:nvGrpSpPr>
+      <p:grpSpPr>
+        <a:xfrm>
+          <a:off x="0" y="0"/>
+          <a:ext cx="0" cy="0"/>
+          <a:chOff x="0" y="0"/>
+          <a:chExt cx="0" cy="0"/>
+        </a:xfrm>
+      </p:grpSpPr>
+      <p:sp>
+        <p:nvSpPr>
+          <p:cNvPr id="2" name="Title 1"/>
+          <p:cNvSpPr>
+            <a:spLocks noGrp="1"/>
+          </p:cNvSpPr>
+          <p:nvPr>
+            <p:ph type="title"/>
+          </p:nvPr>
+        </p:nvSpPr>
+        <p:spPr/>
+        <p:txBody>
+          <a:bodyPr/>
+          <a:lstStyle/>
+          <a:p>
+            <a:r>
+              <a:rPr lang="ru-RU" dirty="0" smtClean="0"/>
+              <a:t>Ссылки и заимствование</a:t>
+            </a:r>
+            <a:endParaRPr lang="en-US" dirty="0"/>
+          </a:p>
+        </p:txBody>
+      </p:sp>
+      <p:sp>
+        <p:nvSpPr>
+          <p:cNvPr id="3" name="Content Placeholder 2"/>
+          <p:cNvSpPr>
+            <a:spLocks noGrp="1"/>
+          </p:cNvSpPr>
+          <p:nvPr>
+            <p:ph idx="1"/>
+          </p:nvPr>
+        </p:nvSpPr>
+        <p:spPr/>
+        <p:txBody>
+          <a:bodyPr>
+            <a:normAutofit/>
+          </a:bodyPr>
+          <a:lstStyle/>
+          <a:p>
+            <a:r>
+              <a:rPr lang="ru-RU" sz="2000" dirty="0" smtClean="0"/>
+              <a:t>область </a:t>
+            </a:r>
+            <a:r>
+              <a:rPr lang="ru-RU" sz="2000" dirty="0"/>
+              <a:t>видимости любой ссылки должна находиться в пределах области видимости </a:t>
+            </a:r>
+            <a:r>
+              <a:rPr lang="ru-RU" sz="2000" dirty="0" smtClean="0"/>
+              <a:t>владельца</a:t>
+            </a:r>
+          </a:p>
+          <a:p>
+            <a:endParaRPr lang="ru-RU" sz="2000" dirty="0" smtClean="0"/>
+          </a:p>
+          <a:p>
+            <a:r>
+              <a:rPr lang="ru-RU" sz="2000" dirty="0"/>
+              <a:t>одновременно у вас может быть только один из </a:t>
+            </a:r>
+            <a:r>
+              <a:rPr lang="ru-RU" sz="2000" dirty="0" smtClean="0"/>
+              <a:t>двух</a:t>
+            </a:r>
+          </a:p>
+          <a:p>
+            <a:pPr lvl="1"/>
+            <a:r>
+              <a:rPr lang="ru-RU" sz="1600" dirty="0">
+                <a:latin typeface="Consolas" panose="020B0609020204030204" pitchFamily="49" charset="0"/>
+              </a:rPr>
+              <a:t>одна или более неизменяемых ссылок (&amp;T) на ресурс</a:t>
+            </a:r>
+          </a:p>
+          <a:p>
+            <a:pPr lvl="1"/>
+            <a:r>
+              <a:rPr lang="ru-RU" sz="1600" dirty="0">
+                <a:latin typeface="Consolas" panose="020B0609020204030204" pitchFamily="49" charset="0"/>
+              </a:rPr>
+              <a:t>ровно одна изменяемая </a:t>
+            </a:r>
+            <a:r>
+              <a:rPr lang="ru-RU" sz="1600" dirty="0" smtClean="0">
+                <a:latin typeface="Consolas" panose="020B0609020204030204" pitchFamily="49" charset="0"/>
+              </a:rPr>
+              <a:t>ссылка </a:t>
+            </a:r>
+            <a:r>
+              <a:rPr lang="ru-RU" sz="1600" dirty="0">
+                <a:latin typeface="Consolas" panose="020B0609020204030204" pitchFamily="49" charset="0"/>
+              </a:rPr>
+              <a:t>(&amp;mut T) на </a:t>
+            </a:r>
+            <a:r>
+              <a:rPr lang="ru-RU" sz="1600" dirty="0" smtClean="0">
+                <a:latin typeface="Consolas" panose="020B0609020204030204" pitchFamily="49" charset="0"/>
+              </a:rPr>
+              <a:t>ресурс</a:t>
+            </a:r>
+          </a:p>
+          <a:p>
+            <a:pPr marL="457200" lvl="1" indent="0">
+              <a:buNone/>
+            </a:pPr>
+            <a:endParaRPr lang="ru-RU" sz="1600" dirty="0" smtClean="0">
+              <a:latin typeface="Consolas" panose="020B0609020204030204" pitchFamily="49" charset="0"/>
+            </a:endParaRPr>
+          </a:p>
+          <a:p>
+            <a:pPr marL="457200" lvl="1" indent="0">
+              <a:buNone/>
+            </a:pPr>
+            <a:endParaRPr lang="ru-RU" sz="1600" dirty="0" smtClean="0">
+              <a:latin typeface="Consolas" panose="020B0609020204030204" pitchFamily="49" charset="0"/>
+            </a:endParaRPr>
+          </a:p>
+          <a:p>
+            <a:pPr marL="457200" lvl="1" indent="0">
+              <a:buNone/>
+            </a:pPr>
+            <a:endParaRPr lang="ru-RU" sz="1600" dirty="0" smtClean="0">
+              <a:latin typeface="Consolas" panose="020B0609020204030204" pitchFamily="49" charset="0"/>
+            </a:endParaRPr>
+          </a:p>
+          <a:p>
+            <a:pPr marL="0" indent="0">
+              <a:buNone/>
+            </a:pPr>
+            <a:r>
+              <a:rPr lang="ru-RU" sz="1800" i="1" dirty="0"/>
+              <a:t>Состояние «гонки данных» возникает, когда два или более указателей осуществляют доступ к одной и той же области памяти одновременно, по крайней мере один из них производит запись, и операции не синхронизированы.</a:t>
+            </a:r>
+            <a:endParaRPr lang="ru-RU" sz="1800" i="1" dirty="0">
+              <a:latin typeface="Consolas" panose="020B0609020204030204" pitchFamily="49" charset="0"/>
+            </a:endParaRPr>
+          </a:p>
+        </p:txBody>
+      </p:sp>
+    </p:spTree>
+    <p:extLst>
+      <p:ext uri="{BB962C8B-B14F-4D97-AF65-F5344CB8AC3E}">
+        <p14:creationId xmlns:p14="http://schemas.microsoft.com/office/powerpoint/2010/main" val="3746143774"/>
+      </p:ext>
+    </p:extLst>
+  </p:cSld>
+  <p:clrMapOvr>
+    <a:masterClrMapping/>
+  </p:clrMapOvr>
+  <p:timing>
+    <p:tnLst>
+      <p:par>
+        <p:cTn id="1" dur="indefinite" restart="never" nodeType="tmRoot"/>
+      </p:par>
+    </p:tnLst>
+  </p:timing>
+</p:sld>
+</file>
+
+<file path=ppt/slides/slide35.xml><?xml version="1.0" encoding="utf-8"?>
+<p:sld xmlns:a="http://schemas.openxmlformats.org/drawingml/2006/main" xmlns:r="http://schemas.openxmlformats.org/officeDocument/2006/relationships" xmlns:p="http://schemas.openxmlformats.org/presentationml/2006/main">
+  <p:cSld>
+    <p:spTree>
+      <p:nvGrpSpPr>
+        <p:cNvPr id="1" name=""/>
+        <p:cNvGrpSpPr/>
+        <p:nvPr/>
+      </p:nvGrpSpPr>
+      <p:grpSpPr>
+        <a:xfrm>
+          <a:off x="0" y="0"/>
+          <a:ext cx="0" cy="0"/>
+          <a:chOff x="0" y="0"/>
+          <a:chExt cx="0" cy="0"/>
+        </a:xfrm>
+      </p:grpSpPr>
+      <p:sp>
+        <p:nvSpPr>
+          <p:cNvPr id="2" name="Title 1"/>
+          <p:cNvSpPr>
+            <a:spLocks noGrp="1"/>
+          </p:cNvSpPr>
+          <p:nvPr>
+            <p:ph type="title"/>
+          </p:nvPr>
+        </p:nvSpPr>
+        <p:spPr/>
+        <p:txBody>
+          <a:bodyPr/>
+          <a:lstStyle/>
+          <a:p>
+            <a:r>
+              <a:rPr lang="ru-RU" dirty="0" smtClean="0"/>
+              <a:t>Ссылки и заимствование</a:t>
+            </a:r>
+            <a:endParaRPr lang="en-US" dirty="0"/>
+          </a:p>
+        </p:txBody>
+      </p:sp>
+      <p:pic>
+        <p:nvPicPr>
+          <p:cNvPr id="4" name="Content Placeholder 3"/>
+          <p:cNvPicPr>
+            <a:picLocks noGrp="1" noChangeAspect="1"/>
+          </p:cNvPicPr>
+          <p:nvPr>
+            <p:ph idx="1"/>
+          </p:nvPr>
+        </p:nvPicPr>
+        <p:blipFill>
+          <a:blip r:embed="rId2">
+            <a:extLst>
+              <a:ext uri="{28A0092B-C50C-407E-A947-70E740481C1C}">
+                <a14:useLocalDpi xmlns:a14="http://schemas.microsoft.com/office/drawing/2010/main" val="0"/>
+              </a:ext>
+            </a:extLst>
+          </a:blip>
+          <a:stretch>
+            <a:fillRect/>
+          </a:stretch>
+        </p:blipFill>
+        <p:spPr>
+          <a:xfrm>
+            <a:off x="3161520" y="1999807"/>
+            <a:ext cx="5868959" cy="4858193"/>
+          </a:xfrm>
+        </p:spPr>
+      </p:pic>
+    </p:spTree>
+    <p:extLst>
+      <p:ext uri="{BB962C8B-B14F-4D97-AF65-F5344CB8AC3E}">
+        <p14:creationId xmlns:p14="http://schemas.microsoft.com/office/powerpoint/2010/main" val="2027692671"/>
+      </p:ext>
+    </p:extLst>
+  </p:cSld>
+  <p:clrMapOvr>
+    <a:masterClrMapping/>
+  </p:clrMapOvr>
+  <p:timing>
+    <p:tnLst>
+      <p:par>
+        <p:cTn id="1" dur="indefinite" restart="never" nodeType="tmRoot"/>
+      </p:par>
+    </p:tnLst>
+  </p:timing>
+</p:sld>
+</file>
+
+<file path=ppt/slides/slide36.xml><?xml version="1.0" encoding="utf-8"?>
+<p:sld xmlns:a="http://schemas.openxmlformats.org/drawingml/2006/main" xmlns:r="http://schemas.openxmlformats.org/officeDocument/2006/relationships" xmlns:p="http://schemas.openxmlformats.org/presentationml/2006/main">
+  <p:cSld>
+    <p:spTree>
+      <p:nvGrpSpPr>
+        <p:cNvPr id="1" name=""/>
+        <p:cNvGrpSpPr/>
+        <p:nvPr/>
+      </p:nvGrpSpPr>
+      <p:grpSpPr>
+        <a:xfrm>
+          <a:off x="0" y="0"/>
+          <a:ext cx="0" cy="0"/>
+          <a:chOff x="0" y="0"/>
+          <a:chExt cx="0" cy="0"/>
+        </a:xfrm>
+      </p:grpSpPr>
+      <p:sp>
+        <p:nvSpPr>
+          <p:cNvPr id="2" name="Title 1"/>
+          <p:cNvSpPr>
+            <a:spLocks noGrp="1"/>
+          </p:cNvSpPr>
+          <p:nvPr>
+            <p:ph type="title"/>
+          </p:nvPr>
+        </p:nvSpPr>
+        <p:spPr/>
+        <p:txBody>
+          <a:bodyPr/>
+          <a:lstStyle/>
+          <a:p>
+            <a:r>
+              <a:rPr lang="ru-RU" dirty="0" smtClean="0"/>
+              <a:t>Время жизни</a:t>
+            </a:r>
+            <a:endParaRPr lang="en-US" dirty="0"/>
+          </a:p>
+        </p:txBody>
+      </p:sp>
+      <p:sp>
+        <p:nvSpPr>
+          <p:cNvPr id="3" name="Content Placeholder 2"/>
+          <p:cNvSpPr>
+            <a:spLocks noGrp="1"/>
+          </p:cNvSpPr>
+          <p:nvPr>
+            <p:ph idx="1"/>
+          </p:nvPr>
+        </p:nvSpPr>
+        <p:spPr/>
+        <p:txBody>
+          <a:bodyPr>
+            <a:normAutofit/>
+          </a:bodyPr>
+          <a:lstStyle/>
+          <a:p>
+            <a:r>
+              <a:rPr lang="ru-RU" sz="2000" dirty="0"/>
+              <a:t>Одалживание может быть </a:t>
+            </a:r>
+            <a:r>
+              <a:rPr lang="ru-RU" sz="2000" dirty="0" smtClean="0"/>
+              <a:t>сложным</a:t>
+            </a:r>
+            <a:endParaRPr lang="en-US" sz="2000" dirty="0" smtClean="0"/>
+          </a:p>
+          <a:p>
+            <a:r>
+              <a:rPr lang="ru-RU" sz="2000" dirty="0"/>
+              <a:t>Все ссылки имеют некоторое время </a:t>
+            </a:r>
+            <a:r>
+              <a:rPr lang="ru-RU" sz="2000" dirty="0" smtClean="0"/>
+              <a:t>жизни</a:t>
+            </a:r>
+          </a:p>
+          <a:p>
+            <a:r>
+              <a:rPr lang="ru-RU" sz="2000" dirty="0"/>
+              <a:t>«использование после освобождения» - система владения в Rust исправляет это через понятие времени </a:t>
+            </a:r>
+            <a:r>
+              <a:rPr lang="ru-RU" sz="2000" dirty="0" smtClean="0"/>
+              <a:t>жизни</a:t>
+            </a:r>
+          </a:p>
+          <a:p>
+            <a:endParaRPr lang="ru-RU" sz="2000" dirty="0" smtClean="0"/>
+          </a:p>
+          <a:p>
+            <a:r>
+              <a:rPr lang="ru-RU" sz="2000" dirty="0"/>
+              <a:t>Присвоение имени времени жизни </a:t>
+            </a:r>
+            <a:endParaRPr lang="en-US" sz="2000" dirty="0" smtClean="0"/>
+          </a:p>
+          <a:p>
+            <a:pPr marL="457200" lvl="1" indent="0">
+              <a:buNone/>
+            </a:pPr>
+            <a:r>
+              <a:rPr lang="ru-RU" sz="1600" dirty="0" smtClean="0"/>
+              <a:t>— </a:t>
+            </a:r>
+            <a:r>
+              <a:rPr lang="ru-RU" sz="1600" dirty="0"/>
+              <a:t>это способ </a:t>
+            </a:r>
+            <a:r>
+              <a:rPr lang="ru-RU" sz="1600" dirty="0" smtClean="0"/>
+              <a:t>задать </a:t>
+            </a:r>
+            <a:r>
+              <a:rPr lang="ru-RU" sz="1600" dirty="0"/>
+              <a:t>имя области видимости. </a:t>
+            </a:r>
+            <a:endParaRPr lang="en-US" sz="1600" dirty="0" smtClean="0"/>
+          </a:p>
+          <a:p>
+            <a:pPr marL="457200" lvl="1" indent="0">
+              <a:buNone/>
+            </a:pPr>
+            <a:r>
+              <a:rPr lang="ru-RU" sz="1600" dirty="0" smtClean="0"/>
+              <a:t>Чтобы </a:t>
+            </a:r>
+            <a:r>
+              <a:rPr lang="ru-RU" sz="1600" dirty="0"/>
+              <a:t>думать о чём-то, нужно иметь название для этого</a:t>
+            </a:r>
+            <a:r>
+              <a:rPr lang="ru-RU" sz="1600" dirty="0" smtClean="0"/>
+              <a:t>.</a:t>
+            </a:r>
+          </a:p>
+          <a:p>
+            <a:endParaRPr lang="en-US" sz="2000" dirty="0"/>
+          </a:p>
+        </p:txBody>
+      </p:sp>
+      <p:pic>
+        <p:nvPicPr>
+          <p:cNvPr id="4" name="Content Placeholder 3"/>
+          <p:cNvPicPr>
+            <a:picLocks noChangeAspect="1"/>
+          </p:cNvPicPr>
+          <p:nvPr/>
+        </p:nvPicPr>
+        <p:blipFill>
+          <a:blip r:embed="rId2">
+            <a:extLst>
+              <a:ext uri="{28A0092B-C50C-407E-A947-70E740481C1C}">
+                <a14:useLocalDpi xmlns:a14="http://schemas.microsoft.com/office/drawing/2010/main" val="0"/>
+              </a:ext>
+            </a:extLst>
+          </a:blip>
+          <a:stretch>
+            <a:fillRect/>
+          </a:stretch>
+        </p:blipFill>
+        <p:spPr>
+          <a:xfrm>
+            <a:off x="7732800" y="3349022"/>
+            <a:ext cx="3106099" cy="2827941"/>
+          </a:xfrm>
+          <a:prstGeom prst="rect">
+            <a:avLst/>
+          </a:prstGeom>
+        </p:spPr>
+      </p:pic>
+    </p:spTree>
+    <p:extLst>
+      <p:ext uri="{BB962C8B-B14F-4D97-AF65-F5344CB8AC3E}">
+        <p14:creationId xmlns:p14="http://schemas.microsoft.com/office/powerpoint/2010/main" val="989541203"/>
+      </p:ext>
+    </p:extLst>
+  </p:cSld>
+  <p:clrMapOvr>
+    <a:masterClrMapping/>
+  </p:clrMapOvr>
+  <p:timing>
+    <p:tnLst>
+      <p:par>
+        <p:cTn id="1" dur="indefinite" restart="never" nodeType="tmRoot"/>
+      </p:par>
+    </p:tnLst>
+  </p:timing>
+</p:sld>
+</file>
+
+<file path=ppt/slides/slide37.xml><?xml version="1.0" encoding="utf-8"?>
+<p:sld xmlns:a="http://schemas.openxmlformats.org/drawingml/2006/main" xmlns:r="http://schemas.openxmlformats.org/officeDocument/2006/relationships" xmlns:p="http://schemas.openxmlformats.org/presentationml/2006/main">
+  <p:cSld>
+    <p:spTree>
+      <p:nvGrpSpPr>
+        <p:cNvPr id="1" name=""/>
+        <p:cNvGrpSpPr/>
+        <p:nvPr/>
+      </p:nvGrpSpPr>
+      <p:grpSpPr>
+        <a:xfrm>
+          <a:off x="0" y="0"/>
+          <a:ext cx="0" cy="0"/>
+          <a:chOff x="0" y="0"/>
+          <a:chExt cx="0" cy="0"/>
+        </a:xfrm>
+      </p:grpSpPr>
+      <p:sp>
+        <p:nvSpPr>
+          <p:cNvPr id="2" name="Title 1"/>
+          <p:cNvSpPr>
+            <a:spLocks noGrp="1"/>
+          </p:cNvSpPr>
+          <p:nvPr>
+            <p:ph type="title"/>
+          </p:nvPr>
+        </p:nvSpPr>
+        <p:spPr/>
+        <p:txBody>
+          <a:bodyPr/>
+          <a:lstStyle/>
+          <a:p>
+            <a:r>
+              <a:rPr lang="ru-RU" dirty="0" smtClean="0"/>
+              <a:t>Время жизни</a:t>
+            </a:r>
+            <a:endParaRPr lang="en-US" dirty="0"/>
+          </a:p>
+        </p:txBody>
+      </p:sp>
+      <p:sp>
+        <p:nvSpPr>
+          <p:cNvPr id="5" name="Content Placeholder 4"/>
+          <p:cNvSpPr>
+            <a:spLocks noGrp="1"/>
+          </p:cNvSpPr>
+          <p:nvPr>
+            <p:ph idx="1"/>
+          </p:nvPr>
+        </p:nvSpPr>
+        <p:spPr/>
+        <p:txBody>
+          <a:bodyPr>
+            <a:normAutofit/>
+          </a:bodyPr>
+          <a:lstStyle/>
+          <a:p>
+            <a:pPr marL="0" indent="0">
+              <a:buNone/>
+            </a:pPr>
+            <a:r>
+              <a:rPr lang="ru-RU" sz="2000" dirty="0">
+                <a:latin typeface="Consolas" panose="020B0609020204030204" pitchFamily="49" charset="0"/>
+              </a:rPr>
+              <a:t>fn x_or_y&lt;'a&gt;(x: &amp;'a str, y: &amp;'a str) -&gt; &amp;'a str </a:t>
+            </a:r>
+            <a:r>
+              <a:rPr lang="ru-RU" sz="2000" dirty="0" smtClean="0">
+                <a:latin typeface="Consolas" panose="020B0609020204030204" pitchFamily="49" charset="0"/>
+              </a:rPr>
+              <a:t>{</a:t>
+            </a:r>
+            <a:endParaRPr lang="en-US" sz="2000" dirty="0" smtClean="0">
+              <a:latin typeface="Consolas" panose="020B0609020204030204" pitchFamily="49" charset="0"/>
+            </a:endParaRPr>
+          </a:p>
+          <a:p>
+            <a:pPr marL="0" indent="0">
+              <a:buNone/>
+            </a:pPr>
+            <a:endParaRPr lang="ru-RU" sz="2000" dirty="0">
+              <a:latin typeface="Consolas" panose="020B0609020204030204" pitchFamily="49" charset="0"/>
+            </a:endParaRPr>
+          </a:p>
+          <a:p>
+            <a:pPr marL="0" indent="0">
+              <a:buNone/>
+            </a:pPr>
+            <a:r>
+              <a:rPr lang="ru-RU" sz="2000" i="1" dirty="0">
+                <a:latin typeface="Consolas" panose="020B0609020204030204" pitchFamily="49" charset="0"/>
+              </a:rPr>
+              <a:t>x и y находятся в одной области видимости друг с другом, возвращаемое значение живо на протяжении той же области видимости</a:t>
+            </a:r>
+          </a:p>
+          <a:p>
+            <a:pPr marL="0" indent="0">
+              <a:buNone/>
+            </a:pPr>
+            <a:endParaRPr lang="ru-RU" sz="2000" dirty="0">
+              <a:latin typeface="Consolas" panose="020B0609020204030204" pitchFamily="49" charset="0"/>
+            </a:endParaRPr>
+          </a:p>
+          <a:p>
+            <a:pPr marL="0" indent="0">
+              <a:buNone/>
+            </a:pPr>
+            <a:r>
+              <a:rPr lang="ru-RU" sz="2000" dirty="0">
+                <a:latin typeface="Consolas" panose="020B0609020204030204" pitchFamily="49" charset="0"/>
+              </a:rPr>
+              <a:t>fn x_or_y&lt;'a, 'b&gt;(x: &amp;'a str, y: &amp;'b str) -&gt; &amp;'a str </a:t>
+            </a:r>
+            <a:r>
+              <a:rPr lang="ru-RU" sz="2000" dirty="0" smtClean="0">
+                <a:latin typeface="Consolas" panose="020B0609020204030204" pitchFamily="49" charset="0"/>
+              </a:rPr>
+              <a:t>{</a:t>
+            </a:r>
+            <a:endParaRPr lang="en-US" sz="2000" dirty="0" smtClean="0">
+              <a:latin typeface="Consolas" panose="020B0609020204030204" pitchFamily="49" charset="0"/>
+            </a:endParaRPr>
+          </a:p>
+          <a:p>
+            <a:pPr marL="0" indent="0">
+              <a:buNone/>
+            </a:pPr>
+            <a:endParaRPr lang="ru-RU" sz="2000" dirty="0">
+              <a:latin typeface="Consolas" panose="020B0609020204030204" pitchFamily="49" charset="0"/>
+            </a:endParaRPr>
+          </a:p>
+          <a:p>
+            <a:pPr marL="0" indent="0">
+              <a:buNone/>
+            </a:pPr>
+            <a:r>
+              <a:rPr lang="ru-RU" sz="2000" i="1" dirty="0">
+                <a:latin typeface="Consolas" panose="020B0609020204030204" pitchFamily="49" charset="0"/>
+              </a:rPr>
+              <a:t>x и y имеют различные области видимости, но возвращаемое значение имеет то же время жизни, что и x.</a:t>
+            </a:r>
+            <a:endParaRPr lang="en-US" sz="2000" i="1" dirty="0">
+              <a:latin typeface="Consolas" panose="020B0609020204030204" pitchFamily="49" charset="0"/>
+            </a:endParaRPr>
+          </a:p>
+        </p:txBody>
+      </p:sp>
+    </p:spTree>
+    <p:extLst>
+      <p:ext uri="{BB962C8B-B14F-4D97-AF65-F5344CB8AC3E}">
+        <p14:creationId xmlns:p14="http://schemas.microsoft.com/office/powerpoint/2010/main" val="1823357056"/>
+      </p:ext>
+    </p:extLst>
+  </p:cSld>
+  <p:clrMapOvr>
+    <a:masterClrMapping/>
+  </p:clrMapOvr>
+  <p:timing>
+    <p:tnLst>
+      <p:par>
+        <p:cTn id="1" dur="indefinite" restart="never" nodeType="tmRoot"/>
+      </p:par>
+    </p:tnLst>
+  </p:timing>
+</p:sld>
+</file>
+
+<file path=ppt/slides/slide38.xml><?xml version="1.0" encoding="utf-8"?>
+<p:sld xmlns:a="http://schemas.openxmlformats.org/drawingml/2006/main" xmlns:r="http://schemas.openxmlformats.org/officeDocument/2006/relationships" xmlns:p="http://schemas.openxmlformats.org/presentationml/2006/main">
+  <p:cSld>
+    <p:spTree>
+      <p:nvGrpSpPr>
+        <p:cNvPr id="1" name=""/>
+        <p:cNvGrpSpPr/>
+        <p:nvPr/>
+      </p:nvGrpSpPr>
+      <p:grpSpPr>
+        <a:xfrm>
+          <a:off x="0" y="0"/>
+          <a:ext cx="0" cy="0"/>
+          <a:chOff x="0" y="0"/>
+          <a:chExt cx="0" cy="0"/>
+        </a:xfrm>
+      </p:grpSpPr>
+      <p:sp>
+        <p:nvSpPr>
+          <p:cNvPr id="2" name="Title 1"/>
+          <p:cNvSpPr>
+            <a:spLocks noGrp="1"/>
+          </p:cNvSpPr>
+          <p:nvPr>
+            <p:ph type="title"/>
+          </p:nvPr>
+        </p:nvSpPr>
+        <p:spPr/>
+        <p:txBody>
+          <a:bodyPr/>
+          <a:lstStyle/>
+          <a:p>
+            <a:r>
+              <a:rPr lang="ru-RU" dirty="0" smtClean="0"/>
+              <a:t>Время жизни</a:t>
+            </a:r>
+            <a:endParaRPr lang="en-US" dirty="0"/>
+          </a:p>
+        </p:txBody>
+      </p:sp>
+      <p:pic>
+        <p:nvPicPr>
+          <p:cNvPr id="3" name="Content Placeholder 2"/>
+          <p:cNvPicPr>
+            <a:picLocks noGrp="1" noChangeAspect="1"/>
+          </p:cNvPicPr>
+          <p:nvPr>
+            <p:ph idx="1"/>
+          </p:nvPr>
+        </p:nvPicPr>
+        <p:blipFill>
+          <a:blip r:embed="rId2">
+            <a:extLst>
+              <a:ext uri="{28A0092B-C50C-407E-A947-70E740481C1C}">
+                <a14:useLocalDpi xmlns:a14="http://schemas.microsoft.com/office/drawing/2010/main" val="0"/>
+              </a:ext>
+            </a:extLst>
+          </a:blip>
+          <a:stretch>
+            <a:fillRect/>
+          </a:stretch>
+        </p:blipFill>
+        <p:spPr>
+          <a:xfrm>
+            <a:off x="3772441" y="1690688"/>
+            <a:ext cx="4647118" cy="4558481"/>
+          </a:xfrm>
+        </p:spPr>
+      </p:pic>
+    </p:spTree>
+    <p:extLst>
+      <p:ext uri="{BB962C8B-B14F-4D97-AF65-F5344CB8AC3E}">
+        <p14:creationId xmlns:p14="http://schemas.microsoft.com/office/powerpoint/2010/main" val="1107565700"/>
+      </p:ext>
+    </p:extLst>
+  </p:cSld>
+  <p:clrMapOvr>
+    <a:masterClrMapping/>
+  </p:clrMapOvr>
+  <p:timing>
+    <p:tnLst>
+      <p:par>
+        <p:cTn id="1" dur="indefinite" restart="never" nodeType="tmRoot"/>
+      </p:par>
+    </p:tnLst>
+  </p:timing>
+</p:sld>
+</file>
+
+<file path=ppt/slides/slide39.xml><?xml version="1.0" encoding="utf-8"?>
+<p:sld xmlns:a="http://schemas.openxmlformats.org/drawingml/2006/main" xmlns:r="http://schemas.openxmlformats.org/officeDocument/2006/relationships" xmlns:p="http://schemas.openxmlformats.org/presentationml/2006/main">
+  <p:cSld>
+    <p:spTree>
+      <p:nvGrpSpPr>
+        <p:cNvPr id="1" name=""/>
+        <p:cNvGrpSpPr/>
+        <p:nvPr/>
+      </p:nvGrpSpPr>
+      <p:grpSpPr>
+        <a:xfrm>
+          <a:off x="0" y="0"/>
+          <a:ext cx="0" cy="0"/>
+          <a:chOff x="0" y="0"/>
+          <a:chExt cx="0" cy="0"/>
+        </a:xfrm>
+      </p:grpSpPr>
+      <p:sp>
+        <p:nvSpPr>
+          <p:cNvPr id="2" name="Title 1"/>
+          <p:cNvSpPr>
+            <a:spLocks noGrp="1"/>
+          </p:cNvSpPr>
+          <p:nvPr>
+            <p:ph type="title"/>
+          </p:nvPr>
+        </p:nvSpPr>
+        <p:spPr/>
+        <p:txBody>
+          <a:bodyPr/>
+          <a:lstStyle/>
+          <a:p>
+            <a:r>
+              <a:rPr lang="ru-RU" dirty="0" smtClean="0"/>
+              <a:t>Время жизни</a:t>
+            </a:r>
+            <a:endParaRPr lang="en-US" dirty="0"/>
+          </a:p>
+        </p:txBody>
+      </p:sp>
+      <p:pic>
+        <p:nvPicPr>
+          <p:cNvPr id="5" name="Content Placeholder 4"/>
+          <p:cNvPicPr>
+            <a:picLocks noGrp="1" noChangeAspect="1"/>
+          </p:cNvPicPr>
+          <p:nvPr>
+            <p:ph idx="1"/>
+          </p:nvPr>
+        </p:nvPicPr>
+        <p:blipFill>
+          <a:blip r:embed="rId2">
+            <a:extLst>
+              <a:ext uri="{28A0092B-C50C-407E-A947-70E740481C1C}">
+                <a14:useLocalDpi xmlns:a14="http://schemas.microsoft.com/office/drawing/2010/main" val="0"/>
+              </a:ext>
+            </a:extLst>
+          </a:blip>
+          <a:stretch>
+            <a:fillRect/>
+          </a:stretch>
+        </p:blipFill>
+        <p:spPr>
+          <a:xfrm>
+            <a:off x="3872410" y="1690688"/>
+            <a:ext cx="4447179" cy="4721401"/>
+          </a:xfrm>
+        </p:spPr>
+      </p:pic>
+    </p:spTree>
+    <p:extLst>
+      <p:ext uri="{BB962C8B-B14F-4D97-AF65-F5344CB8AC3E}">
+        <p14:creationId xmlns:p14="http://schemas.microsoft.com/office/powerpoint/2010/main" val="2853645088"/>
+      </p:ext>
+    </p:extLst>
+  </p:cSld>
+  <p:clrMapOvr>
+    <a:masterClrMapping/>
+  </p:clrMapOvr>
+  <p:timing>
+    <p:tnLst>
+      <p:par>
+        <p:cTn id="1" dur="indefinite" restart="never" nodeType="tmRoot"/>
+      </p:par>
+    </p:tnLst>
+  </p:timing>
+</p:sld>
+</file>
+
+<file path=ppt/slides/slide4.xml><?xml version="1.0" encoding="utf-8"?>
+<p:sld xmlns:a="http://schemas.openxmlformats.org/drawingml/2006/main" xmlns:r="http://schemas.openxmlformats.org/officeDocument/2006/relationships" xmlns:p="http://schemas.openxmlformats.org/presentationml/2006/main">
+  <p:cSld>
+    <p:spTree>
+      <p:nvGrpSpPr>
+        <p:cNvPr id="1" name=""/>
+        <p:cNvGrpSpPr/>
+        <p:nvPr/>
+      </p:nvGrpSpPr>
+      <p:grpSpPr>
+        <a:xfrm>
+          <a:off x="0" y="0"/>
+          <a:ext cx="0" cy="0"/>
+          <a:chOff x="0" y="0"/>
+          <a:chExt cx="0" cy="0"/>
+        </a:xfrm>
+      </p:grpSpPr>
+      <p:sp>
+        <p:nvSpPr>
+          <p:cNvPr id="2" name="Заголовок 1"/>
+          <p:cNvSpPr>
+            <a:spLocks noGrp="1"/>
+          </p:cNvSpPr>
+          <p:nvPr>
+            <p:ph type="title"/>
+          </p:nvPr>
+        </p:nvSpPr>
+        <p:spPr/>
+        <p:txBody>
+          <a:bodyPr/>
+          <a:lstStyle/>
+          <a:p>
+            <a:r>
+              <a:rPr lang="en-US" dirty="0" smtClean="0"/>
+              <a:t>For what</a:t>
+            </a:r>
+            <a:r>
+              <a:rPr lang="ru-RU" dirty="0" smtClean="0"/>
+              <a:t>?</a:t>
+            </a:r>
+            <a:endParaRPr lang="ru-RU" dirty="0"/>
+          </a:p>
+        </p:txBody>
+      </p:sp>
+      <p:sp>
+        <p:nvSpPr>
+          <p:cNvPr id="3" name="Объект 2"/>
+          <p:cNvSpPr>
+            <a:spLocks noGrp="1"/>
+          </p:cNvSpPr>
+          <p:nvPr>
+            <p:ph idx="1"/>
+          </p:nvPr>
+        </p:nvSpPr>
+        <p:spPr/>
+        <p:txBody>
+          <a:bodyPr>
+            <a:normAutofit/>
+          </a:bodyPr>
+          <a:lstStyle/>
+          <a:p>
+            <a:r>
+              <a:rPr lang="en-US" dirty="0"/>
+              <a:t>a bit of </a:t>
+            </a:r>
+            <a:r>
+              <a:rPr lang="en-US" dirty="0" smtClean="0"/>
+              <a:t>history</a:t>
+            </a:r>
+          </a:p>
+          <a:p>
+            <a:r>
+              <a:rPr lang="en-US" dirty="0" smtClean="0"/>
+              <a:t>about </a:t>
+            </a:r>
+            <a:r>
+              <a:rPr lang="en-US" dirty="0"/>
+              <a:t>rust language, why it is simple, convenient, </a:t>
+            </a:r>
+            <a:r>
+              <a:rPr lang="en-US" dirty="0" smtClean="0"/>
+              <a:t>safe</a:t>
+            </a:r>
+          </a:p>
+          <a:p>
+            <a:r>
+              <a:rPr lang="en-US" dirty="0" smtClean="0"/>
+              <a:t>rust infrastructure</a:t>
+            </a:r>
+          </a:p>
+          <a:p>
+            <a:r>
+              <a:rPr lang="en-US" dirty="0" smtClean="0"/>
+              <a:t>rust </a:t>
+            </a:r>
+            <a:r>
+              <a:rPr lang="en-US" dirty="0"/>
+              <a:t>for </a:t>
+            </a:r>
+            <a:r>
+              <a:rPr lang="en-US" dirty="0" err="1"/>
+              <a:t>webassembly</a:t>
+            </a:r>
+            <a:r>
+              <a:rPr lang="en-US" dirty="0"/>
+              <a:t>. </a:t>
+            </a:r>
+            <a:r>
+              <a:rPr lang="en-US" dirty="0" err="1"/>
+              <a:t>llvm</a:t>
+            </a:r>
+            <a:r>
+              <a:rPr lang="en-US" dirty="0"/>
+              <a:t>, safe web and so </a:t>
+            </a:r>
+            <a:r>
+              <a:rPr lang="en-US" dirty="0" smtClean="0"/>
+              <a:t>on</a:t>
+            </a:r>
+          </a:p>
+          <a:p>
+            <a:endParaRPr lang="ru-RU" dirty="0"/>
+          </a:p>
+        </p:txBody>
+      </p:sp>
+    </p:spTree>
+    <p:extLst>
+      <p:ext uri="{BB962C8B-B14F-4D97-AF65-F5344CB8AC3E}">
+        <p14:creationId xmlns:p14="http://schemas.microsoft.com/office/powerpoint/2010/main" val="2762065396"/>
+      </p:ext>
+    </p:extLst>
+  </p:cSld>
+  <p:clrMapOvr>
+    <a:masterClrMapping/>
+  </p:clrMapOvr>
+  <p:timing>
+    <p:tnLst>
+      <p:par>
+        <p:cTn id="1" dur="indefinite" restart="never" nodeType="tmRoot"/>
+      </p:par>
+    </p:tnLst>
+  </p:timing>
+</p:sld>
+</file>
+
+<file path=ppt/slides/slide40.xml><?xml version="1.0" encoding="utf-8"?>
+<p:sld xmlns:a="http://schemas.openxmlformats.org/drawingml/2006/main" xmlns:r="http://schemas.openxmlformats.org/officeDocument/2006/relationships" xmlns:p="http://schemas.openxmlformats.org/presentationml/2006/main">
+  <p:cSld>
+    <p:spTree>
+      <p:nvGrpSpPr>
+        <p:cNvPr id="1" name=""/>
+        <p:cNvGrpSpPr/>
+        <p:nvPr/>
+      </p:nvGrpSpPr>
+      <p:grpSpPr>
+        <a:xfrm>
+          <a:off x="0" y="0"/>
+          <a:ext cx="0" cy="0"/>
+          <a:chOff x="0" y="0"/>
+          <a:chExt cx="0" cy="0"/>
+        </a:xfrm>
+      </p:grpSpPr>
+      <p:sp>
+        <p:nvSpPr>
+          <p:cNvPr id="2" name="Title 1"/>
+          <p:cNvSpPr>
+            <a:spLocks noGrp="1"/>
+          </p:cNvSpPr>
+          <p:nvPr>
+            <p:ph type="title"/>
+          </p:nvPr>
+        </p:nvSpPr>
+        <p:spPr/>
+        <p:txBody>
+          <a:bodyPr/>
+          <a:lstStyle/>
+          <a:p>
+            <a:r>
+              <a:rPr lang="ru-RU" dirty="0" smtClean="0"/>
+              <a:t>Время жизни</a:t>
+            </a:r>
+            <a:endParaRPr lang="en-US" dirty="0"/>
+          </a:p>
+        </p:txBody>
+      </p:sp>
+      <p:pic>
+        <p:nvPicPr>
+          <p:cNvPr id="4" name="Content Placeholder 3"/>
+          <p:cNvPicPr>
+            <a:picLocks noGrp="1" noChangeAspect="1"/>
+          </p:cNvPicPr>
+          <p:nvPr>
+            <p:ph idx="1"/>
+          </p:nvPr>
+        </p:nvPicPr>
+        <p:blipFill>
+          <a:blip r:embed="rId2">
+            <a:extLst>
+              <a:ext uri="{28A0092B-C50C-407E-A947-70E740481C1C}">
+                <a14:useLocalDpi xmlns:a14="http://schemas.microsoft.com/office/drawing/2010/main" val="0"/>
+              </a:ext>
+            </a:extLst>
+          </a:blip>
+          <a:stretch>
+            <a:fillRect/>
+          </a:stretch>
+        </p:blipFill>
+        <p:spPr>
+          <a:xfrm>
+            <a:off x="3900841" y="1690688"/>
+            <a:ext cx="4390318" cy="4710642"/>
+          </a:xfrm>
+        </p:spPr>
+      </p:pic>
+    </p:spTree>
+    <p:extLst>
+      <p:ext uri="{BB962C8B-B14F-4D97-AF65-F5344CB8AC3E}">
+        <p14:creationId xmlns:p14="http://schemas.microsoft.com/office/powerpoint/2010/main" val="1379021317"/>
+      </p:ext>
+    </p:extLst>
+  </p:cSld>
+  <p:clrMapOvr>
+    <a:masterClrMapping/>
+  </p:clrMapOvr>
+  <p:timing>
+    <p:tnLst>
+      <p:par>
+        <p:cTn id="1" dur="indefinite" restart="never" nodeType="tmRoot"/>
+      </p:par>
+    </p:tnLst>
+  </p:timing>
+</p:sld>
+</file>
+
+<file path=ppt/slides/slide41.xml><?xml version="1.0" encoding="utf-8"?>
+<p:sld xmlns:a="http://schemas.openxmlformats.org/drawingml/2006/main" xmlns:r="http://schemas.openxmlformats.org/officeDocument/2006/relationships" xmlns:p="http://schemas.openxmlformats.org/presentationml/2006/main">
+  <p:cSld>
+    <p:spTree>
+      <p:nvGrpSpPr>
+        <p:cNvPr id="1" name=""/>
+        <p:cNvGrpSpPr/>
+        <p:nvPr/>
+      </p:nvGrpSpPr>
+      <p:grpSpPr>
+        <a:xfrm>
+          <a:off x="0" y="0"/>
+          <a:ext cx="0" cy="0"/>
+          <a:chOff x="0" y="0"/>
+          <a:chExt cx="0" cy="0"/>
+        </a:xfrm>
+      </p:grpSpPr>
+      <p:sp>
+        <p:nvSpPr>
+          <p:cNvPr id="2" name="Title 1"/>
+          <p:cNvSpPr>
+            <a:spLocks noGrp="1"/>
+          </p:cNvSpPr>
+          <p:nvPr>
+            <p:ph type="title"/>
+          </p:nvPr>
+        </p:nvSpPr>
+        <p:spPr/>
+        <p:txBody>
+          <a:bodyPr/>
+          <a:lstStyle/>
+          <a:p>
+            <a:r>
+              <a:rPr lang="en-US" dirty="0" smtClean="0"/>
+              <a:t>Example</a:t>
+            </a:r>
+            <a:endParaRPr lang="en-US" dirty="0"/>
+          </a:p>
+        </p:txBody>
+      </p:sp>
+      <p:pic>
+        <p:nvPicPr>
+          <p:cNvPr id="4" name="Content Placeholder 3"/>
+          <p:cNvPicPr>
+            <a:picLocks noGrp="1" noChangeAspect="1"/>
+          </p:cNvPicPr>
+          <p:nvPr>
+            <p:ph idx="1"/>
+          </p:nvPr>
+        </p:nvPicPr>
+        <p:blipFill>
+          <a:blip r:embed="rId2">
+            <a:extLst>
+              <a:ext uri="{28A0092B-C50C-407E-A947-70E740481C1C}">
+                <a14:useLocalDpi xmlns:a14="http://schemas.microsoft.com/office/drawing/2010/main" val="0"/>
+              </a:ext>
+            </a:extLst>
+          </a:blip>
+          <a:stretch>
+            <a:fillRect/>
+          </a:stretch>
+        </p:blipFill>
+        <p:spPr>
+          <a:xfrm>
+            <a:off x="3455810" y="4356452"/>
+            <a:ext cx="5308136" cy="1875014"/>
+          </a:xfrm>
+        </p:spPr>
+      </p:pic>
+      <p:pic>
+        <p:nvPicPr>
+          <p:cNvPr id="5" name="Picture 4"/>
+          <p:cNvPicPr>
+            <a:picLocks noChangeAspect="1"/>
+          </p:cNvPicPr>
+          <p:nvPr/>
+        </p:nvPicPr>
+        <p:blipFill>
+          <a:blip r:embed="rId3">
+            <a:extLst>
+              <a:ext uri="{28A0092B-C50C-407E-A947-70E740481C1C}">
+                <a14:useLocalDpi xmlns:a14="http://schemas.microsoft.com/office/drawing/2010/main" val="0"/>
+              </a:ext>
+            </a:extLst>
+          </a:blip>
+          <a:stretch>
+            <a:fillRect/>
+          </a:stretch>
+        </p:blipFill>
+        <p:spPr>
+          <a:xfrm>
+            <a:off x="3455810" y="1690688"/>
+            <a:ext cx="5280379" cy="2366627"/>
+          </a:xfrm>
+          <a:prstGeom prst="rect">
+            <a:avLst/>
+          </a:prstGeom>
+        </p:spPr>
+      </p:pic>
+    </p:spTree>
+    <p:extLst>
+      <p:ext uri="{BB962C8B-B14F-4D97-AF65-F5344CB8AC3E}">
+        <p14:creationId xmlns:p14="http://schemas.microsoft.com/office/powerpoint/2010/main" val="3502316958"/>
+      </p:ext>
+    </p:extLst>
+  </p:cSld>
+  <p:clrMapOvr>
+    <a:masterClrMapping/>
+  </p:clrMapOvr>
+  <p:timing>
+    <p:tnLst>
+      <p:par>
+        <p:cTn id="1" dur="indefinite" restart="never" nodeType="tmRoot"/>
+      </p:par>
+    </p:tnLst>
+  </p:timing>
+</p:sld>
+</file>
+
+<file path=ppt/slides/slide42.xml><?xml version="1.0" encoding="utf-8"?>
+<p:sld xmlns:a="http://schemas.openxmlformats.org/drawingml/2006/main" xmlns:r="http://schemas.openxmlformats.org/officeDocument/2006/relationships" xmlns:p="http://schemas.openxmlformats.org/presentationml/2006/main">
+  <p:cSld>
+    <p:spTree>
+      <p:nvGrpSpPr>
+        <p:cNvPr id="1" name=""/>
+        <p:cNvGrpSpPr/>
+        <p:nvPr/>
+      </p:nvGrpSpPr>
+      <p:grpSpPr>
+        <a:xfrm>
+          <a:off x="0" y="0"/>
+          <a:ext cx="0" cy="0"/>
+          <a:chOff x="0" y="0"/>
+          <a:chExt cx="0" cy="0"/>
+        </a:xfrm>
+      </p:grpSpPr>
+      <p:sp>
+        <p:nvSpPr>
+          <p:cNvPr id="2" name="Title 1"/>
+          <p:cNvSpPr>
+            <a:spLocks noGrp="1"/>
+          </p:cNvSpPr>
+          <p:nvPr>
+            <p:ph type="title"/>
+          </p:nvPr>
+        </p:nvSpPr>
+        <p:spPr/>
+        <p:txBody>
+          <a:bodyPr/>
+          <a:lstStyle/>
+          <a:p>
+            <a:r>
+              <a:rPr lang="en-US" dirty="0" smtClean="0"/>
+              <a:t>Example</a:t>
+            </a:r>
+            <a:endParaRPr lang="en-US" dirty="0"/>
+          </a:p>
+        </p:txBody>
+      </p:sp>
+      <p:pic>
+        <p:nvPicPr>
+          <p:cNvPr id="6" name="Content Placeholder 5"/>
+          <p:cNvPicPr>
+            <a:picLocks noGrp="1" noChangeAspect="1"/>
+          </p:cNvPicPr>
+          <p:nvPr>
+            <p:ph idx="1"/>
+          </p:nvPr>
+        </p:nvPicPr>
+        <p:blipFill>
+          <a:blip r:embed="rId2">
+            <a:extLst>
+              <a:ext uri="{28A0092B-C50C-407E-A947-70E740481C1C}">
+                <a14:useLocalDpi xmlns:a14="http://schemas.microsoft.com/office/drawing/2010/main" val="0"/>
+              </a:ext>
+            </a:extLst>
+          </a:blip>
+          <a:stretch>
+            <a:fillRect/>
+          </a:stretch>
+        </p:blipFill>
+        <p:spPr>
+          <a:xfrm>
+            <a:off x="838201" y="1690688"/>
+            <a:ext cx="7143044" cy="4620544"/>
+          </a:xfrm>
+        </p:spPr>
+      </p:pic>
+    </p:spTree>
+    <p:extLst>
+      <p:ext uri="{BB962C8B-B14F-4D97-AF65-F5344CB8AC3E}">
+        <p14:creationId xmlns:p14="http://schemas.microsoft.com/office/powerpoint/2010/main" val="3168202280"/>
+      </p:ext>
+    </p:extLst>
+  </p:cSld>
+  <p:clrMapOvr>
+    <a:masterClrMapping/>
+  </p:clrMapOvr>
+  <p:timing>
+    <p:tnLst>
+      <p:par>
+        <p:cTn id="1" dur="indefinite" restart="never" nodeType="tmRoot"/>
+      </p:par>
+    </p:tnLst>
+  </p:timing>
+</p:sld>
+</file>
+
+<file path=ppt/slides/slide43.xml><?xml version="1.0" encoding="utf-8"?>
+<p:sld xmlns:a="http://schemas.openxmlformats.org/drawingml/2006/main" xmlns:r="http://schemas.openxmlformats.org/officeDocument/2006/relationships" xmlns:p="http://schemas.openxmlformats.org/presentationml/2006/main">
+  <p:cSld>
+    <p:spTree>
+      <p:nvGrpSpPr>
+        <p:cNvPr id="1" name=""/>
+        <p:cNvGrpSpPr/>
+        <p:nvPr/>
+      </p:nvGrpSpPr>
+      <p:grpSpPr>
+        <a:xfrm>
+          <a:off x="0" y="0"/>
+          <a:ext cx="0" cy="0"/>
+          <a:chOff x="0" y="0"/>
+          <a:chExt cx="0" cy="0"/>
+        </a:xfrm>
+      </p:grpSpPr>
+      <p:sp>
+        <p:nvSpPr>
+          <p:cNvPr id="2" name="Title 1"/>
+          <p:cNvSpPr>
+            <a:spLocks noGrp="1"/>
+          </p:cNvSpPr>
+          <p:nvPr>
+            <p:ph type="title"/>
+          </p:nvPr>
+        </p:nvSpPr>
+        <p:spPr/>
+        <p:txBody>
+          <a:bodyPr/>
+          <a:lstStyle/>
+          <a:p>
+            <a:r>
+              <a:rPr lang="en-US" dirty="0" smtClean="0"/>
+              <a:t>Example</a:t>
+            </a:r>
+            <a:endParaRPr lang="en-US" dirty="0"/>
+          </a:p>
+        </p:txBody>
+      </p:sp>
+      <p:pic>
+        <p:nvPicPr>
+          <p:cNvPr id="6" name="Content Placeholder 5"/>
+          <p:cNvPicPr>
+            <a:picLocks noGrp="1" noChangeAspect="1"/>
+          </p:cNvPicPr>
+          <p:nvPr>
+            <p:ph idx="1"/>
+          </p:nvPr>
+        </p:nvPicPr>
+        <p:blipFill>
+          <a:blip r:embed="rId2">
+            <a:extLst>
+              <a:ext uri="{28A0092B-C50C-407E-A947-70E740481C1C}">
+                <a14:useLocalDpi xmlns:a14="http://schemas.microsoft.com/office/drawing/2010/main" val="0"/>
+              </a:ext>
+            </a:extLst>
+          </a:blip>
+          <a:stretch>
+            <a:fillRect/>
+          </a:stretch>
+        </p:blipFill>
+        <p:spPr>
+          <a:xfrm>
+            <a:off x="838201" y="1690688"/>
+            <a:ext cx="7143044" cy="4620544"/>
+          </a:xfrm>
+        </p:spPr>
+      </p:pic>
+      <p:pic>
+        <p:nvPicPr>
+          <p:cNvPr id="3" name="Picture 2"/>
+          <p:cNvPicPr>
+            <a:picLocks noChangeAspect="1"/>
+          </p:cNvPicPr>
+          <p:nvPr/>
+        </p:nvPicPr>
+        <p:blipFill>
+          <a:blip r:embed="rId3">
+            <a:extLst>
+              <a:ext uri="{28A0092B-C50C-407E-A947-70E740481C1C}">
+                <a14:useLocalDpi xmlns:a14="http://schemas.microsoft.com/office/drawing/2010/main" val="0"/>
+              </a:ext>
+            </a:extLst>
+          </a:blip>
+          <a:stretch>
+            <a:fillRect/>
+          </a:stretch>
+        </p:blipFill>
+        <p:spPr>
+          <a:xfrm>
+            <a:off x="3502612" y="745556"/>
+            <a:ext cx="8282987" cy="3790520"/>
+          </a:xfrm>
+          <a:prstGeom prst="rect">
+            <a:avLst/>
+          </a:prstGeom>
+        </p:spPr>
+      </p:pic>
+    </p:spTree>
+    <p:extLst>
+      <p:ext uri="{BB962C8B-B14F-4D97-AF65-F5344CB8AC3E}">
+        <p14:creationId xmlns:p14="http://schemas.microsoft.com/office/powerpoint/2010/main" val="4088050236"/>
+      </p:ext>
+    </p:extLst>
+  </p:cSld>
+  <p:clrMapOvr>
+    <a:masterClrMapping/>
+  </p:clrMapOvr>
+  <p:timing>
+    <p:tnLst>
+      <p:par>
+        <p:cTn id="1" dur="indefinite" restart="never" nodeType="tmRoot"/>
+      </p:par>
+    </p:tnLst>
+  </p:timing>
+</p:sld>
+</file>
+
+<file path=ppt/slides/slide44.xml><?xml version="1.0" encoding="utf-8"?>
+<p:sld xmlns:a="http://schemas.openxmlformats.org/drawingml/2006/main" xmlns:r="http://schemas.openxmlformats.org/officeDocument/2006/relationships" xmlns:p="http://schemas.openxmlformats.org/presentationml/2006/main">
+  <p:cSld>
+    <p:spTree>
+      <p:nvGrpSpPr>
+        <p:cNvPr id="1" name=""/>
+        <p:cNvGrpSpPr/>
+        <p:nvPr/>
+      </p:nvGrpSpPr>
+      <p:grpSpPr>
+        <a:xfrm>
+          <a:off x="0" y="0"/>
+          <a:ext cx="0" cy="0"/>
+          <a:chOff x="0" y="0"/>
+          <a:chExt cx="0" cy="0"/>
+        </a:xfrm>
+      </p:grpSpPr>
+      <p:sp>
+        <p:nvSpPr>
+          <p:cNvPr id="2" name="Заголовок 1"/>
+          <p:cNvSpPr>
+            <a:spLocks noGrp="1"/>
+          </p:cNvSpPr>
+          <p:nvPr>
+            <p:ph type="ctrTitle"/>
+          </p:nvPr>
+        </p:nvSpPr>
+        <p:spPr/>
+        <p:txBody>
+          <a:bodyPr/>
+          <a:lstStyle/>
+          <a:p>
+            <a:r>
+              <a:rPr lang="en-US" dirty="0"/>
+              <a:t>rust </a:t>
+            </a:r>
+            <a:r>
+              <a:rPr lang="en-US" dirty="0" err="1" smtClean="0"/>
+              <a:t>infractructure</a:t>
+            </a:r>
+            <a:endParaRPr lang="ru-RU" dirty="0"/>
+          </a:p>
+        </p:txBody>
+      </p:sp>
+      <p:sp>
+        <p:nvSpPr>
+          <p:cNvPr id="3" name="Подзаголовок 2"/>
+          <p:cNvSpPr>
+            <a:spLocks noGrp="1"/>
+          </p:cNvSpPr>
+          <p:nvPr>
+            <p:ph type="subTitle" idx="1"/>
+          </p:nvPr>
+        </p:nvSpPr>
+        <p:spPr>
+          <a:xfrm>
+            <a:off x="1524000" y="4361934"/>
+            <a:ext cx="9144000" cy="895865"/>
+          </a:xfrm>
+        </p:spPr>
+        <p:txBody>
+          <a:bodyPr>
+            <a:normAutofit/>
+          </a:bodyPr>
+          <a:lstStyle/>
+          <a:p>
+            <a:endParaRPr lang="ru-RU" sz="1600" dirty="0"/>
+          </a:p>
+        </p:txBody>
+      </p:sp>
+    </p:spTree>
+    <p:extLst>
+      <p:ext uri="{BB962C8B-B14F-4D97-AF65-F5344CB8AC3E}">
+        <p14:creationId xmlns:p14="http://schemas.microsoft.com/office/powerpoint/2010/main" val="1805734086"/>
+      </p:ext>
+    </p:extLst>
+  </p:cSld>
+  <p:clrMapOvr>
+    <a:masterClrMapping/>
+  </p:clrMapOvr>
+  <p:timing>
+    <p:tnLst>
+      <p:par>
+        <p:cTn id="1" dur="indefinite" restart="never" nodeType="tmRoot"/>
+      </p:par>
+    </p:tnLst>
+  </p:timing>
+</p:sld>
+</file>
+
+<file path=ppt/slides/slide45.xml><?xml version="1.0" encoding="utf-8"?>
+<p:sld xmlns:a="http://schemas.openxmlformats.org/drawingml/2006/main" xmlns:r="http://schemas.openxmlformats.org/officeDocument/2006/relationships" xmlns:p="http://schemas.openxmlformats.org/presentationml/2006/main">
+  <p:cSld>
+    <p:spTree>
+      <p:nvGrpSpPr>
+        <p:cNvPr id="1" name=""/>
+        <p:cNvGrpSpPr/>
+        <p:nvPr/>
+      </p:nvGrpSpPr>
+      <p:grpSpPr>
+        <a:xfrm>
+          <a:off x="0" y="0"/>
+          <a:ext cx="0" cy="0"/>
+          <a:chOff x="0" y="0"/>
+          <a:chExt cx="0" cy="0"/>
+        </a:xfrm>
+      </p:grpSpPr>
+      <p:sp>
+        <p:nvSpPr>
+          <p:cNvPr id="2" name="Title 1"/>
+          <p:cNvSpPr>
+            <a:spLocks noGrp="1"/>
+          </p:cNvSpPr>
+          <p:nvPr>
+            <p:ph type="title"/>
+          </p:nvPr>
+        </p:nvSpPr>
+        <p:spPr/>
+        <p:txBody>
+          <a:bodyPr/>
+          <a:lstStyle/>
+          <a:p>
+            <a:r>
+              <a:rPr lang="en-US" dirty="0" err="1"/>
+              <a:t>r</a:t>
+            </a:r>
+            <a:r>
+              <a:rPr lang="en-US" dirty="0" err="1" smtClean="0"/>
+              <a:t>ustup</a:t>
+            </a:r>
+            <a:r>
+              <a:rPr lang="en-US" dirty="0" smtClean="0"/>
+              <a:t>	</a:t>
+            </a:r>
+            <a:endParaRPr lang="en-US" dirty="0"/>
+          </a:p>
+        </p:txBody>
+      </p:sp>
+      <p:sp>
+        <p:nvSpPr>
+          <p:cNvPr id="3" name="Content Placeholder 2"/>
+          <p:cNvSpPr>
+            <a:spLocks noGrp="1"/>
+          </p:cNvSpPr>
+          <p:nvPr>
+            <p:ph idx="1"/>
+          </p:nvPr>
+        </p:nvSpPr>
+        <p:spPr/>
+        <p:txBody>
+          <a:bodyPr>
             <a:normAutofit fontScale="92500" lnSpcReduction="20000"/>
           </a:bodyPr>
           <a:lstStyle/>
@@ -3510,13 +9280,7 @@
               <a:rPr lang="en-US" sz="1800" dirty="0">
                 <a:latin typeface="Consolas" panose="020B0609020204030204" pitchFamily="49" charset="0"/>
               </a:rPr>
-              <a:t># </a:t>
-            </a:r>
-            <a:r>
-              <a:rPr lang="en-US" sz="1800" dirty="0">
-                <a:latin typeface="Consolas" panose="020B0609020204030204" pitchFamily="49" charset="0"/>
-              </a:rPr>
-              <a:t>MSVC-based toolchain on Windows</a:t>
+              <a:t># MSVC-based toolchain on Windows</a:t>
             </a:r>
           </a:p>
           <a:p>
@@ -3564,13 +9328,7 @@
               <a:rPr lang="en-US" sz="1800" dirty="0">
                 <a:latin typeface="Consolas" panose="020B0609020204030204" pitchFamily="49" charset="0"/>
               </a:rPr>
-              <a:t># </a:t>
-            </a:r>
-            <a:r>
-              <a:rPr lang="en-US" sz="1800" dirty="0">
-                <a:latin typeface="Consolas" panose="020B0609020204030204" pitchFamily="49" charset="0"/>
-              </a:rPr>
-              <a:t>Cross-compilation</a:t>
+              <a:t># Cross-compilation</a:t>
             </a:r>
           </a:p>
           <a:p>
@@ -3685,13 +9443,7 @@
               <a:rPr lang="en-US" sz="1800" dirty="0">
                 <a:latin typeface="Consolas" panose="020B0609020204030204" pitchFamily="49" charset="0"/>
               </a:rPr>
-              <a:t> target </a:t>
-            </a:r>
-            <a:r>
-              <a:rPr lang="en-US" sz="1800" dirty="0">
-                <a:latin typeface="Consolas" panose="020B0609020204030204" pitchFamily="49" charset="0"/>
-              </a:rPr>
-              <a:t>list</a:t>
+              <a:t> target list</a:t>
             </a:r>
           </a:p>
           <a:p>
@@ -3757,10 +9509,17 @@
   <p:clrMapOvr>
     <a:masterClrMapping/>
   </p:clrMapOvr>
+  <p:timing>
+    <p:tnLst>
+      <p:par>
+        <p:cTn id="1" dur="indefinite" restart="never" nodeType="tmRoot"/>
+      </p:par>
+    </p:tnLst>
+  </p:timing>
 </p:sld>
 </file>
 
-<file path=ppt/slides/slide15.xml><?xml version="1.0" encoding="utf-8"?>
+<file path=ppt/slides/slide46.xml><?xml version="1.0" encoding="utf-8"?>
 <p:sld xmlns:a="http://schemas.openxmlformats.org/drawingml/2006/main" xmlns:r="http://schemas.openxmlformats.org/officeDocument/2006/relationships" xmlns:p="http://schemas.openxmlformats.org/presentationml/2006/main">
   <p:cSld>
     <p:spTree>
@@ -5379,10 +11138,17 @@
   <p:clrMapOvr>
     <a:masterClrMapping/>
   </p:clrMapOvr>
+  <p:timing>
+    <p:tnLst>
+      <p:par>
+        <p:cTn id="1" dur="indefinite" restart="never" nodeType="tmRoot"/>
+      </p:par>
+    </p:tnLst>
+  </p:timing>
 </p:sld>
 </file>
 
-<file path=ppt/slides/slide16.xml><?xml version="1.0" encoding="utf-8"?>
+<file path=ppt/slides/slide47.xml><?xml version="1.0" encoding="utf-8"?>
 <p:sld xmlns:a="http://schemas.openxmlformats.org/drawingml/2006/main" xmlns:r="http://schemas.openxmlformats.org/officeDocument/2006/relationships" xmlns:p="http://schemas.openxmlformats.org/presentationml/2006/main">
   <p:cSld>
     <p:spTree>
@@ -7035,10 +12801,17 @@
   <p:clrMapOvr>
     <a:masterClrMapping/>
   </p:clrMapOvr>
+  <p:timing>
+    <p:tnLst>
+      <p:par>
+        <p:cTn id="1" dur="indefinite" restart="never" nodeType="tmRoot"/>
+      </p:par>
+    </p:tnLst>
+  </p:timing>
 </p:sld>
 </file>
 
-<file path=ppt/slides/slide17.xml><?xml version="1.0" encoding="utf-8"?>
+<file path=ppt/slides/slide48.xml><?xml version="1.0" encoding="utf-8"?>
 <p:sld xmlns:a="http://schemas.openxmlformats.org/drawingml/2006/main" xmlns:r="http://schemas.openxmlformats.org/officeDocument/2006/relationships" xmlns:p="http://schemas.openxmlformats.org/presentationml/2006/main">
   <p:cSld>
     <p:spTree>
@@ -8691,10 +14464,17 @@
   <p:clrMapOvr>
     <a:masterClrMapping/>
   </p:clrMapOvr>
+  <p:timing>
+    <p:tnLst>
+      <p:par>
+        <p:cTn id="1" dur="indefinite" restart="never" nodeType="tmRoot"/>
+      </p:par>
+    </p:tnLst>
+  </p:timing>
 </p:sld>
 </file>
 
-<file path=ppt/slides/slide18.xml><?xml version="1.0" encoding="utf-8"?>
+<file path=ppt/slides/slide49.xml><?xml version="1.0" encoding="utf-8"?>
 <p:sld xmlns:a="http://schemas.openxmlformats.org/drawingml/2006/main" xmlns:r="http://schemas.openxmlformats.org/officeDocument/2006/relationships" xmlns:p="http://schemas.openxmlformats.org/presentationml/2006/main">
   <p:cSld>
     <p:spTree>
@@ -9034,10 +14814,139 @@
   <p:clrMapOvr>
     <a:masterClrMapping/>
   </p:clrMapOvr>
+  <p:timing>
+    <p:tnLst>
+      <p:par>
+        <p:cTn id="1" dur="indefinite" restart="never" nodeType="tmRoot"/>
+      </p:par>
+    </p:tnLst>
+  </p:timing>
 </p:sld>
 </file>
 
-<file path=ppt/slides/slide19.xml><?xml version="1.0" encoding="utf-8"?>
+<file path=ppt/slides/slide5.xml><?xml version="1.0" encoding="utf-8"?>
+<p:sld xmlns:a="http://schemas.openxmlformats.org/drawingml/2006/main" xmlns:r="http://schemas.openxmlformats.org/officeDocument/2006/relationships" xmlns:p="http://schemas.openxmlformats.org/presentationml/2006/main">
+  <p:cSld>
+    <p:spTree>
+      <p:nvGrpSpPr>
+        <p:cNvPr id="1" name=""/>
+        <p:cNvGrpSpPr/>
+        <p:nvPr/>
+      </p:nvGrpSpPr>
+      <p:grpSpPr>
+        <a:xfrm>
+          <a:off x="0" y="0"/>
+          <a:ext cx="0" cy="0"/>
+          <a:chOff x="0" y="0"/>
+          <a:chExt cx="0" cy="0"/>
+        </a:xfrm>
+      </p:grpSpPr>
+      <p:sp>
+        <p:nvSpPr>
+          <p:cNvPr id="2" name="Title 1"/>
+          <p:cNvSpPr>
+            <a:spLocks noGrp="1"/>
+          </p:cNvSpPr>
+          <p:nvPr>
+            <p:ph type="title"/>
+          </p:nvPr>
+        </p:nvSpPr>
+        <p:spPr/>
+        <p:txBody>
+          <a:bodyPr/>
+          <a:lstStyle/>
+          <a:p>
+            <a:r>
+              <a:rPr lang="en-US" dirty="0"/>
+              <a:t>Rust 2017 Survey </a:t>
+            </a:r>
+            <a:r>
+              <a:rPr lang="en-US" dirty="0" smtClean="0"/>
+              <a:t>Results</a:t>
+            </a:r>
+            <a:endParaRPr lang="en-US" dirty="0"/>
+          </a:p>
+        </p:txBody>
+      </p:sp>
+      <p:pic>
+        <p:nvPicPr>
+          <p:cNvPr id="4" name="Content Placeholder 3"/>
+          <p:cNvPicPr>
+            <a:picLocks noGrp="1" noChangeAspect="1"/>
+          </p:cNvPicPr>
+          <p:nvPr>
+            <p:ph idx="1"/>
+          </p:nvPr>
+        </p:nvPicPr>
+        <p:blipFill>
+          <a:blip r:embed="rId2">
+            <a:extLst>
+              <a:ext uri="{28A0092B-C50C-407E-A947-70E740481C1C}">
+                <a14:useLocalDpi xmlns:a14="http://schemas.microsoft.com/office/drawing/2010/main" val="0"/>
+              </a:ext>
+            </a:extLst>
+          </a:blip>
+          <a:stretch>
+            <a:fillRect/>
+          </a:stretch>
+        </p:blipFill>
+        <p:spPr>
+          <a:xfrm>
+            <a:off x="1418491" y="1825625"/>
+            <a:ext cx="9355018" cy="4351338"/>
+          </a:xfrm>
+        </p:spPr>
+      </p:pic>
+      <p:sp>
+        <p:nvSpPr>
+          <p:cNvPr id="5" name="TextBox 4"/>
+          <p:cNvSpPr txBox="1"/>
+          <p:nvPr/>
+        </p:nvSpPr>
+        <p:spPr>
+          <a:xfrm>
+            <a:off x="2619022" y="6311900"/>
+            <a:ext cx="6013185" cy="338554"/>
+          </a:xfrm>
+          <a:prstGeom prst="rect">
+            <a:avLst/>
+          </a:prstGeom>
+          <a:noFill/>
+        </p:spPr>
+        <p:txBody>
+          <a:bodyPr wrap="none" rtlCol="0">
+            <a:spAutoFit/>
+          </a:bodyPr>
+          <a:lstStyle/>
+          <a:p>
+            <a:r>
+              <a:rPr lang="en-US" sz="1600" dirty="0"/>
+              <a:t>https://blog.rust-lang.org/2017/09/05/Rust-2017-Survey-Results.html</a:t>
+            </a:r>
+          </a:p>
+        </p:txBody>
+      </p:sp>
+    </p:spTree>
+    <p:extLst>
+      <p:ext uri="{BB962C8B-B14F-4D97-AF65-F5344CB8AC3E}">
+        <p14:creationId xmlns:p14="http://schemas.microsoft.com/office/powerpoint/2010/main" val="1802522271"/>
+      </p:ext>
+    </p:extLst>
+  </p:cSld>
+  <p:clrMapOvr>
+    <a:masterClrMapping/>
+  </p:clrMapOvr>
+  <p:timing>
+    <p:tnLst>
+      <p:par>
+        <p:cTn id="1" dur="indefinite" restart="never" nodeType="tmRoot"/>
+      </p:par>
+    </p:tnLst>
+  </p:timing>
+</p:sld>
+</file>
+
+<file path=ppt/slides/slide50.xml><?xml version="1.0" encoding="utf-8"?>
 <p:sld xmlns:a="http://schemas.openxmlformats.org/drawingml/2006/main" xmlns:r="http://schemas.openxmlformats.org/officeDocument/2006/relationships" xmlns:p="http://schemas.openxmlformats.org/presentationml/2006/main">
   <p:cSld>
     <p:spTree>
@@ -9115,82 +15024,6 @@
   <p:clrMapOvr>
     <a:masterClrMapping/>
   </p:clrMapOvr>
-</p:sld>
-</file>
-
-<file path=ppt/slides/slide2.xml><?xml version="1.0" encoding="utf-8"?>
-<p:sld xmlns:a="http://schemas.openxmlformats.org/drawingml/2006/main" xmlns:r="http://schemas.openxmlformats.org/officeDocument/2006/relationships" xmlns:p="http://schemas.openxmlformats.org/presentationml/2006/main">
-  <p:cSld>
-    <p:spTree>
-      <p:nvGrpSpPr>
-        <p:cNvPr id="1" name=""/>
-        <p:cNvGrpSpPr/>
-        <p:nvPr/>
-      </p:nvGrpSpPr>
-      <p:grpSpPr>
-        <a:xfrm>
-          <a:off x="0" y="0"/>
-          <a:ext cx="0" cy="0"/>
-          <a:chOff x="0" y="0"/>
-          <a:chExt cx="0" cy="0"/>
-        </a:xfrm>
-      </p:grpSpPr>
-      <p:sp>
-        <p:nvSpPr>
-          <p:cNvPr id="4" name="Заголовок 3"/>
-          <p:cNvSpPr>
-            <a:spLocks noGrp="1"/>
-          </p:cNvSpPr>
-          <p:nvPr>
-            <p:ph type="ctrTitle"/>
-          </p:nvPr>
-        </p:nvSpPr>
-        <p:spPr/>
-        <p:txBody>
-          <a:bodyPr/>
-          <a:lstStyle/>
-          <a:p>
-            <a:r>
-              <a:rPr lang="en-US" dirty="0"/>
-              <a:t> #</a:t>
-            </a:r>
-            <a:r>
-              <a:rPr lang="en-US" dirty="0" err="1"/>
-              <a:t>notforenterprisedevelopers</a:t>
-            </a:r>
-            <a:endParaRPr lang="ru-RU" dirty="0"/>
-          </a:p>
-        </p:txBody>
-      </p:sp>
-      <p:sp>
-        <p:nvSpPr>
-          <p:cNvPr id="5" name="Подзаголовок 4"/>
-          <p:cNvSpPr>
-            <a:spLocks noGrp="1"/>
-          </p:cNvSpPr>
-          <p:nvPr>
-            <p:ph type="subTitle" idx="1"/>
-          </p:nvPr>
-        </p:nvSpPr>
-        <p:spPr/>
-        <p:txBody>
-          <a:bodyPr/>
-          <a:lstStyle/>
-          <a:p>
-            <a:endParaRPr lang="ru-RU"/>
-          </a:p>
-        </p:txBody>
-      </p:sp>
-    </p:spTree>
-    <p:extLst>
-      <p:ext uri="{BB962C8B-B14F-4D97-AF65-F5344CB8AC3E}">
-        <p14:creationId xmlns:p14="http://schemas.microsoft.com/office/powerpoint/2010/main" val="1586050571"/>
-      </p:ext>
-    </p:extLst>
-  </p:cSld>
-  <p:clrMapOvr>
-    <a:masterClrMapping/>
-  </p:clrMapOvr>
   <p:timing>
     <p:tnLst>
       <p:par>
@@ -9201,7 +15034,7 @@
 </p:sld>
 </file>
 
-<file path=ppt/slides/slide20.xml><?xml version="1.0" encoding="utf-8"?>
+<file path=ppt/slides/slide51.xml><?xml version="1.0" encoding="utf-8"?>
 <p:sld xmlns:a="http://schemas.openxmlformats.org/drawingml/2006/main" xmlns:r="http://schemas.openxmlformats.org/officeDocument/2006/relationships" xmlns:p="http://schemas.openxmlformats.org/presentationml/2006/main">
   <p:cSld>
     <p:spTree>
@@ -9375,10 +15208,17 @@
   <p:clrMapOvr>
     <a:masterClrMapping/>
   </p:clrMapOvr>
+  <p:timing>
+    <p:tnLst>
+      <p:par>
+        <p:cTn id="1" dur="indefinite" restart="never" nodeType="tmRoot"/>
+      </p:par>
+    </p:tnLst>
+  </p:timing>
 </p:sld>
 </file>
 
-<file path=ppt/slides/slide21.xml><?xml version="1.0" encoding="utf-8"?>
+<file path=ppt/slides/slide52.xml><?xml version="1.0" encoding="utf-8"?>
 <p:sld xmlns:a="http://schemas.openxmlformats.org/drawingml/2006/main" xmlns:r="http://schemas.openxmlformats.org/officeDocument/2006/relationships" xmlns:p="http://schemas.openxmlformats.org/presentationml/2006/main">
   <p:cSld>
     <p:spTree>
@@ -9468,7 +15308,7 @@
 </p:sld>
 </file>
 
-<file path=ppt/slides/slide22.xml><?xml version="1.0" encoding="utf-8"?>
+<file path=ppt/slides/slide53.xml><?xml version="1.0" encoding="utf-8"?>
 <p:sld xmlns:a="http://schemas.openxmlformats.org/drawingml/2006/main" xmlns:r="http://schemas.openxmlformats.org/officeDocument/2006/relationships" xmlns:p="http://schemas.openxmlformats.org/presentationml/2006/main">
   <p:cSld>
     <p:spTree>
@@ -9627,7 +15467,7 @@
 </p:sld>
 </file>
 
-<file path=ppt/slides/slide23.xml><?xml version="1.0" encoding="utf-8"?>
+<file path=ppt/slides/slide54.xml><?xml version="1.0" encoding="utf-8"?>
 <p:sld xmlns:a="http://schemas.openxmlformats.org/drawingml/2006/main" xmlns:r="http://schemas.openxmlformats.org/officeDocument/2006/relationships" xmlns:p="http://schemas.openxmlformats.org/presentationml/2006/main">
   <p:cSld>
     <p:spTree>
@@ -9766,7 +15606,7 @@
 </p:sld>
 </file>
 
-<file path=ppt/slides/slide24.xml><?xml version="1.0" encoding="utf-8"?>
+<file path=ppt/slides/slide55.xml><?xml version="1.0" encoding="utf-8"?>
 <p:sld xmlns:a="http://schemas.openxmlformats.org/drawingml/2006/main" xmlns:r="http://schemas.openxmlformats.org/officeDocument/2006/relationships" xmlns:p="http://schemas.openxmlformats.org/presentationml/2006/main">
   <p:cSld>
     <p:spTree>
@@ -10087,7 +15927,7 @@
 </p:sld>
 </file>
 
-<file path=ppt/slides/slide25.xml><?xml version="1.0" encoding="utf-8"?>
+<file path=ppt/slides/slide56.xml><?xml version="1.0" encoding="utf-8"?>
 <p:sld xmlns:a="http://schemas.openxmlformats.org/drawingml/2006/main" xmlns:r="http://schemas.openxmlformats.org/officeDocument/2006/relationships" xmlns:p="http://schemas.openxmlformats.org/presentationml/2006/main">
   <p:cSld>
     <p:spTree>
@@ -10319,7 +16159,7 @@
 </p:sld>
 </file>
 
-<file path=ppt/slides/slide26.xml><?xml version="1.0" encoding="utf-8"?>
+<file path=ppt/slides/slide57.xml><?xml version="1.0" encoding="utf-8"?>
 <p:sld xmlns:a="http://schemas.openxmlformats.org/drawingml/2006/main" xmlns:r="http://schemas.openxmlformats.org/officeDocument/2006/relationships" xmlns:p="http://schemas.openxmlformats.org/presentationml/2006/main">
   <p:cSld>
     <p:spTree>
@@ -10467,7 +16307,7 @@
 </p:sld>
 </file>
 
-<file path=ppt/slides/slide27.xml><?xml version="1.0" encoding="utf-8"?>
+<file path=ppt/slides/slide58.xml><?xml version="1.0" encoding="utf-8"?>
 <p:sld xmlns:a="http://schemas.openxmlformats.org/drawingml/2006/main" xmlns:r="http://schemas.openxmlformats.org/officeDocument/2006/relationships" xmlns:p="http://schemas.openxmlformats.org/presentationml/2006/main">
   <p:cSld>
     <p:spTree>
@@ -10626,7 +16466,7 @@
 </p:sld>
 </file>
 
-<file path=ppt/slides/slide28.xml><?xml version="1.0" encoding="utf-8"?>
+<file path=ppt/slides/slide59.xml><?xml version="1.0" encoding="utf-8"?>
 <p:sld xmlns:a="http://schemas.openxmlformats.org/drawingml/2006/main" xmlns:r="http://schemas.openxmlformats.org/officeDocument/2006/relationships" xmlns:p="http://schemas.openxmlformats.org/presentationml/2006/main">
   <p:cSld>
     <p:spTree>
@@ -10670,7 +16510,6 @@
               <a:rPr lang="en-US" dirty="0"/>
               <a:t>-loader </a:t>
             </a:r>
-            <a:endParaRPr lang="en-US" dirty="0"/>
           </a:p>
         </p:txBody>
       </p:sp>
@@ -10753,545 +16592,7 @@
 </p:sld>
 </file>
 
-<file path=ppt/slides/slide29.xml><?xml version="1.0" encoding="utf-8"?>
-<p:sld xmlns:a="http://schemas.openxmlformats.org/drawingml/2006/main" xmlns:r="http://schemas.openxmlformats.org/officeDocument/2006/relationships" xmlns:p="http://schemas.openxmlformats.org/presentationml/2006/main">
-  <p:cSld>
-    <p:spTree>
-      <p:nvGrpSpPr>
-        <p:cNvPr id="1" name=""/>
-        <p:cNvGrpSpPr/>
-        <p:nvPr/>
-      </p:nvGrpSpPr>
-      <p:grpSpPr>
-        <a:xfrm>
-          <a:off x="0" y="0"/>
-          <a:ext cx="0" cy="0"/>
-          <a:chOff x="0" y="0"/>
-          <a:chExt cx="0" cy="0"/>
-        </a:xfrm>
-      </p:grpSpPr>
-      <p:sp>
-        <p:nvSpPr>
-          <p:cNvPr id="2" name="Заголовок 1"/>
-          <p:cNvSpPr>
-            <a:spLocks noGrp="1"/>
-          </p:cNvSpPr>
-          <p:nvPr>
-            <p:ph type="title"/>
-          </p:nvPr>
-        </p:nvSpPr>
-        <p:spPr/>
-        <p:txBody>
-          <a:bodyPr/>
-          <a:lstStyle/>
-          <a:p>
-            <a:r>
-              <a:rPr lang="ru-RU" dirty="0" smtClean="0"/>
-              <a:t>Присоединяйтесь</a:t>
-            </a:r>
-            <a:endParaRPr lang="ru-RU" dirty="0"/>
-          </a:p>
-        </p:txBody>
-      </p:sp>
-      <p:sp>
-        <p:nvSpPr>
-          <p:cNvPr id="3" name="Объект 2"/>
-          <p:cNvSpPr>
-            <a:spLocks noGrp="1"/>
-          </p:cNvSpPr>
-          <p:nvPr>
-            <p:ph idx="1"/>
-          </p:nvPr>
-        </p:nvSpPr>
-        <p:spPr/>
-        <p:txBody>
-          <a:bodyPr>
-            <a:normAutofit/>
-          </a:bodyPr>
-          <a:lstStyle/>
-          <a:p>
-            <a:pPr marL="0" indent="0">
-              <a:buNone/>
-            </a:pPr>
-            <a:endParaRPr lang="en-US" dirty="0" smtClean="0">
-              <a:hlinkClick r:id="rId2"/>
-            </a:endParaRPr>
-          </a:p>
-          <a:p>
-            <a:pPr marL="0" indent="0">
-              <a:buNone/>
-            </a:pPr>
-            <a:r>
-              <a:rPr lang="en-US" dirty="0" smtClean="0">
-                <a:hlinkClick r:id="rId2"/>
-              </a:rPr>
-              <a:t>https</a:t>
-            </a:r>
-            <a:r>
-              <a:rPr lang="en-US" dirty="0">
-                <a:hlinkClick r:id="rId2"/>
-              </a:rPr>
-              <a:t>://</a:t>
-            </a:r>
-            <a:r>
-              <a:rPr lang="en-US" dirty="0" smtClean="0">
-                <a:hlinkClick r:id="rId2"/>
-              </a:rPr>
-              <a:t>github.com/AGanyushkin/teraflops</a:t>
-            </a:r>
-            <a:endParaRPr lang="ru-RU" dirty="0" smtClean="0"/>
-          </a:p>
-          <a:p>
-            <a:pPr marL="0" indent="0">
-              <a:buNone/>
-            </a:pPr>
-            <a:endParaRPr lang="en-US" dirty="0" smtClean="0"/>
-          </a:p>
-          <a:p>
-            <a:pPr marL="0" indent="0">
-              <a:buNone/>
-            </a:pPr>
-            <a:endParaRPr lang="en-US" dirty="0" smtClean="0"/>
-          </a:p>
-          <a:p>
-            <a:pPr marL="0" indent="0">
-              <a:buNone/>
-            </a:pPr>
-            <a:r>
-              <a:rPr lang="en-US" sz="1200" dirty="0">
-                <a:hlinkClick r:id="rId3"/>
-              </a:rPr>
-              <a:t>https://habrahabr.ru/post/325008</a:t>
-            </a:r>
-            <a:r>
-              <a:rPr lang="en-US" sz="1200" dirty="0" smtClean="0">
-                <a:hlinkClick r:id="rId3"/>
-              </a:rPr>
-              <a:t>/</a:t>
-            </a:r>
-            <a:endParaRPr lang="en-US" sz="1200" dirty="0" smtClean="0"/>
-          </a:p>
-          <a:p>
-            <a:pPr marL="0" indent="0">
-              <a:buNone/>
-            </a:pPr>
-            <a:r>
-              <a:rPr lang="en-US" sz="1200" dirty="0">
-                <a:hlinkClick r:id="rId4"/>
-              </a:rPr>
-              <a:t>https://crates.io</a:t>
-            </a:r>
-            <a:r>
-              <a:rPr lang="en-US" sz="1200" dirty="0" smtClean="0">
-                <a:hlinkClick r:id="rId4"/>
-              </a:rPr>
-              <a:t>/</a:t>
-            </a:r>
-            <a:endParaRPr lang="en-US" sz="1200" dirty="0" smtClean="0"/>
-          </a:p>
-          <a:p>
-            <a:pPr marL="0" indent="0">
-              <a:buNone/>
-            </a:pPr>
-            <a:r>
-              <a:rPr lang="en-US" sz="1200" dirty="0">
-                <a:hlinkClick r:id="rId5"/>
-              </a:rPr>
-              <a:t>https://</a:t>
-            </a:r>
-            <a:r>
-              <a:rPr lang="en-US" sz="1200" dirty="0" smtClean="0">
-                <a:hlinkClick r:id="rId5"/>
-              </a:rPr>
-              <a:t>hackernoon.com/compiling-rust-to-webassembly-guide-411066a69fde</a:t>
-            </a:r>
-            <a:endParaRPr lang="en-US" sz="1200" dirty="0" smtClean="0"/>
-          </a:p>
-          <a:p>
-            <a:pPr marL="0" indent="0">
-              <a:buNone/>
-            </a:pPr>
-            <a:r>
-              <a:rPr lang="en-US" sz="1200" dirty="0">
-                <a:hlinkClick r:id="rId6"/>
-              </a:rPr>
-              <a:t>https://medium.com/@</a:t>
-            </a:r>
-            <a:r>
-              <a:rPr lang="en-US" sz="1200" dirty="0" smtClean="0">
-                <a:hlinkClick r:id="rId6"/>
-              </a:rPr>
-              <a:t>ianjsikes/get-started-with-rust-webassembly-and-webpack-58d28e219635</a:t>
-            </a:r>
-            <a:endParaRPr lang="en-US" sz="1200" dirty="0"/>
-          </a:p>
-          <a:p>
-            <a:pPr marL="0" indent="0">
-              <a:buNone/>
-            </a:pPr>
-            <a:r>
-              <a:rPr lang="en-US" sz="1200" dirty="0">
-                <a:hlinkClick r:id="rId7"/>
-              </a:rPr>
-              <a:t>http://asquera.de/blog/2017-04-10/the-path-to-rust-on-the-web</a:t>
-            </a:r>
-            <a:r>
-              <a:rPr lang="en-US" sz="1200" dirty="0">
-                <a:hlinkClick r:id="rId7"/>
-              </a:rPr>
-              <a:t>/</a:t>
-            </a:r>
-            <a:endParaRPr lang="en-US" sz="1200" dirty="0"/>
-          </a:p>
-          <a:p>
-            <a:pPr marL="0" indent="0">
-              <a:buNone/>
-            </a:pPr>
-            <a:endParaRPr lang="ru-RU" dirty="0"/>
-          </a:p>
-        </p:txBody>
-      </p:sp>
-    </p:spTree>
-    <p:extLst>
-      <p:ext uri="{BB962C8B-B14F-4D97-AF65-F5344CB8AC3E}">
-        <p14:creationId xmlns:p14="http://schemas.microsoft.com/office/powerpoint/2010/main" val="230223974"/>
-      </p:ext>
-    </p:extLst>
-  </p:cSld>
-  <p:clrMapOvr>
-    <a:masterClrMapping/>
-  </p:clrMapOvr>
-  <p:timing>
-    <p:tnLst>
-      <p:par>
-        <p:cTn id="1" dur="indefinite" restart="never" nodeType="tmRoot"/>
-      </p:par>
-    </p:tnLst>
-  </p:timing>
-</p:sld>
-</file>
-
-<file path=ppt/slides/slide3.xml><?xml version="1.0" encoding="utf-8"?>
-<p:sld xmlns:a="http://schemas.openxmlformats.org/drawingml/2006/main" xmlns:r="http://schemas.openxmlformats.org/officeDocument/2006/relationships" xmlns:p="http://schemas.openxmlformats.org/presentationml/2006/main">
-  <p:cSld>
-    <p:spTree>
-      <p:nvGrpSpPr>
-        <p:cNvPr id="1" name=""/>
-        <p:cNvGrpSpPr/>
-        <p:nvPr/>
-      </p:nvGrpSpPr>
-      <p:grpSpPr>
-        <a:xfrm>
-          <a:off x="0" y="0"/>
-          <a:ext cx="0" cy="0"/>
-          <a:chOff x="0" y="0"/>
-          <a:chExt cx="0" cy="0"/>
-        </a:xfrm>
-      </p:grpSpPr>
-      <p:sp>
-        <p:nvSpPr>
-          <p:cNvPr id="2" name="Заголовок 1"/>
-          <p:cNvSpPr>
-            <a:spLocks noGrp="1"/>
-          </p:cNvSpPr>
-          <p:nvPr>
-            <p:ph type="title"/>
-          </p:nvPr>
-        </p:nvSpPr>
-        <p:spPr/>
-        <p:txBody>
-          <a:bodyPr/>
-          <a:lstStyle/>
-          <a:p>
-            <a:r>
-              <a:rPr lang="en-US" dirty="0" smtClean="0"/>
-              <a:t>For what</a:t>
-            </a:r>
-            <a:r>
-              <a:rPr lang="ru-RU" dirty="0" smtClean="0"/>
-              <a:t>?</a:t>
-            </a:r>
-            <a:endParaRPr lang="ru-RU" dirty="0"/>
-          </a:p>
-        </p:txBody>
-      </p:sp>
-      <p:sp>
-        <p:nvSpPr>
-          <p:cNvPr id="3" name="Объект 2"/>
-          <p:cNvSpPr>
-            <a:spLocks noGrp="1"/>
-          </p:cNvSpPr>
-          <p:nvPr>
-            <p:ph idx="1"/>
-          </p:nvPr>
-        </p:nvSpPr>
-        <p:spPr/>
-        <p:txBody>
-          <a:bodyPr>
-            <a:normAutofit/>
-          </a:bodyPr>
-          <a:lstStyle/>
-          <a:p>
-            <a:r>
-              <a:rPr lang="en-US" dirty="0"/>
-              <a:t>a bit of </a:t>
-            </a:r>
-            <a:r>
-              <a:rPr lang="en-US" dirty="0" smtClean="0"/>
-              <a:t>history</a:t>
-            </a:r>
-          </a:p>
-          <a:p>
-            <a:r>
-              <a:rPr lang="en-US" dirty="0" smtClean="0"/>
-              <a:t>about </a:t>
-            </a:r>
-            <a:r>
-              <a:rPr lang="en-US" dirty="0"/>
-              <a:t>rust language, why it is simple, convenient, </a:t>
-            </a:r>
-            <a:r>
-              <a:rPr lang="en-US" dirty="0" smtClean="0"/>
-              <a:t>safe</a:t>
-            </a:r>
-          </a:p>
-          <a:p>
-            <a:r>
-              <a:rPr lang="en-US" dirty="0" smtClean="0"/>
-              <a:t>rust infrastructure</a:t>
-            </a:r>
-          </a:p>
-          <a:p>
-            <a:r>
-              <a:rPr lang="en-US" dirty="0" smtClean="0"/>
-              <a:t>rust </a:t>
-            </a:r>
-            <a:r>
-              <a:rPr lang="en-US" dirty="0"/>
-              <a:t>for </a:t>
-            </a:r>
-            <a:r>
-              <a:rPr lang="en-US" dirty="0" err="1"/>
-              <a:t>webassembly</a:t>
-            </a:r>
-            <a:r>
-              <a:rPr lang="en-US" dirty="0"/>
-              <a:t>. </a:t>
-            </a:r>
-            <a:r>
-              <a:rPr lang="en-US" dirty="0" err="1"/>
-              <a:t>llvm</a:t>
-            </a:r>
-            <a:r>
-              <a:rPr lang="en-US" dirty="0"/>
-              <a:t>, safe web and so </a:t>
-            </a:r>
-            <a:r>
-              <a:rPr lang="en-US" dirty="0" smtClean="0"/>
-              <a:t>on</a:t>
-            </a:r>
-          </a:p>
-          <a:p>
-            <a:endParaRPr lang="ru-RU" dirty="0"/>
-          </a:p>
-        </p:txBody>
-      </p:sp>
-    </p:spTree>
-    <p:extLst>
-      <p:ext uri="{BB962C8B-B14F-4D97-AF65-F5344CB8AC3E}">
-        <p14:creationId xmlns:p14="http://schemas.microsoft.com/office/powerpoint/2010/main" val="2762065396"/>
-      </p:ext>
-    </p:extLst>
-  </p:cSld>
-  <p:clrMapOvr>
-    <a:masterClrMapping/>
-  </p:clrMapOvr>
-  <p:timing>
-    <p:tnLst>
-      <p:par>
-        <p:cTn id="1" dur="indefinite" restart="never" nodeType="tmRoot"/>
-      </p:par>
-    </p:tnLst>
-  </p:timing>
-</p:sld>
-</file>
-
-<file path=ppt/slides/slide30.xml><?xml version="1.0" encoding="utf-8"?>
-<p:sld xmlns:a="http://schemas.openxmlformats.org/drawingml/2006/main" xmlns:r="http://schemas.openxmlformats.org/officeDocument/2006/relationships" xmlns:p="http://schemas.openxmlformats.org/presentationml/2006/main">
-  <p:cSld>
-    <p:spTree>
-      <p:nvGrpSpPr>
-        <p:cNvPr id="1" name=""/>
-        <p:cNvGrpSpPr/>
-        <p:nvPr/>
-      </p:nvGrpSpPr>
-      <p:grpSpPr>
-        <a:xfrm>
-          <a:off x="0" y="0"/>
-          <a:ext cx="0" cy="0"/>
-          <a:chOff x="0" y="0"/>
-          <a:chExt cx="0" cy="0"/>
-        </a:xfrm>
-      </p:grpSpPr>
-      <p:sp>
-        <p:nvSpPr>
-          <p:cNvPr id="4" name="Заголовок 3"/>
-          <p:cNvSpPr>
-            <a:spLocks noGrp="1"/>
-          </p:cNvSpPr>
-          <p:nvPr>
-            <p:ph type="ctrTitle"/>
-          </p:nvPr>
-        </p:nvSpPr>
-        <p:spPr/>
-        <p:txBody>
-          <a:bodyPr/>
-          <a:lstStyle/>
-          <a:p>
-            <a:r>
-              <a:rPr lang="ru-RU" dirty="0" smtClean="0"/>
-              <a:t>Спасибо!</a:t>
-            </a:r>
-            <a:endParaRPr lang="ru-RU" dirty="0"/>
-          </a:p>
-        </p:txBody>
-      </p:sp>
-    </p:spTree>
-    <p:extLst>
-      <p:ext uri="{BB962C8B-B14F-4D97-AF65-F5344CB8AC3E}">
-        <p14:creationId xmlns:p14="http://schemas.microsoft.com/office/powerpoint/2010/main" val="574702054"/>
-      </p:ext>
-    </p:extLst>
-  </p:cSld>
-  <p:clrMapOvr>
-    <a:masterClrMapping/>
-  </p:clrMapOvr>
-  <p:timing>
-    <p:tnLst>
-      <p:par>
-        <p:cTn id="1" dur="indefinite" restart="never" nodeType="tmRoot"/>
-      </p:par>
-    </p:tnLst>
-  </p:timing>
-</p:sld>
-</file>
-
-<file path=ppt/slides/slide4.xml><?xml version="1.0" encoding="utf-8"?>
-<p:sld xmlns:a="http://schemas.openxmlformats.org/drawingml/2006/main" xmlns:r="http://schemas.openxmlformats.org/officeDocument/2006/relationships" xmlns:p="http://schemas.openxmlformats.org/presentationml/2006/main">
-  <p:cSld>
-    <p:spTree>
-      <p:nvGrpSpPr>
-        <p:cNvPr id="1" name=""/>
-        <p:cNvGrpSpPr/>
-        <p:nvPr/>
-      </p:nvGrpSpPr>
-      <p:grpSpPr>
-        <a:xfrm>
-          <a:off x="0" y="0"/>
-          <a:ext cx="0" cy="0"/>
-          <a:chOff x="0" y="0"/>
-          <a:chExt cx="0" cy="0"/>
-        </a:xfrm>
-      </p:grpSpPr>
-      <p:sp>
-        <p:nvSpPr>
-          <p:cNvPr id="2" name="Title 1"/>
-          <p:cNvSpPr>
-            <a:spLocks noGrp="1"/>
-          </p:cNvSpPr>
-          <p:nvPr>
-            <p:ph type="title"/>
-          </p:nvPr>
-        </p:nvSpPr>
-        <p:spPr/>
-        <p:txBody>
-          <a:bodyPr/>
-          <a:lstStyle/>
-          <a:p>
-            <a:r>
-              <a:rPr lang="en-US" dirty="0"/>
-              <a:t>Rust 2017 Survey </a:t>
-            </a:r>
-            <a:r>
-              <a:rPr lang="en-US" dirty="0" smtClean="0"/>
-              <a:t>Results</a:t>
-            </a:r>
-            <a:endParaRPr lang="en-US" dirty="0"/>
-          </a:p>
-        </p:txBody>
-      </p:sp>
-      <p:pic>
-        <p:nvPicPr>
-          <p:cNvPr id="4" name="Content Placeholder 3"/>
-          <p:cNvPicPr>
-            <a:picLocks noGrp="1" noChangeAspect="1"/>
-          </p:cNvPicPr>
-          <p:nvPr>
-            <p:ph idx="1"/>
-          </p:nvPr>
-        </p:nvPicPr>
-        <p:blipFill>
-          <a:blip r:embed="rId2">
-            <a:extLst>
-              <a:ext uri="{28A0092B-C50C-407E-A947-70E740481C1C}">
-                <a14:useLocalDpi xmlns:a14="http://schemas.microsoft.com/office/drawing/2010/main" val="0"/>
-              </a:ext>
-            </a:extLst>
-          </a:blip>
-          <a:stretch>
-            <a:fillRect/>
-          </a:stretch>
-        </p:blipFill>
-        <p:spPr>
-          <a:xfrm>
-            <a:off x="1418491" y="1825625"/>
-            <a:ext cx="9355018" cy="4351338"/>
-          </a:xfrm>
-        </p:spPr>
-      </p:pic>
-      <p:sp>
-        <p:nvSpPr>
-          <p:cNvPr id="5" name="TextBox 4"/>
-          <p:cNvSpPr txBox="1"/>
-          <p:nvPr/>
-        </p:nvSpPr>
-        <p:spPr>
-          <a:xfrm>
-            <a:off x="2619022" y="6311900"/>
-            <a:ext cx="6013185" cy="338554"/>
-          </a:xfrm>
-          <a:prstGeom prst="rect">
-            <a:avLst/>
-          </a:prstGeom>
-          <a:noFill/>
-        </p:spPr>
-        <p:txBody>
-          <a:bodyPr wrap="none" rtlCol="0">
-            <a:spAutoFit/>
-          </a:bodyPr>
-          <a:lstStyle/>
-          <a:p>
-            <a:r>
-              <a:rPr lang="en-US" sz="1600" dirty="0"/>
-              <a:t>https://blog.rust-lang.org/2017/09/05/Rust-2017-Survey-Results.html</a:t>
-            </a:r>
-          </a:p>
-        </p:txBody>
-      </p:sp>
-    </p:spTree>
-    <p:extLst>
-      <p:ext uri="{BB962C8B-B14F-4D97-AF65-F5344CB8AC3E}">
-        <p14:creationId xmlns:p14="http://schemas.microsoft.com/office/powerpoint/2010/main" val="1802522271"/>
-      </p:ext>
-    </p:extLst>
-  </p:cSld>
-  <p:clrMapOvr>
-    <a:masterClrMapping/>
-  </p:clrMapOvr>
-</p:sld>
-</file>
-
-<file path=ppt/slides/slide5.xml><?xml version="1.0" encoding="utf-8"?>
+<file path=ppt/slides/slide6.xml><?xml version="1.0" encoding="utf-8"?>
 <p:sld xmlns:a="http://schemas.openxmlformats.org/drawingml/2006/main" xmlns:r="http://schemas.openxmlformats.org/officeDocument/2006/relationships" xmlns:p="http://schemas.openxmlformats.org/presentationml/2006/main">
   <p:cSld>
     <p:spTree>
@@ -11403,10 +16704,17 @@
   <p:clrMapOvr>
     <a:masterClrMapping/>
   </p:clrMapOvr>
+  <p:timing>
+    <p:tnLst>
+      <p:par>
+        <p:cTn id="1" dur="indefinite" restart="never" nodeType="tmRoot"/>
+      </p:par>
+    </p:tnLst>
+  </p:timing>
 </p:sld>
 </file>
 
-<file path=ppt/slides/slide6.xml><?xml version="1.0" encoding="utf-8"?>
+<file path=ppt/slides/slide60.xml><?xml version="1.0" encoding="utf-8"?>
 <p:sld xmlns:a="http://schemas.openxmlformats.org/drawingml/2006/main" xmlns:r="http://schemas.openxmlformats.org/officeDocument/2006/relationships" xmlns:p="http://schemas.openxmlformats.org/presentationml/2006/main">
   <p:cSld>
     <p:spTree>
@@ -11425,7 +16733,7 @@
       </p:grpSpPr>
       <p:sp>
         <p:nvSpPr>
-          <p:cNvPr id="2" name="Title 1"/>
+          <p:cNvPr id="2" name="Заголовок 1"/>
           <p:cNvSpPr>
             <a:spLocks noGrp="1"/>
           </p:cNvSpPr>
@@ -11439,16 +16747,16 @@
           <a:lstStyle/>
           <a:p>
             <a:r>
-              <a:rPr lang="en-US" dirty="0" smtClean="0"/>
-              <a:t>History</a:t>
-            </a:r>
-            <a:endParaRPr lang="en-US" dirty="0"/>
+              <a:rPr lang="ru-RU" dirty="0" smtClean="0"/>
+              <a:t>Присоединяйтесь</a:t>
+            </a:r>
+            <a:endParaRPr lang="ru-RU" dirty="0"/>
           </a:p>
         </p:txBody>
       </p:sp>
       <p:sp>
         <p:nvSpPr>
-          <p:cNvPr id="3" name="Content Placeholder 2"/>
+          <p:cNvPr id="3" name="Объект 2"/>
           <p:cNvSpPr>
             <a:spLocks noGrp="1"/>
           </p:cNvSpPr>
@@ -11458,76 +16766,223 @@
         </p:nvSpPr>
         <p:spPr/>
         <p:txBody>
-          <a:bodyPr/>
+          <a:bodyPr>
+            <a:normAutofit/>
+          </a:bodyPr>
           <a:lstStyle/>
           <a:p>
-            <a:r>
-              <a:rPr lang="en-US" dirty="0"/>
-              <a:t>2006 project started by </a:t>
-            </a:r>
-            <a:r>
-              <a:rPr lang="en-US" dirty="0" err="1"/>
-              <a:t>Graydon</a:t>
-            </a:r>
-            <a:r>
-              <a:rPr lang="en-US" dirty="0"/>
-              <a:t> Hoare</a:t>
-            </a:r>
-          </a:p>
-          <a:p>
-            <a:r>
-              <a:rPr lang="en-US" dirty="0"/>
-              <a:t>2009 Mozilla began sponsoring the project</a:t>
-            </a:r>
-          </a:p>
-          <a:p>
-            <a:r>
-              <a:rPr lang="en-US" dirty="0"/>
-              <a:t>2010 Mozilla announced it</a:t>
-            </a:r>
-          </a:p>
-          <a:p>
-            <a:r>
-              <a:rPr lang="en-US" dirty="0"/>
-              <a:t>2011 Rust successfully compiled itself</a:t>
-            </a:r>
-          </a:p>
-          <a:p>
-            <a:r>
-              <a:rPr lang="en-US" dirty="0"/>
-              <a:t>2012 pre-alpha release</a:t>
-            </a:r>
-          </a:p>
-          <a:p>
-            <a:r>
-              <a:rPr lang="en-US" dirty="0"/>
-              <a:t>2013 v0.6 &amp; Mozilla in Servo (Samsung project)</a:t>
-            </a:r>
-          </a:p>
-          <a:p>
-            <a:r>
-              <a:rPr lang="en-US" dirty="0"/>
-              <a:t>2015 - Rust 1.0</a:t>
-            </a:r>
-          </a:p>
-          <a:p>
-            <a:r>
-              <a:rPr lang="en-US" dirty="0"/>
-              <a:t>2017.09.31 - Rust v1.20</a:t>
-            </a:r>
+            <a:pPr marL="0" indent="0">
+              <a:buNone/>
+            </a:pPr>
+            <a:endParaRPr lang="en-US" dirty="0" smtClean="0">
+              <a:hlinkClick r:id="rId2"/>
+            </a:endParaRPr>
+          </a:p>
+          <a:p>
+            <a:pPr marL="0" indent="0">
+              <a:buNone/>
+            </a:pPr>
+            <a:r>
+              <a:rPr lang="en-US" dirty="0" smtClean="0">
+                <a:hlinkClick r:id="rId2"/>
+              </a:rPr>
+              <a:t>https</a:t>
+            </a:r>
+            <a:r>
+              <a:rPr lang="en-US" dirty="0">
+                <a:hlinkClick r:id="rId2"/>
+              </a:rPr>
+              <a:t>://</a:t>
+            </a:r>
+            <a:r>
+              <a:rPr lang="en-US" dirty="0" smtClean="0">
+                <a:hlinkClick r:id="rId2"/>
+              </a:rPr>
+              <a:t>github.com/AGanyushkin/teraflops</a:t>
+            </a:r>
+            <a:endParaRPr lang="ru-RU" dirty="0" smtClean="0"/>
+          </a:p>
+          <a:p>
+            <a:pPr marL="0" indent="0">
+              <a:buNone/>
+            </a:pPr>
+            <a:endParaRPr lang="en-US" dirty="0" smtClean="0"/>
+          </a:p>
+          <a:p>
+            <a:pPr marL="0" indent="0">
+              <a:buNone/>
+            </a:pPr>
+            <a:endParaRPr lang="en-US" dirty="0" smtClean="0"/>
+          </a:p>
+          <a:p>
+            <a:pPr marL="0" indent="0">
+              <a:buNone/>
+            </a:pPr>
+            <a:r>
+              <a:rPr lang="en-US" sz="1200" dirty="0">
+                <a:hlinkClick r:id="rId3"/>
+              </a:rPr>
+              <a:t>https://habrahabr.ru/post/325008</a:t>
+            </a:r>
+            <a:r>
+              <a:rPr lang="en-US" sz="1200" dirty="0" smtClean="0">
+                <a:hlinkClick r:id="rId3"/>
+              </a:rPr>
+              <a:t>/</a:t>
+            </a:r>
+            <a:endParaRPr lang="en-US" sz="1200" dirty="0" smtClean="0"/>
+          </a:p>
+          <a:p>
+            <a:pPr marL="0" indent="0">
+              <a:buNone/>
+            </a:pPr>
+            <a:r>
+              <a:rPr lang="en-US" sz="1200" dirty="0">
+                <a:hlinkClick r:id="rId4"/>
+              </a:rPr>
+              <a:t>https://crates.io</a:t>
+            </a:r>
+            <a:r>
+              <a:rPr lang="en-US" sz="1200" dirty="0" smtClean="0">
+                <a:hlinkClick r:id="rId4"/>
+              </a:rPr>
+              <a:t>/</a:t>
+            </a:r>
+            <a:endParaRPr lang="en-US" sz="1200" dirty="0" smtClean="0"/>
+          </a:p>
+          <a:p>
+            <a:pPr marL="0" indent="0">
+              <a:buNone/>
+            </a:pPr>
+            <a:r>
+              <a:rPr lang="en-US" sz="1200" dirty="0">
+                <a:hlinkClick r:id="rId5"/>
+              </a:rPr>
+              <a:t>https://</a:t>
+            </a:r>
+            <a:r>
+              <a:rPr lang="en-US" sz="1200" dirty="0" smtClean="0">
+                <a:hlinkClick r:id="rId5"/>
+              </a:rPr>
+              <a:t>hackernoon.com/compiling-rust-to-webassembly-guide-411066a69fde</a:t>
+            </a:r>
+            <a:endParaRPr lang="en-US" sz="1200" dirty="0" smtClean="0"/>
+          </a:p>
+          <a:p>
+            <a:pPr marL="0" indent="0">
+              <a:buNone/>
+            </a:pPr>
+            <a:r>
+              <a:rPr lang="en-US" sz="1200" dirty="0">
+                <a:hlinkClick r:id="rId6"/>
+              </a:rPr>
+              <a:t>https://medium.com/@</a:t>
+            </a:r>
+            <a:r>
+              <a:rPr lang="en-US" sz="1200" dirty="0" smtClean="0">
+                <a:hlinkClick r:id="rId6"/>
+              </a:rPr>
+              <a:t>ianjsikes/get-started-with-rust-webassembly-and-webpack-58d28e219635</a:t>
+            </a:r>
+            <a:endParaRPr lang="en-US" sz="1200" dirty="0"/>
+          </a:p>
+          <a:p>
+            <a:pPr marL="0" indent="0">
+              <a:buNone/>
+            </a:pPr>
+            <a:r>
+              <a:rPr lang="en-US" sz="1200" dirty="0">
+                <a:hlinkClick r:id="rId7"/>
+              </a:rPr>
+              <a:t>http://asquera.de/blog/2017-04-10/the-path-to-rust-on-the-web/</a:t>
+            </a:r>
+            <a:endParaRPr lang="en-US" sz="1200" dirty="0"/>
+          </a:p>
+          <a:p>
+            <a:pPr marL="0" indent="0">
+              <a:buNone/>
+            </a:pPr>
+            <a:endParaRPr lang="ru-RU" dirty="0"/>
           </a:p>
         </p:txBody>
       </p:sp>
     </p:spTree>
     <p:extLst>
       <p:ext uri="{BB962C8B-B14F-4D97-AF65-F5344CB8AC3E}">
-        <p14:creationId xmlns:p14="http://schemas.microsoft.com/office/powerpoint/2010/main" val="2055344400"/>
+        <p14:creationId xmlns:p14="http://schemas.microsoft.com/office/powerpoint/2010/main" val="230223974"/>
       </p:ext>
     </p:extLst>
   </p:cSld>
   <p:clrMapOvr>
     <a:masterClrMapping/>
   </p:clrMapOvr>
+  <p:timing>
+    <p:tnLst>
+      <p:par>
+        <p:cTn id="1" dur="indefinite" restart="never" nodeType="tmRoot"/>
+      </p:par>
+    </p:tnLst>
+  </p:timing>
+</p:sld>
+</file>
+
+<file path=ppt/slides/slide61.xml><?xml version="1.0" encoding="utf-8"?>
+<p:sld xmlns:a="http://schemas.openxmlformats.org/drawingml/2006/main" xmlns:r="http://schemas.openxmlformats.org/officeDocument/2006/relationships" xmlns:p="http://schemas.openxmlformats.org/presentationml/2006/main">
+  <p:cSld>
+    <p:spTree>
+      <p:nvGrpSpPr>
+        <p:cNvPr id="1" name=""/>
+        <p:cNvGrpSpPr/>
+        <p:nvPr/>
+      </p:nvGrpSpPr>
+      <p:grpSpPr>
+        <a:xfrm>
+          <a:off x="0" y="0"/>
+          <a:ext cx="0" cy="0"/>
+          <a:chOff x="0" y="0"/>
+          <a:chExt cx="0" cy="0"/>
+        </a:xfrm>
+      </p:grpSpPr>
+      <p:sp>
+        <p:nvSpPr>
+          <p:cNvPr id="4" name="Заголовок 3"/>
+          <p:cNvSpPr>
+            <a:spLocks noGrp="1"/>
+          </p:cNvSpPr>
+          <p:nvPr>
+            <p:ph type="ctrTitle"/>
+          </p:nvPr>
+        </p:nvSpPr>
+        <p:spPr/>
+        <p:txBody>
+          <a:bodyPr/>
+          <a:lstStyle/>
+          <a:p>
+            <a:r>
+              <a:rPr lang="ru-RU" dirty="0" smtClean="0"/>
+              <a:t>Спасибо!</a:t>
+            </a:r>
+            <a:endParaRPr lang="ru-RU" dirty="0"/>
+          </a:p>
+        </p:txBody>
+      </p:sp>
+    </p:spTree>
+    <p:extLst>
+      <p:ext uri="{BB962C8B-B14F-4D97-AF65-F5344CB8AC3E}">
+        <p14:creationId xmlns:p14="http://schemas.microsoft.com/office/powerpoint/2010/main" val="574702054"/>
+      </p:ext>
+    </p:extLst>
+  </p:cSld>
+  <p:clrMapOvr>
+    <a:masterClrMapping/>
+  </p:clrMapOvr>
+  <p:timing>
+    <p:tnLst>
+      <p:par>
+        <p:cTn id="1" dur="indefinite" restart="never" nodeType="tmRoot"/>
+      </p:par>
+    </p:tnLst>
+  </p:timing>
 </p:sld>
 </file>
 
@@ -11560,21 +17015,12 @@
         </p:nvSpPr>
         <p:spPr/>
         <p:txBody>
-          <a:bodyPr>
-            <a:normAutofit/>
-          </a:bodyPr>
+          <a:bodyPr/>
           <a:lstStyle/>
           <a:p>
             <a:r>
-              <a:rPr lang="en-US" dirty="0"/>
-              <a:t>Projects</a:t>
-            </a:r>
-            <a:br>
-              <a:rPr lang="en-US" dirty="0"/>
-            </a:br>
-            <a:r>
-              <a:rPr lang="en-US" sz="1600" dirty="0"/>
-              <a:t>https://en.wikipedia.org/wiki/Rust_(programming_language)</a:t>
+              <a:rPr lang="en-US" dirty="0" smtClean="0"/>
+              <a:t>History</a:t>
             </a:r>
             <a:endParaRPr lang="en-US" dirty="0"/>
           </a:p>
@@ -11597,20 +17043,57 @@
           <a:p>
             <a:r>
               <a:rPr lang="en-US" dirty="0"/>
-              <a:t>Servo – Mozilla's new parallel web browser engine[43] developed in collaboration with </a:t>
-            </a:r>
-            <a:r>
-              <a:rPr lang="en-US" dirty="0" smtClean="0"/>
-              <a:t>Samsung</a:t>
-            </a:r>
-          </a:p>
-          <a:p>
-            <a:endParaRPr lang="en-US" dirty="0"/>
-          </a:p>
-          <a:p>
+              <a:t>2006 project started by </a:t>
+            </a:r>
+            <a:r>
+              <a:rPr lang="en-US" dirty="0" err="1"/>
+              <a:t>Graydon</a:t>
+            </a:r>
             <a:r>
               <a:rPr lang="en-US" dirty="0"/>
-              <a:t>Quantum – a project, composed of several sub-projects, to improve the Gecko web browser engine of Firefox, developed by Mozilla</a:t>
+              <a:t> Hoare</a:t>
+            </a:r>
+          </a:p>
+          <a:p>
+            <a:r>
+              <a:rPr lang="en-US" dirty="0"/>
+              <a:t>2009 Mozilla began sponsoring the project</a:t>
+            </a:r>
+          </a:p>
+          <a:p>
+            <a:r>
+              <a:rPr lang="en-US" dirty="0"/>
+              <a:t>2010 Mozilla announced it</a:t>
+            </a:r>
+          </a:p>
+          <a:p>
+            <a:r>
+              <a:rPr lang="en-US" dirty="0"/>
+              <a:t>2011 Rust successfully compiled itself</a:t>
+            </a:r>
+          </a:p>
+          <a:p>
+            <a:r>
+              <a:rPr lang="en-US" dirty="0"/>
+              <a:t>2012 pre-alpha release</a:t>
+            </a:r>
+          </a:p>
+          <a:p>
+            <a:r>
+              <a:rPr lang="en-US" dirty="0"/>
+              <a:t>2013 v0.6 &amp; Mozilla in Servo (Samsung project)</a:t>
+            </a:r>
+          </a:p>
+          <a:p>
+            <a:r>
+              <a:rPr lang="en-US" dirty="0"/>
+              <a:t>2015 - Rust 1.0</a:t>
+            </a:r>
+          </a:p>
+          <a:p>
+            <a:r>
+              <a:rPr lang="en-US" dirty="0"/>
+              <a:t>2017.09.31 - Rust v1.20</a:t>
             </a:r>
           </a:p>
         </p:txBody>
@@ -11618,13 +17101,20 @@
     </p:spTree>
     <p:extLst>
       <p:ext uri="{BB962C8B-B14F-4D97-AF65-F5344CB8AC3E}">
-        <p14:creationId xmlns:p14="http://schemas.microsoft.com/office/powerpoint/2010/main" val="4070096791"/>
+        <p14:creationId xmlns:p14="http://schemas.microsoft.com/office/powerpoint/2010/main" val="2055344400"/>
       </p:ext>
     </p:extLst>
   </p:cSld>
   <p:clrMapOvr>
     <a:masterClrMapping/>
   </p:clrMapOvr>
+  <p:timing>
+    <p:tnLst>
+      <p:par>
+        <p:cTn id="1" dur="indefinite" restart="never" nodeType="tmRoot"/>
+      </p:par>
+    </p:tnLst>
+  </p:timing>
 </p:sld>
 </file>
 
@@ -11689,174 +17179,33 @@
         </p:nvSpPr>
         <p:spPr/>
         <p:txBody>
-          <a:bodyPr>
-            <a:normAutofit fontScale="47500" lnSpcReduction="20000"/>
-          </a:bodyPr>
+          <a:bodyPr/>
           <a:lstStyle/>
           <a:p>
             <a:r>
               <a:rPr lang="en-US" dirty="0"/>
-              <a:t>CITA - a fast and scalable permissioned </a:t>
-            </a:r>
-            <a:r>
-              <a:rPr lang="en-US" dirty="0" err="1"/>
-              <a:t>blockchain</a:t>
+              <a:t>Servo – Mozilla's new parallel web browser </a:t>
+            </a:r>
+            <a:r>
+              <a:rPr lang="en-US" dirty="0" smtClean="0"/>
+              <a:t>engine </a:t>
             </a:r>
             <a:r>
               <a:rPr lang="en-US" dirty="0"/>
-              <a:t> for production</a:t>
-            </a:r>
+              <a:t>developed in collaboration with </a:t>
+            </a:r>
+            <a:r>
+              <a:rPr lang="en-US" dirty="0" smtClean="0"/>
+              <a:t>Samsung</a:t>
+            </a:r>
+          </a:p>
+          <a:p>
+            <a:endParaRPr lang="en-US" dirty="0"/>
           </a:p>
           <a:p>
             <a:r>
               <a:rPr lang="en-US" dirty="0"/>
-              <a:t>Magic Pocket – Dropbox's file system that powers their </a:t>
-            </a:r>
-            <a:r>
-              <a:rPr lang="en-US" dirty="0" err="1"/>
-              <a:t>Diskotech</a:t>
-            </a:r>
-            <a:r>
-              <a:rPr lang="en-US" dirty="0"/>
-              <a:t> petabyte storage machines</a:t>
-            </a:r>
-          </a:p>
-          <a:p>
-            <a:r>
-              <a:rPr lang="en-US" dirty="0" err="1"/>
-              <a:t>OpenDNS</a:t>
-            </a:r>
-            <a:r>
-              <a:rPr lang="en-US" dirty="0"/>
-              <a:t> – used in two of its components</a:t>
-            </a:r>
-          </a:p>
-          <a:p>
-            <a:r>
-              <a:rPr lang="en-US" dirty="0"/>
-              <a:t>Redox – a microkernel operating system</a:t>
-            </a:r>
-          </a:p>
-          <a:p>
-            <a:r>
-              <a:rPr lang="en-US" dirty="0"/>
-              <a:t>Piston – a game engine</a:t>
-            </a:r>
-          </a:p>
-          <a:p>
-            <a:r>
-              <a:rPr lang="en-US" dirty="0"/>
-              <a:t>Amethyst – a data-oriented, data-driven game engine</a:t>
-            </a:r>
-          </a:p>
-          <a:p>
-            <a:r>
-              <a:rPr lang="en-US" dirty="0" err="1"/>
-              <a:t>OnePush</a:t>
-            </a:r>
-            <a:r>
-              <a:rPr lang="en-US" dirty="0"/>
-              <a:t> – a notification delivery system developed by </a:t>
-            </a:r>
-            <a:r>
-              <a:rPr lang="en-US" dirty="0" err="1"/>
-              <a:t>OneSignal</a:t>
-            </a:r>
-            <a:endParaRPr lang="en-US" dirty="0"/>
-          </a:p>
-          <a:p>
-            <a:r>
-              <a:rPr lang="en-US" dirty="0" err="1"/>
-              <a:t>REmacs</a:t>
-            </a:r>
-            <a:r>
-              <a:rPr lang="en-US" dirty="0"/>
-              <a:t> – a port of </a:t>
-            </a:r>
-            <a:r>
-              <a:rPr lang="en-US" dirty="0" err="1"/>
-              <a:t>Emacs</a:t>
-            </a:r>
-            <a:r>
-              <a:rPr lang="en-US" dirty="0"/>
-              <a:t> to Rust</a:t>
-            </a:r>
-          </a:p>
-          <a:p>
-            <a:r>
-              <a:rPr lang="en-US" dirty="0" err="1"/>
-              <a:t>MAIDsafe</a:t>
-            </a:r>
-            <a:r>
-              <a:rPr lang="en-US" dirty="0"/>
-              <a:t> – a P2P Internet project currently being developed by a team in Troon, Scotland</a:t>
-            </a:r>
-          </a:p>
-          <a:p>
-            <a:r>
-              <a:rPr lang="en-US" dirty="0" err="1"/>
-              <a:t>Lucidscape</a:t>
-            </a:r>
-            <a:r>
-              <a:rPr lang="en-US" dirty="0"/>
-              <a:t> Mesh – a distributed real-time simulation engine for virtual reality</a:t>
-            </a:r>
-          </a:p>
-          <a:p>
-            <a:r>
-              <a:rPr lang="en-US" dirty="0"/>
-              <a:t>Tor – an anonymity network</a:t>
-            </a:r>
-          </a:p>
-          <a:p>
-            <a:r>
-              <a:rPr lang="en-US" dirty="0"/>
-              <a:t>IOTA – a distributed ledger cryptocurrency</a:t>
-            </a:r>
-          </a:p>
-          <a:p>
-            <a:r>
-              <a:rPr lang="en-US" dirty="0" err="1"/>
-              <a:t>Pijul</a:t>
-            </a:r>
-            <a:r>
-              <a:rPr lang="en-US" dirty="0"/>
-              <a:t> – a distributed version control system inspired by </a:t>
-            </a:r>
-            <a:r>
-              <a:rPr lang="en-US" dirty="0" err="1"/>
-              <a:t>Darcs</a:t>
-            </a:r>
-            <a:endParaRPr lang="en-US" dirty="0"/>
-          </a:p>
-          <a:p>
-            <a:r>
-              <a:rPr lang="en-US" dirty="0"/>
-              <a:t>Railcar – a container runtime by Oracle</a:t>
-            </a:r>
-          </a:p>
-          <a:p>
-            <a:r>
-              <a:rPr lang="en-US" dirty="0" err="1"/>
-              <a:t>Rustation</a:t>
-            </a:r>
-            <a:r>
-              <a:rPr lang="en-US" dirty="0"/>
-              <a:t> - a PlayStation emulator</a:t>
-            </a:r>
-          </a:p>
-          <a:p>
-            <a:r>
-              <a:rPr lang="en-US" dirty="0"/>
-              <a:t>Parity - a </a:t>
-            </a:r>
-            <a:r>
-              <a:rPr lang="en-US" dirty="0" err="1"/>
-              <a:t>Ethereum</a:t>
-            </a:r>
-            <a:r>
-              <a:rPr lang="en-US" dirty="0"/>
-              <a:t> web browser and wallet management application</a:t>
+              <a:t>Quantum – a project, composed of several sub-projects, to improve the Gecko web browser engine of Firefox, developed by Mozilla</a:t>
             </a:r>
           </a:p>
         </p:txBody>
@@ -11864,13 +17213,20 @@
     </p:spTree>
     <p:extLst>
       <p:ext uri="{BB962C8B-B14F-4D97-AF65-F5344CB8AC3E}">
-        <p14:creationId xmlns:p14="http://schemas.microsoft.com/office/powerpoint/2010/main" val="3653541247"/>
+        <p14:creationId xmlns:p14="http://schemas.microsoft.com/office/powerpoint/2010/main" val="4070096791"/>
       </p:ext>
     </p:extLst>
   </p:cSld>
   <p:clrMapOvr>
     <a:masterClrMapping/>
   </p:clrMapOvr>
+  <p:timing>
+    <p:tnLst>
+      <p:par>
+        <p:cTn id="1" dur="indefinite" restart="never" nodeType="tmRoot"/>
+      </p:par>
+    </p:tnLst>
+  </p:timing>
 </p:sld>
 </file>
 
@@ -11903,10 +17259,23 @@
         </p:nvSpPr>
         <p:spPr/>
         <p:txBody>
-          <a:bodyPr/>
+          <a:bodyPr>
+            <a:normAutofit/>
+          </a:bodyPr>
           <a:lstStyle/>
           <a:p>
-            <a:endParaRPr lang="en-US"/>
+            <a:r>
+              <a:rPr lang="en-US" dirty="0"/>
+              <a:t>Projects</a:t>
+            </a:r>
+            <a:br>
+              <a:rPr lang="en-US" dirty="0"/>
+            </a:br>
+            <a:r>
+              <a:rPr lang="en-US" sz="1600" dirty="0"/>
+              <a:t>https://en.wikipedia.org/wiki/Rust_(programming_language)</a:t>
+            </a:r>
+            <a:endParaRPr lang="en-US" dirty="0"/>
           </a:p>
         </p:txBody>
       </p:sp>
@@ -11922,23 +17291,195 @@
         </p:nvSpPr>
         <p:spPr/>
         <p:txBody>
-          <a:bodyPr/>
+          <a:bodyPr>
+            <a:normAutofit fontScale="47500" lnSpcReduction="20000"/>
+          </a:bodyPr>
           <a:lstStyle/>
           <a:p>
-            <a:endParaRPr lang="en-US"/>
+            <a:r>
+              <a:rPr lang="en-US" dirty="0"/>
+              <a:t>CITA - a fast and scalable permissioned </a:t>
+            </a:r>
+            <a:r>
+              <a:rPr lang="en-US" dirty="0" err="1"/>
+              <a:t>blockchain</a:t>
+            </a:r>
+            <a:r>
+              <a:rPr lang="en-US" dirty="0"/>
+              <a:t> for production</a:t>
+            </a:r>
+          </a:p>
+          <a:p>
+            <a:r>
+              <a:rPr lang="en-US" dirty="0"/>
+              <a:t>Magic Pocket – Dropbox's file system that powers their </a:t>
+            </a:r>
+            <a:r>
+              <a:rPr lang="en-US" dirty="0" err="1"/>
+              <a:t>Diskotech</a:t>
+            </a:r>
+            <a:r>
+              <a:rPr lang="en-US" dirty="0"/>
+              <a:t> petabyte storage machines</a:t>
+            </a:r>
+          </a:p>
+          <a:p>
+            <a:r>
+              <a:rPr lang="en-US" dirty="0" err="1"/>
+              <a:t>OpenDNS</a:t>
+            </a:r>
+            <a:r>
+              <a:rPr lang="en-US" dirty="0"/>
+              <a:t> – used in two of its components</a:t>
+            </a:r>
+          </a:p>
+          <a:p>
+            <a:r>
+              <a:rPr lang="en-US" dirty="0"/>
+              <a:t>Redox – a microkernel operating system</a:t>
+            </a:r>
+          </a:p>
+          <a:p>
+            <a:r>
+              <a:rPr lang="en-US" dirty="0"/>
+              <a:t>Piston – a game engine</a:t>
+            </a:r>
+          </a:p>
+          <a:p>
+            <a:r>
+              <a:rPr lang="en-US" dirty="0"/>
+              <a:t>Amethyst – a data-oriented, data-driven game engine</a:t>
+            </a:r>
+          </a:p>
+          <a:p>
+            <a:r>
+              <a:rPr lang="en-US" dirty="0" err="1"/>
+              <a:t>OnePush</a:t>
+            </a:r>
+            <a:r>
+              <a:rPr lang="en-US" dirty="0"/>
+              <a:t> – a notification delivery system developed by </a:t>
+            </a:r>
+            <a:r>
+              <a:rPr lang="en-US" dirty="0" err="1"/>
+              <a:t>OneSignal</a:t>
+            </a:r>
+            <a:endParaRPr lang="en-US" dirty="0"/>
+          </a:p>
+          <a:p>
+            <a:r>
+              <a:rPr lang="en-US" dirty="0" err="1"/>
+              <a:t>REmacs</a:t>
+            </a:r>
+            <a:r>
+              <a:rPr lang="en-US" dirty="0"/>
+              <a:t> – a port of </a:t>
+            </a:r>
+            <a:r>
+              <a:rPr lang="en-US" dirty="0" err="1"/>
+              <a:t>Emacs</a:t>
+            </a:r>
+            <a:r>
+              <a:rPr lang="en-US" dirty="0"/>
+              <a:t> to Rust</a:t>
+            </a:r>
+          </a:p>
+          <a:p>
+            <a:r>
+              <a:rPr lang="en-US" dirty="0" err="1"/>
+              <a:t>MAIDsafe</a:t>
+            </a:r>
+            <a:r>
+              <a:rPr lang="en-US" dirty="0"/>
+              <a:t> – a P2P Internet project currently being developed by a team in Troon, Scotland</a:t>
+            </a:r>
+          </a:p>
+          <a:p>
+            <a:r>
+              <a:rPr lang="en-US" dirty="0" err="1"/>
+              <a:t>Lucidscape</a:t>
+            </a:r>
+            <a:r>
+              <a:rPr lang="en-US" dirty="0"/>
+              <a:t> Mesh – a distributed real-time simulation engine for virtual reality</a:t>
+            </a:r>
+          </a:p>
+          <a:p>
+            <a:r>
+              <a:rPr lang="en-US" dirty="0"/>
+              <a:t>Tor – an anonymity network</a:t>
+            </a:r>
+          </a:p>
+          <a:p>
+            <a:r>
+              <a:rPr lang="en-US" dirty="0"/>
+              <a:t>IOTA – a distributed ledger cryptocurrency</a:t>
+            </a:r>
+          </a:p>
+          <a:p>
+            <a:r>
+              <a:rPr lang="en-US" dirty="0" err="1"/>
+              <a:t>Pijul</a:t>
+            </a:r>
+            <a:r>
+              <a:rPr lang="en-US" dirty="0"/>
+              <a:t> – a distributed version control system inspired by </a:t>
+            </a:r>
+            <a:r>
+              <a:rPr lang="en-US" dirty="0" err="1"/>
+              <a:t>Darcs</a:t>
+            </a:r>
+            <a:endParaRPr lang="en-US" dirty="0"/>
+          </a:p>
+          <a:p>
+            <a:r>
+              <a:rPr lang="en-US" dirty="0"/>
+              <a:t>Railcar – a container runtime by Oracle</a:t>
+            </a:r>
+          </a:p>
+          <a:p>
+            <a:r>
+              <a:rPr lang="en-US" dirty="0" err="1"/>
+              <a:t>Rustation</a:t>
+            </a:r>
+            <a:r>
+              <a:rPr lang="en-US" dirty="0"/>
+              <a:t> - a PlayStation emulator</a:t>
+            </a:r>
+          </a:p>
+          <a:p>
+            <a:r>
+              <a:rPr lang="en-US" dirty="0"/>
+              <a:t>Parity - a </a:t>
+            </a:r>
+            <a:r>
+              <a:rPr lang="en-US" dirty="0" err="1"/>
+              <a:t>Ethereum</a:t>
+            </a:r>
+            <a:r>
+              <a:rPr lang="en-US" dirty="0"/>
+              <a:t> web browser and wallet management application</a:t>
+            </a:r>
           </a:p>
         </p:txBody>
       </p:sp>
     </p:spTree>
     <p:extLst>
       <p:ext uri="{BB962C8B-B14F-4D97-AF65-F5344CB8AC3E}">
-        <p14:creationId xmlns:p14="http://schemas.microsoft.com/office/powerpoint/2010/main" val="87821010"/>
+        <p14:creationId xmlns:p14="http://schemas.microsoft.com/office/powerpoint/2010/main" val="3653541247"/>
       </p:ext>
     </p:extLst>
   </p:cSld>
   <p:clrMapOvr>
     <a:masterClrMapping/>
   </p:clrMapOvr>
+  <p:timing>
+    <p:tnLst>
+      <p:par>
+        <p:cTn id="1" dur="indefinite" restart="never" nodeType="tmRoot"/>
+      </p:par>
+    </p:tnLst>
+  </p:timing>
 </p:sld>
 </file>
 
